--- a/AngularJS/2. AngularJS Components.pptx
+++ b/AngularJS/2. AngularJS Components.pptx
@@ -5,63 +5,60 @@
     <p:sldMasterId id="2147483660" r:id="rId2"/>
   </p:sldMasterIdLst>
   <p:notesMasterIdLst>
-    <p:notesMasterId r:id="rId54"/>
+    <p:notesMasterId r:id="rId51"/>
   </p:notesMasterIdLst>
   <p:handoutMasterIdLst>
-    <p:handoutMasterId r:id="rId55"/>
+    <p:handoutMasterId r:id="rId52"/>
   </p:handoutMasterIdLst>
   <p:sldIdLst>
     <p:sldId id="274" r:id="rId3"/>
-    <p:sldId id="469" r:id="rId4"/>
-    <p:sldId id="276" r:id="rId5"/>
-    <p:sldId id="435" r:id="rId6"/>
-    <p:sldId id="425" r:id="rId7"/>
-    <p:sldId id="428" r:id="rId8"/>
-    <p:sldId id="432" r:id="rId9"/>
-    <p:sldId id="427" r:id="rId10"/>
-    <p:sldId id="429" r:id="rId11"/>
-    <p:sldId id="430" r:id="rId12"/>
-    <p:sldId id="431" r:id="rId13"/>
-    <p:sldId id="433" r:id="rId14"/>
-    <p:sldId id="426" r:id="rId15"/>
-    <p:sldId id="434" r:id="rId16"/>
-    <p:sldId id="417" r:id="rId17"/>
-    <p:sldId id="470" r:id="rId18"/>
-    <p:sldId id="437" r:id="rId19"/>
-    <p:sldId id="438" r:id="rId20"/>
-    <p:sldId id="439" r:id="rId21"/>
-    <p:sldId id="440" r:id="rId22"/>
-    <p:sldId id="441" r:id="rId23"/>
-    <p:sldId id="442" r:id="rId24"/>
-    <p:sldId id="443" r:id="rId25"/>
-    <p:sldId id="444" r:id="rId26"/>
-    <p:sldId id="445" r:id="rId27"/>
-    <p:sldId id="446" r:id="rId28"/>
-    <p:sldId id="447" r:id="rId29"/>
-    <p:sldId id="448" r:id="rId30"/>
-    <p:sldId id="449" r:id="rId31"/>
-    <p:sldId id="450" r:id="rId32"/>
-    <p:sldId id="451" r:id="rId33"/>
-    <p:sldId id="452" r:id="rId34"/>
-    <p:sldId id="453" r:id="rId35"/>
-    <p:sldId id="454" r:id="rId36"/>
-    <p:sldId id="471" r:id="rId37"/>
-    <p:sldId id="456" r:id="rId38"/>
-    <p:sldId id="457" r:id="rId39"/>
-    <p:sldId id="458" r:id="rId40"/>
-    <p:sldId id="459" r:id="rId41"/>
-    <p:sldId id="460" r:id="rId42"/>
-    <p:sldId id="461" r:id="rId43"/>
-    <p:sldId id="462" r:id="rId44"/>
-    <p:sldId id="463" r:id="rId45"/>
-    <p:sldId id="464" r:id="rId46"/>
-    <p:sldId id="465" r:id="rId47"/>
-    <p:sldId id="466" r:id="rId48"/>
-    <p:sldId id="467" r:id="rId49"/>
-    <p:sldId id="468" r:id="rId50"/>
-    <p:sldId id="424" r:id="rId51"/>
-    <p:sldId id="419" r:id="rId52"/>
-    <p:sldId id="420" r:id="rId53"/>
+    <p:sldId id="472" r:id="rId4"/>
+    <p:sldId id="469" r:id="rId5"/>
+    <p:sldId id="425" r:id="rId6"/>
+    <p:sldId id="428" r:id="rId7"/>
+    <p:sldId id="432" r:id="rId8"/>
+    <p:sldId id="427" r:id="rId9"/>
+    <p:sldId id="429" r:id="rId10"/>
+    <p:sldId id="430" r:id="rId11"/>
+    <p:sldId id="431" r:id="rId12"/>
+    <p:sldId id="433" r:id="rId13"/>
+    <p:sldId id="426" r:id="rId14"/>
+    <p:sldId id="434" r:id="rId15"/>
+    <p:sldId id="417" r:id="rId16"/>
+    <p:sldId id="470" r:id="rId17"/>
+    <p:sldId id="438" r:id="rId18"/>
+    <p:sldId id="439" r:id="rId19"/>
+    <p:sldId id="440" r:id="rId20"/>
+    <p:sldId id="441" r:id="rId21"/>
+    <p:sldId id="442" r:id="rId22"/>
+    <p:sldId id="443" r:id="rId23"/>
+    <p:sldId id="444" r:id="rId24"/>
+    <p:sldId id="445" r:id="rId25"/>
+    <p:sldId id="446" r:id="rId26"/>
+    <p:sldId id="447" r:id="rId27"/>
+    <p:sldId id="448" r:id="rId28"/>
+    <p:sldId id="449" r:id="rId29"/>
+    <p:sldId id="450" r:id="rId30"/>
+    <p:sldId id="451" r:id="rId31"/>
+    <p:sldId id="452" r:id="rId32"/>
+    <p:sldId id="453" r:id="rId33"/>
+    <p:sldId id="454" r:id="rId34"/>
+    <p:sldId id="471" r:id="rId35"/>
+    <p:sldId id="457" r:id="rId36"/>
+    <p:sldId id="458" r:id="rId37"/>
+    <p:sldId id="459" r:id="rId38"/>
+    <p:sldId id="460" r:id="rId39"/>
+    <p:sldId id="461" r:id="rId40"/>
+    <p:sldId id="462" r:id="rId41"/>
+    <p:sldId id="463" r:id="rId42"/>
+    <p:sldId id="464" r:id="rId43"/>
+    <p:sldId id="465" r:id="rId44"/>
+    <p:sldId id="466" r:id="rId45"/>
+    <p:sldId id="467" r:id="rId46"/>
+    <p:sldId id="468" r:id="rId47"/>
+    <p:sldId id="424" r:id="rId48"/>
+    <p:sldId id="419" r:id="rId49"/>
+    <p:sldId id="420" r:id="rId50"/>
   </p:sldIdLst>
   <p:sldSz cx="12188825" cy="6858000"/>
   <p:notesSz cx="6858000" cy="9144000"/>
@@ -166,13 +163,12 @@
         <p14:section name="Default Section" id="{3C1D7BD8-22C2-44CC-BC15-0A876D2D3AE6}">
           <p14:sldIdLst>
             <p14:sldId id="274"/>
+            <p14:sldId id="472"/>
           </p14:sldIdLst>
         </p14:section>
         <p14:section name="Services" id="{DFF26AA5-0FC1-4DC1-9CF6-A73BA69478F6}">
           <p14:sldIdLst>
             <p14:sldId id="469"/>
-            <p14:sldId id="276"/>
-            <p14:sldId id="435"/>
             <p14:sldId id="425"/>
             <p14:sldId id="428"/>
             <p14:sldId id="432"/>
@@ -184,8 +180,11 @@
             <p14:sldId id="426"/>
             <p14:sldId id="434"/>
             <p14:sldId id="417"/>
+          </p14:sldIdLst>
+        </p14:section>
+        <p14:section name="Routing" id="{8038B088-D42C-4E1E-8E8F-672672F83CF3}">
+          <p14:sldIdLst>
             <p14:sldId id="470"/>
-            <p14:sldId id="437"/>
             <p14:sldId id="438"/>
             <p14:sldId id="439"/>
             <p14:sldId id="440"/>
@@ -203,8 +202,11 @@
             <p14:sldId id="452"/>
             <p14:sldId id="453"/>
             <p14:sldId id="454"/>
+          </p14:sldIdLst>
+        </p14:section>
+        <p14:section name="Directives" id="{3440F013-154B-4AA4-851A-EBA276F54A88}">
+          <p14:sldIdLst>
             <p14:sldId id="471"/>
-            <p14:sldId id="456"/>
             <p14:sldId id="457"/>
             <p14:sldId id="458"/>
             <p14:sldId id="459"/>
@@ -216,6 +218,10 @@
             <p14:sldId id="465"/>
             <p14:sldId id="466"/>
             <p14:sldId id="467"/>
+          </p14:sldIdLst>
+        </p14:section>
+        <p14:section name="Questions" id="{2C06B515-108E-45C3-B779-607003FA36A8}">
+          <p14:sldIdLst>
             <p14:sldId id="468"/>
             <p14:sldId id="424"/>
             <p14:sldId id="419"/>
@@ -345,7 +351,7 @@
             <a:fld id="{FE5B4EDC-59C0-49C7-8ADA-5A781B329E02}" type="datetimeFigureOut">
               <a:rPr lang="en-US"/>
               <a:pPr/>
-              <a:t>14-Jun-15</a:t>
+              <a:t>15-Jun-15</a:t>
             </a:fld>
             <a:endParaRPr dirty="0"/>
           </a:p>
@@ -544,7 +550,7 @@
             <a:fld id="{F2D8D46A-B586-417D-BFBD-8C8FE0AAF762}" type="datetimeFigureOut">
               <a:rPr lang="en-US" smtClean="0"/>
               <a:pPr/>
-              <a:t>14-Jun-15</a:t>
+              <a:t>15-Jun-15</a:t>
             </a:fld>
             <a:endParaRPr lang="en-US"/>
           </a:p>
@@ -979,141 +985,6 @@
 </p:notes>
 </file>
 
-<file path=ppt/notesSlides/notesSlide10.xml><?xml version="1.0" encoding="utf-8"?>
-<p:notes xmlns:a="http://schemas.openxmlformats.org/drawingml/2006/main" xmlns:r="http://schemas.openxmlformats.org/officeDocument/2006/relationships" xmlns:p="http://schemas.openxmlformats.org/presentationml/2006/main">
-  <p:cSld>
-    <p:spTree>
-      <p:nvGrpSpPr>
-        <p:cNvPr id="1" name=""/>
-        <p:cNvGrpSpPr/>
-        <p:nvPr/>
-      </p:nvGrpSpPr>
-      <p:grpSpPr>
-        <a:xfrm>
-          <a:off x="0" y="0"/>
-          <a:ext cx="0" cy="0"/>
-          <a:chOff x="0" y="0"/>
-          <a:chExt cx="0" cy="0"/>
-        </a:xfrm>
-      </p:grpSpPr>
-      <p:sp>
-        <p:nvSpPr>
-          <p:cNvPr id="2" name="Slide Image Placeholder 1"/>
-          <p:cNvSpPr>
-            <a:spLocks noGrp="1" noRot="1" noChangeAspect="1"/>
-          </p:cNvSpPr>
-          <p:nvPr>
-            <p:ph type="sldImg"/>
-          </p:nvPr>
-        </p:nvSpPr>
-        <p:spPr/>
-      </p:sp>
-      <p:sp>
-        <p:nvSpPr>
-          <p:cNvPr id="3" name="Notes Placeholder 2"/>
-          <p:cNvSpPr>
-            <a:spLocks noGrp="1"/>
-          </p:cNvSpPr>
-          <p:nvPr>
-            <p:ph type="body" idx="1"/>
-          </p:nvPr>
-        </p:nvSpPr>
-        <p:spPr/>
-        <p:txBody>
-          <a:bodyPr/>
-          <a:lstStyle/>
-          <a:p>
-            <a:endParaRPr lang="en-US"/>
-          </a:p>
-        </p:txBody>
-      </p:sp>
-      <p:sp>
-        <p:nvSpPr>
-          <p:cNvPr id="4" name="Footer Placeholder 3"/>
-          <p:cNvSpPr>
-            <a:spLocks noGrp="1"/>
-          </p:cNvSpPr>
-          <p:nvPr>
-            <p:ph type="ftr" sz="quarter" idx="10"/>
-          </p:nvPr>
-        </p:nvSpPr>
-        <p:spPr/>
-        <p:txBody>
-          <a:bodyPr/>
-          <a:lstStyle/>
-          <a:p>
-            <a:r>
-              <a:rPr lang="en-US" sz="1000" smtClean="0"/>
-              <a:t>© Software University Foundation – </a:t>
-            </a:r>
-            <a:r>
-              <a:rPr lang="en-US" sz="1000" u="sng" smtClean="0">
-                <a:hlinkClick r:id="rId3"/>
-              </a:rPr>
-              <a:t>http://softuni.org</a:t>
-            </a:r>
-            <a:endParaRPr lang="en-US" sz="1000" smtClean="0"/>
-          </a:p>
-          <a:p>
-            <a:r>
-              <a:rPr lang="en-US" sz="1000" smtClean="0"/>
-              <a:t>This work is licensed under the </a:t>
-            </a:r>
-            <a:r>
-              <a:rPr lang="en-US" sz="1000" u="sng" noProof="1" smtClean="0">
-                <a:hlinkClick r:id="rId4"/>
-              </a:rPr>
-              <a:t>Creative Commons Attribution-NonCommercial-ShareAlike</a:t>
-            </a:r>
-            <a:r>
-              <a:rPr lang="en-US" sz="1000" noProof="1" smtClean="0"/>
-              <a:t> </a:t>
-            </a:r>
-            <a:r>
-              <a:rPr lang="en-US" sz="1000" smtClean="0"/>
-              <a:t>license.</a:t>
-            </a:r>
-            <a:endParaRPr lang="en-US" sz="1000" dirty="0"/>
-          </a:p>
-        </p:txBody>
-      </p:sp>
-      <p:sp>
-        <p:nvSpPr>
-          <p:cNvPr id="5" name="Slide Number Placeholder 4"/>
-          <p:cNvSpPr>
-            <a:spLocks noGrp="1"/>
-          </p:cNvSpPr>
-          <p:nvPr>
-            <p:ph type="sldNum" sz="quarter" idx="11"/>
-          </p:nvPr>
-        </p:nvSpPr>
-        <p:spPr/>
-        <p:txBody>
-          <a:bodyPr/>
-          <a:lstStyle/>
-          <a:p>
-            <a:fld id="{3EBA5BD7-F043-4D1B-AA17-CD412FC534DE}" type="slidenum">
-              <a:rPr lang="en-US" smtClean="0"/>
-              <a:pPr/>
-              <a:t>51</a:t>
-            </a:fld>
-            <a:endParaRPr lang="en-US" dirty="0"/>
-          </a:p>
-        </p:txBody>
-      </p:sp>
-    </p:spTree>
-    <p:extLst>
-      <p:ext uri="{BB962C8B-B14F-4D97-AF65-F5344CB8AC3E}">
-        <p14:creationId xmlns:p14="http://schemas.microsoft.com/office/powerpoint/2010/main" val="3111553915"/>
-      </p:ext>
-    </p:extLst>
-  </p:cSld>
-  <p:clrMapOvr>
-    <a:masterClrMapping/>
-  </p:clrMapOvr>
-</p:notes>
-</file>
-
 <file path=ppt/notesSlides/notesSlide2.xml><?xml version="1.0" encoding="utf-8"?>
 <p:notes xmlns:a="http://schemas.openxmlformats.org/drawingml/2006/main" xmlns:r="http://schemas.openxmlformats.org/officeDocument/2006/relationships" xmlns:p="http://schemas.openxmlformats.org/presentationml/2006/main">
   <p:cSld>
@@ -1232,7 +1103,7 @@
             <a:fld id="{3EBA5BD7-F043-4D1B-AA17-CD412FC534DE}" type="slidenum">
               <a:rPr lang="en-US" smtClean="0"/>
               <a:pPr/>
-              <a:t>3</a:t>
+              <a:t>2</a:t>
             </a:fld>
             <a:endParaRPr lang="en-US" dirty="0"/>
           </a:p>
@@ -1241,7 +1112,7 @@
     </p:spTree>
     <p:extLst>
       <p:ext uri="{BB962C8B-B14F-4D97-AF65-F5344CB8AC3E}">
-        <p14:creationId xmlns:p14="http://schemas.microsoft.com/office/powerpoint/2010/main" val="1134749778"/>
+        <p14:creationId xmlns:p14="http://schemas.microsoft.com/office/powerpoint/2010/main" val="3062593536"/>
       </p:ext>
     </p:extLst>
   </p:cSld>
@@ -1331,23 +1202,21 @@
       </p:grpSpPr>
       <p:sp>
         <p:nvSpPr>
-          <p:cNvPr id="445442" name="Rectangle 2"/>
+          <p:cNvPr id="2" name="Slide Image Placeholder 1"/>
           <p:cNvSpPr>
-            <a:spLocks noGrp="1" noRot="1" noChangeAspect="1" noChangeArrowheads="1" noTextEdit="1"/>
+            <a:spLocks noGrp="1" noRot="1" noChangeAspect="1"/>
           </p:cNvSpPr>
           <p:nvPr>
             <p:ph type="sldImg"/>
           </p:nvPr>
         </p:nvSpPr>
-        <p:spPr>
-          <a:ln/>
-        </p:spPr>
+        <p:spPr/>
       </p:sp>
       <p:sp>
         <p:nvSpPr>
-          <p:cNvPr id="445443" name="Rectangle 3"/>
+          <p:cNvPr id="3" name="Notes Placeholder 2"/>
           <p:cNvSpPr>
-            <a:spLocks noGrp="1" noChangeArrowheads="1"/>
+            <a:spLocks noGrp="1"/>
           </p:cNvSpPr>
           <p:nvPr>
             <p:ph type="body" idx="1"/>
@@ -1358,88 +1227,14 @@
           <a:bodyPr/>
           <a:lstStyle/>
           <a:p>
-            <a:endParaRPr lang="bg-BG"/>
-          </a:p>
-        </p:txBody>
-      </p:sp>
-      <p:sp>
-        <p:nvSpPr>
-          <p:cNvPr id="2" name="Footer Placeholder 1"/>
-          <p:cNvSpPr>
-            <a:spLocks noGrp="1"/>
-          </p:cNvSpPr>
-          <p:nvPr>
-            <p:ph type="ftr" sz="quarter" idx="10"/>
-          </p:nvPr>
-        </p:nvSpPr>
-        <p:spPr/>
-        <p:txBody>
-          <a:bodyPr/>
-          <a:lstStyle/>
-          <a:p>
-            <a:r>
-              <a:rPr lang="en-US" sz="1000" smtClean="0"/>
-              <a:t>© Software University Foundation – </a:t>
-            </a:r>
-            <a:r>
-              <a:rPr lang="en-US" sz="1000" u="sng" smtClean="0">
-                <a:hlinkClick r:id="rId3"/>
-              </a:rPr>
-              <a:t>http://softuni.org</a:t>
-            </a:r>
-            <a:endParaRPr lang="en-US" sz="1000" smtClean="0"/>
-          </a:p>
-          <a:p>
-            <a:r>
-              <a:rPr lang="en-US" sz="1000" smtClean="0"/>
-              <a:t>This work is licensed under the </a:t>
-            </a:r>
-            <a:r>
-              <a:rPr lang="en-US" sz="1000" u="sng" noProof="1" smtClean="0">
-                <a:hlinkClick r:id="rId4"/>
-              </a:rPr>
-              <a:t>Creative Commons Attribution-NonCommercial-ShareAlike</a:t>
-            </a:r>
-            <a:r>
-              <a:rPr lang="en-US" sz="1000" noProof="1" smtClean="0"/>
-              <a:t> </a:t>
-            </a:r>
-            <a:r>
-              <a:rPr lang="en-US" sz="1000" smtClean="0"/>
-              <a:t>license.</a:t>
-            </a:r>
-            <a:endParaRPr lang="en-US" sz="1000" dirty="0"/>
-          </a:p>
-        </p:txBody>
-      </p:sp>
-      <p:sp>
-        <p:nvSpPr>
-          <p:cNvPr id="3" name="Slide Number Placeholder 2"/>
-          <p:cNvSpPr>
-            <a:spLocks noGrp="1"/>
-          </p:cNvSpPr>
-          <p:nvPr>
-            <p:ph type="sldNum" sz="quarter" idx="11"/>
-          </p:nvPr>
-        </p:nvSpPr>
-        <p:spPr/>
-        <p:txBody>
-          <a:bodyPr/>
-          <a:lstStyle/>
-          <a:p>
-            <a:fld id="{3EBA5BD7-F043-4D1B-AA17-CD412FC534DE}" type="slidenum">
-              <a:rPr lang="en-US" smtClean="0"/>
-              <a:pPr/>
-              <a:t>17</a:t>
-            </a:fld>
-            <a:endParaRPr lang="en-US" dirty="0"/>
+            <a:endParaRPr lang="en-US"/>
           </a:p>
         </p:txBody>
       </p:sp>
     </p:spTree>
     <p:extLst>
       <p:ext uri="{BB962C8B-B14F-4D97-AF65-F5344CB8AC3E}">
-        <p14:creationId xmlns:p14="http://schemas.microsoft.com/office/powerpoint/2010/main" val="1871797481"/>
+        <p14:creationId xmlns:p14="http://schemas.microsoft.com/office/powerpoint/2010/main" val="85124461"/>
       </p:ext>
     </p:extLst>
   </p:cSld>
@@ -1500,7 +1295,7 @@
     </p:spTree>
     <p:extLst>
       <p:ext uri="{BB962C8B-B14F-4D97-AF65-F5344CB8AC3E}">
-        <p14:creationId xmlns:p14="http://schemas.microsoft.com/office/powerpoint/2010/main" val="85124461"/>
+        <p14:creationId xmlns:p14="http://schemas.microsoft.com/office/powerpoint/2010/main" val="2936970839"/>
       </p:ext>
     </p:extLst>
   </p:cSld>
@@ -1529,23 +1324,21 @@
       </p:grpSpPr>
       <p:sp>
         <p:nvSpPr>
-          <p:cNvPr id="445442" name="Rectangle 2"/>
+          <p:cNvPr id="2" name="Slide Image Placeholder 1"/>
           <p:cNvSpPr>
-            <a:spLocks noGrp="1" noRot="1" noChangeAspect="1" noChangeArrowheads="1" noTextEdit="1"/>
+            <a:spLocks noGrp="1" noRot="1" noChangeAspect="1"/>
           </p:cNvSpPr>
           <p:nvPr>
             <p:ph type="sldImg"/>
           </p:nvPr>
         </p:nvSpPr>
-        <p:spPr>
-          <a:ln/>
-        </p:spPr>
+        <p:spPr/>
       </p:sp>
       <p:sp>
         <p:nvSpPr>
-          <p:cNvPr id="445443" name="Rectangle 3"/>
+          <p:cNvPr id="3" name="Notes Placeholder 2"/>
           <p:cNvSpPr>
-            <a:spLocks noGrp="1" noChangeArrowheads="1"/>
+            <a:spLocks noGrp="1"/>
           </p:cNvSpPr>
           <p:nvPr>
             <p:ph type="body" idx="1"/>
@@ -1556,13 +1349,13 @@
           <a:bodyPr/>
           <a:lstStyle/>
           <a:p>
-            <a:endParaRPr lang="bg-BG"/>
+            <a:endParaRPr lang="en-US"/>
           </a:p>
         </p:txBody>
       </p:sp>
       <p:sp>
         <p:nvSpPr>
-          <p:cNvPr id="2" name="Footer Placeholder 1"/>
+          <p:cNvPr id="4" name="Footer Placeholder 3"/>
           <p:cNvSpPr>
             <a:spLocks noGrp="1"/>
           </p:cNvSpPr>
@@ -1612,7 +1405,7 @@
       </p:sp>
       <p:sp>
         <p:nvSpPr>
-          <p:cNvPr id="3" name="Slide Number Placeholder 2"/>
+          <p:cNvPr id="5" name="Slide Number Placeholder 4"/>
           <p:cNvSpPr>
             <a:spLocks noGrp="1"/>
           </p:cNvSpPr>
@@ -1628,7 +1421,7 @@
             <a:fld id="{3EBA5BD7-F043-4D1B-AA17-CD412FC534DE}" type="slidenum">
               <a:rPr lang="en-US" smtClean="0"/>
               <a:pPr/>
-              <a:t>36</a:t>
+              <a:t>46</a:t>
             </a:fld>
             <a:endParaRPr lang="en-US" dirty="0"/>
           </a:p>
@@ -1637,7 +1430,7 @@
     </p:spTree>
     <p:extLst>
       <p:ext uri="{BB962C8B-B14F-4D97-AF65-F5344CB8AC3E}">
-        <p14:creationId xmlns:p14="http://schemas.microsoft.com/office/powerpoint/2010/main" val="2869635103"/>
+        <p14:creationId xmlns:p14="http://schemas.microsoft.com/office/powerpoint/2010/main" val="3890612698"/>
       </p:ext>
     </p:extLst>
   </p:cSld>
@@ -1695,10 +1488,84 @@
           </a:p>
         </p:txBody>
       </p:sp>
+      <p:sp>
+        <p:nvSpPr>
+          <p:cNvPr id="4" name="Footer Placeholder 3"/>
+          <p:cNvSpPr>
+            <a:spLocks noGrp="1"/>
+          </p:cNvSpPr>
+          <p:nvPr>
+            <p:ph type="ftr" sz="quarter" idx="10"/>
+          </p:nvPr>
+        </p:nvSpPr>
+        <p:spPr/>
+        <p:txBody>
+          <a:bodyPr/>
+          <a:lstStyle/>
+          <a:p>
+            <a:r>
+              <a:rPr lang="en-US" sz="1000" smtClean="0"/>
+              <a:t>© Software University Foundation – </a:t>
+            </a:r>
+            <a:r>
+              <a:rPr lang="en-US" sz="1000" u="sng" smtClean="0">
+                <a:hlinkClick r:id="rId3"/>
+              </a:rPr>
+              <a:t>http://softuni.org</a:t>
+            </a:r>
+            <a:endParaRPr lang="en-US" sz="1000" smtClean="0"/>
+          </a:p>
+          <a:p>
+            <a:r>
+              <a:rPr lang="en-US" sz="1000" smtClean="0"/>
+              <a:t>This work is licensed under the </a:t>
+            </a:r>
+            <a:r>
+              <a:rPr lang="en-US" sz="1000" u="sng" noProof="1" smtClean="0">
+                <a:hlinkClick r:id="rId4"/>
+              </a:rPr>
+              <a:t>Creative Commons Attribution-NonCommercial-ShareAlike</a:t>
+            </a:r>
+            <a:r>
+              <a:rPr lang="en-US" sz="1000" noProof="1" smtClean="0"/>
+              <a:t> </a:t>
+            </a:r>
+            <a:r>
+              <a:rPr lang="en-US" sz="1000" smtClean="0"/>
+              <a:t>license.</a:t>
+            </a:r>
+            <a:endParaRPr lang="en-US" sz="1000" dirty="0"/>
+          </a:p>
+        </p:txBody>
+      </p:sp>
+      <p:sp>
+        <p:nvSpPr>
+          <p:cNvPr id="5" name="Slide Number Placeholder 4"/>
+          <p:cNvSpPr>
+            <a:spLocks noGrp="1"/>
+          </p:cNvSpPr>
+          <p:nvPr>
+            <p:ph type="sldNum" sz="quarter" idx="11"/>
+          </p:nvPr>
+        </p:nvSpPr>
+        <p:spPr/>
+        <p:txBody>
+          <a:bodyPr/>
+          <a:lstStyle/>
+          <a:p>
+            <a:fld id="{3EBA5BD7-F043-4D1B-AA17-CD412FC534DE}" type="slidenum">
+              <a:rPr lang="en-US" smtClean="0"/>
+              <a:pPr/>
+              <a:t>47</a:t>
+            </a:fld>
+            <a:endParaRPr lang="en-US" dirty="0"/>
+          </a:p>
+        </p:txBody>
+      </p:sp>
     </p:spTree>
     <p:extLst>
       <p:ext uri="{BB962C8B-B14F-4D97-AF65-F5344CB8AC3E}">
-        <p14:creationId xmlns:p14="http://schemas.microsoft.com/office/powerpoint/2010/main" val="2936970839"/>
+        <p14:creationId xmlns:p14="http://schemas.microsoft.com/office/powerpoint/2010/main" val="2150994141"/>
       </p:ext>
     </p:extLst>
   </p:cSld>
@@ -1824,7 +1691,7 @@
             <a:fld id="{3EBA5BD7-F043-4D1B-AA17-CD412FC534DE}" type="slidenum">
               <a:rPr lang="en-US" smtClean="0"/>
               <a:pPr/>
-              <a:t>49</a:t>
+              <a:t>48</a:t>
             </a:fld>
             <a:endParaRPr lang="en-US" dirty="0"/>
           </a:p>
@@ -1833,142 +1700,7 @@
     </p:spTree>
     <p:extLst>
       <p:ext uri="{BB962C8B-B14F-4D97-AF65-F5344CB8AC3E}">
-        <p14:creationId xmlns:p14="http://schemas.microsoft.com/office/powerpoint/2010/main" val="3890612698"/>
-      </p:ext>
-    </p:extLst>
-  </p:cSld>
-  <p:clrMapOvr>
-    <a:masterClrMapping/>
-  </p:clrMapOvr>
-</p:notes>
-</file>
-
-<file path=ppt/notesSlides/notesSlide9.xml><?xml version="1.0" encoding="utf-8"?>
-<p:notes xmlns:a="http://schemas.openxmlformats.org/drawingml/2006/main" xmlns:r="http://schemas.openxmlformats.org/officeDocument/2006/relationships" xmlns:p="http://schemas.openxmlformats.org/presentationml/2006/main">
-  <p:cSld>
-    <p:spTree>
-      <p:nvGrpSpPr>
-        <p:cNvPr id="1" name=""/>
-        <p:cNvGrpSpPr/>
-        <p:nvPr/>
-      </p:nvGrpSpPr>
-      <p:grpSpPr>
-        <a:xfrm>
-          <a:off x="0" y="0"/>
-          <a:ext cx="0" cy="0"/>
-          <a:chOff x="0" y="0"/>
-          <a:chExt cx="0" cy="0"/>
-        </a:xfrm>
-      </p:grpSpPr>
-      <p:sp>
-        <p:nvSpPr>
-          <p:cNvPr id="2" name="Slide Image Placeholder 1"/>
-          <p:cNvSpPr>
-            <a:spLocks noGrp="1" noRot="1" noChangeAspect="1"/>
-          </p:cNvSpPr>
-          <p:nvPr>
-            <p:ph type="sldImg"/>
-          </p:nvPr>
-        </p:nvSpPr>
-        <p:spPr/>
-      </p:sp>
-      <p:sp>
-        <p:nvSpPr>
-          <p:cNvPr id="3" name="Notes Placeholder 2"/>
-          <p:cNvSpPr>
-            <a:spLocks noGrp="1"/>
-          </p:cNvSpPr>
-          <p:nvPr>
-            <p:ph type="body" idx="1"/>
-          </p:nvPr>
-        </p:nvSpPr>
-        <p:spPr/>
-        <p:txBody>
-          <a:bodyPr/>
-          <a:lstStyle/>
-          <a:p>
-            <a:endParaRPr lang="en-US"/>
-          </a:p>
-        </p:txBody>
-      </p:sp>
-      <p:sp>
-        <p:nvSpPr>
-          <p:cNvPr id="4" name="Footer Placeholder 3"/>
-          <p:cNvSpPr>
-            <a:spLocks noGrp="1"/>
-          </p:cNvSpPr>
-          <p:nvPr>
-            <p:ph type="ftr" sz="quarter" idx="10"/>
-          </p:nvPr>
-        </p:nvSpPr>
-        <p:spPr/>
-        <p:txBody>
-          <a:bodyPr/>
-          <a:lstStyle/>
-          <a:p>
-            <a:r>
-              <a:rPr lang="en-US" sz="1000" smtClean="0"/>
-              <a:t>© Software University Foundation – </a:t>
-            </a:r>
-            <a:r>
-              <a:rPr lang="en-US" sz="1000" u="sng" smtClean="0">
-                <a:hlinkClick r:id="rId3"/>
-              </a:rPr>
-              <a:t>http://softuni.org</a:t>
-            </a:r>
-            <a:endParaRPr lang="en-US" sz="1000" smtClean="0"/>
-          </a:p>
-          <a:p>
-            <a:r>
-              <a:rPr lang="en-US" sz="1000" smtClean="0"/>
-              <a:t>This work is licensed under the </a:t>
-            </a:r>
-            <a:r>
-              <a:rPr lang="en-US" sz="1000" u="sng" noProof="1" smtClean="0">
-                <a:hlinkClick r:id="rId4"/>
-              </a:rPr>
-              <a:t>Creative Commons Attribution-NonCommercial-ShareAlike</a:t>
-            </a:r>
-            <a:r>
-              <a:rPr lang="en-US" sz="1000" noProof="1" smtClean="0"/>
-              <a:t> </a:t>
-            </a:r>
-            <a:r>
-              <a:rPr lang="en-US" sz="1000" smtClean="0"/>
-              <a:t>license.</a:t>
-            </a:r>
-            <a:endParaRPr lang="en-US" sz="1000" dirty="0"/>
-          </a:p>
-        </p:txBody>
-      </p:sp>
-      <p:sp>
-        <p:nvSpPr>
-          <p:cNvPr id="5" name="Slide Number Placeholder 4"/>
-          <p:cNvSpPr>
-            <a:spLocks noGrp="1"/>
-          </p:cNvSpPr>
-          <p:nvPr>
-            <p:ph type="sldNum" sz="quarter" idx="11"/>
-          </p:nvPr>
-        </p:nvSpPr>
-        <p:spPr/>
-        <p:txBody>
-          <a:bodyPr/>
-          <a:lstStyle/>
-          <a:p>
-            <a:fld id="{3EBA5BD7-F043-4D1B-AA17-CD412FC534DE}" type="slidenum">
-              <a:rPr lang="en-US" smtClean="0"/>
-              <a:pPr/>
-              <a:t>50</a:t>
-            </a:fld>
-            <a:endParaRPr lang="en-US" dirty="0"/>
-          </a:p>
-        </p:txBody>
-      </p:sp>
-    </p:spTree>
-    <p:extLst>
-      <p:ext uri="{BB962C8B-B14F-4D97-AF65-F5344CB8AC3E}">
-        <p14:creationId xmlns:p14="http://schemas.microsoft.com/office/powerpoint/2010/main" val="2150994141"/>
+        <p14:creationId xmlns:p14="http://schemas.microsoft.com/office/powerpoint/2010/main" val="3111553915"/>
       </p:ext>
     </p:extLst>
   </p:cSld>
@@ -2588,7 +2320,7 @@
             <a:fld id="{055373AC-9AA7-423B-BA00-BA1C74164DBD}" type="datetime1">
               <a:rPr lang="en-US" smtClean="0"/>
               <a:pPr/>
-              <a:t>14-Jun-15</a:t>
+              <a:t>15-Jun-15</a:t>
             </a:fld>
             <a:endParaRPr lang="en-US" dirty="0"/>
           </a:p>
@@ -3859,7 +3591,7 @@
             <a:fld id="{055373AC-9AA7-423B-BA00-BA1C74164DBD}" type="datetime1">
               <a:rPr lang="en-US" smtClean="0"/>
               <a:pPr/>
-              <a:t>14-Jun-15</a:t>
+              <a:t>15-Jun-15</a:t>
             </a:fld>
             <a:endParaRPr lang="en-US" dirty="0"/>
           </a:p>
@@ -4461,11 +4193,7 @@
           <a:p>
             <a:r>
               <a:rPr lang="en-US" dirty="0" smtClean="0"/>
-              <a:t>AngularJS </a:t>
-            </a:r>
-            <a:r>
-              <a:rPr lang="en-US" dirty="0" smtClean="0"/>
-              <a:t>Components</a:t>
+              <a:t>AngularJS Components</a:t>
             </a:r>
             <a:endParaRPr lang="en-US" dirty="0"/>
           </a:p>
@@ -4811,480 +4539,6 @@
       </p:grpSpPr>
       <p:sp>
         <p:nvSpPr>
-          <p:cNvPr id="2" name="Slide Number Placeholder 1"/>
-          <p:cNvSpPr>
-            <a:spLocks noGrp="1"/>
-          </p:cNvSpPr>
-          <p:nvPr>
-            <p:ph type="sldNum" sz="quarter" idx="4"/>
-          </p:nvPr>
-        </p:nvSpPr>
-        <p:spPr/>
-        <p:txBody>
-          <a:bodyPr/>
-          <a:lstStyle/>
-          <a:p>
-            <a:fld id="{C014DD1E-5D91-48A3-AD6D-45FBA980D106}" type="slidenum">
-              <a:rPr lang="en-US" smtClean="0"/>
-              <a:pPr/>
-              <a:t>10</a:t>
-            </a:fld>
-            <a:endParaRPr lang="en-US" dirty="0"/>
-          </a:p>
-        </p:txBody>
-      </p:sp>
-      <p:sp>
-        <p:nvSpPr>
-          <p:cNvPr id="3" name="Content Placeholder 2"/>
-          <p:cNvSpPr>
-            <a:spLocks noGrp="1"/>
-          </p:cNvSpPr>
-          <p:nvPr>
-            <p:ph idx="1"/>
-          </p:nvPr>
-        </p:nvSpPr>
-        <p:spPr>
-          <a:xfrm>
-            <a:off x="763414" y="1295402"/>
-            <a:ext cx="5370599" cy="5281794"/>
-          </a:xfrm>
-        </p:spPr>
-        <p:txBody>
-          <a:bodyPr>
-            <a:normAutofit/>
-          </a:bodyPr>
-          <a:lstStyle/>
-          <a:p>
-            <a:r>
-              <a:rPr lang="en-GB" b="1" dirty="0">
-                <a:solidFill>
-                  <a:schemeClr val="tx2">
-                    <a:lumMod val="75000"/>
-                  </a:schemeClr>
-                </a:solidFill>
-                <a:latin typeface="Consolas" panose="020B0609020204030204" pitchFamily="49" charset="0"/>
-                <a:cs typeface="Consolas" panose="020B0609020204030204" pitchFamily="49" charset="0"/>
-              </a:rPr>
-              <a:t>$interpolate</a:t>
-            </a:r>
-          </a:p>
-          <a:p>
-            <a:r>
-              <a:rPr lang="en-GB" b="1" dirty="0">
-                <a:solidFill>
-                  <a:schemeClr val="tx2">
-                    <a:lumMod val="75000"/>
-                  </a:schemeClr>
-                </a:solidFill>
-                <a:latin typeface="Consolas" panose="020B0609020204030204" pitchFamily="49" charset="0"/>
-                <a:cs typeface="Consolas" panose="020B0609020204030204" pitchFamily="49" charset="0"/>
-              </a:rPr>
-              <a:t>$log</a:t>
-            </a:r>
-          </a:p>
-          <a:p>
-            <a:r>
-              <a:rPr lang="en-GB" b="1" dirty="0">
-                <a:solidFill>
-                  <a:schemeClr val="tx2">
-                    <a:lumMod val="75000"/>
-                  </a:schemeClr>
-                </a:solidFill>
-                <a:latin typeface="Consolas" panose="020B0609020204030204" pitchFamily="49" charset="0"/>
-                <a:cs typeface="Consolas" panose="020B0609020204030204" pitchFamily="49" charset="0"/>
-              </a:rPr>
-              <a:t>$rootScope</a:t>
-            </a:r>
-          </a:p>
-          <a:p>
-            <a:r>
-              <a:rPr lang="en-GB" b="1" dirty="0">
-                <a:solidFill>
-                  <a:schemeClr val="tx2">
-                    <a:lumMod val="75000"/>
-                  </a:schemeClr>
-                </a:solidFill>
-                <a:latin typeface="Consolas" panose="020B0609020204030204" pitchFamily="49" charset="0"/>
-                <a:cs typeface="Consolas" panose="020B0609020204030204" pitchFamily="49" charset="0"/>
-              </a:rPr>
-              <a:t>$window</a:t>
-            </a:r>
-          </a:p>
-          <a:p>
-            <a:r>
-              <a:rPr lang="en-GB" b="1" dirty="0">
-                <a:solidFill>
-                  <a:schemeClr val="tx2">
-                    <a:lumMod val="75000"/>
-                  </a:schemeClr>
-                </a:solidFill>
-                <a:latin typeface="Consolas" panose="020B0609020204030204" pitchFamily="49" charset="0"/>
-                <a:cs typeface="Consolas" panose="020B0609020204030204" pitchFamily="49" charset="0"/>
-              </a:rPr>
-              <a:t>$document</a:t>
-            </a:r>
-          </a:p>
-          <a:p>
-            <a:r>
-              <a:rPr lang="en-GB" b="1" dirty="0">
-                <a:solidFill>
-                  <a:schemeClr val="tx2">
-                    <a:lumMod val="75000"/>
-                  </a:schemeClr>
-                </a:solidFill>
-                <a:latin typeface="Consolas" panose="020B0609020204030204" pitchFamily="49" charset="0"/>
-                <a:cs typeface="Consolas" panose="020B0609020204030204" pitchFamily="49" charset="0"/>
-              </a:rPr>
-              <a:t>$rootElement</a:t>
-            </a:r>
-          </a:p>
-        </p:txBody>
-      </p:sp>
-      <p:sp>
-        <p:nvSpPr>
-          <p:cNvPr id="4" name="Title 3"/>
-          <p:cNvSpPr>
-            <a:spLocks noGrp="1"/>
-          </p:cNvSpPr>
-          <p:nvPr>
-            <p:ph type="title"/>
-          </p:nvPr>
-        </p:nvSpPr>
-        <p:spPr/>
-        <p:txBody>
-          <a:bodyPr/>
-          <a:lstStyle/>
-          <a:p>
-            <a:r>
-              <a:rPr lang="en-GB" dirty="0" smtClean="0"/>
-              <a:t>Other Built-In Angular Services</a:t>
-            </a:r>
-            <a:endParaRPr lang="en-GB" dirty="0"/>
-          </a:p>
-        </p:txBody>
-      </p:sp>
-      <p:sp>
-        <p:nvSpPr>
-          <p:cNvPr id="5" name="Content Placeholder 2"/>
-          <p:cNvSpPr txBox="1">
-            <a:spLocks/>
-          </p:cNvSpPr>
-          <p:nvPr/>
-        </p:nvSpPr>
-        <p:spPr>
-          <a:xfrm>
-            <a:off x="6134013" y="1295401"/>
-            <a:ext cx="5370599" cy="5281794"/>
-          </a:xfrm>
-          <a:prstGeom prst="rect">
-            <a:avLst/>
-          </a:prstGeom>
-        </p:spPr>
-        <p:txBody>
-          <a:bodyPr vert="horz" lIns="108000" tIns="36000" rIns="108000" bIns="36000" rtlCol="0">
-            <a:normAutofit/>
-          </a:bodyPr>
-          <a:lstStyle>
-            <a:lvl1pPr marL="304747" indent="-304747" algn="l" defTabSz="1218987" rtl="0" eaLnBrk="1" latinLnBrk="0" hangingPunct="1">
-              <a:lnSpc>
-                <a:spcPct val="105000"/>
-              </a:lnSpc>
-              <a:spcBef>
-                <a:spcPts val="600"/>
-              </a:spcBef>
-              <a:spcAft>
-                <a:spcPts val="600"/>
-              </a:spcAft>
-              <a:buClr>
-                <a:srgbClr val="F2B254"/>
-              </a:buClr>
-              <a:buSzPct val="100000"/>
-              <a:buFont typeface="Wingdings" panose="05000000000000000000" pitchFamily="2" charset="2"/>
-              <a:buChar char="§"/>
-              <a:defRPr sz="3400" b="0" kern="1200">
-                <a:solidFill>
-                  <a:schemeClr val="tx1"/>
-                </a:solidFill>
-                <a:latin typeface="+mn-lt"/>
-                <a:ea typeface="+mn-ea"/>
-                <a:cs typeface="+mn-cs"/>
-              </a:defRPr>
-            </a:lvl1pPr>
-            <a:lvl2pPr marL="609493" indent="-231606" algn="l" defTabSz="1218987" rtl="0" eaLnBrk="1" latinLnBrk="0" hangingPunct="1">
-              <a:lnSpc>
-                <a:spcPct val="105000"/>
-              </a:lnSpc>
-              <a:spcBef>
-                <a:spcPts val="600"/>
-              </a:spcBef>
-              <a:spcAft>
-                <a:spcPts val="600"/>
-              </a:spcAft>
-              <a:buClr>
-                <a:schemeClr val="accent1"/>
-              </a:buClr>
-              <a:buSzPct val="80000"/>
-              <a:buFont typeface="Wingdings" panose="05000000000000000000" pitchFamily="2" charset="2"/>
-              <a:buChar char="§"/>
-              <a:defRPr sz="3200" b="0" kern="1200">
-                <a:solidFill>
-                  <a:schemeClr val="tx1"/>
-                </a:solidFill>
-                <a:latin typeface="+mn-lt"/>
-                <a:ea typeface="+mn-ea"/>
-                <a:cs typeface="+mn-cs"/>
-              </a:defRPr>
-            </a:lvl2pPr>
-            <a:lvl3pPr marL="914240" indent="-231606" algn="l" defTabSz="1218987" rtl="0" eaLnBrk="1" latinLnBrk="0" hangingPunct="1">
-              <a:lnSpc>
-                <a:spcPct val="105000"/>
-              </a:lnSpc>
-              <a:spcBef>
-                <a:spcPts val="600"/>
-              </a:spcBef>
-              <a:spcAft>
-                <a:spcPts val="600"/>
-              </a:spcAft>
-              <a:buClr>
-                <a:srgbClr val="EF9A1D"/>
-              </a:buClr>
-              <a:buSzPct val="80000"/>
-              <a:buFont typeface="Wingdings" panose="05000000000000000000" pitchFamily="2" charset="2"/>
-              <a:buChar char="§"/>
-              <a:defRPr sz="3000" b="0" kern="1200">
-                <a:solidFill>
-                  <a:schemeClr val="tx1"/>
-                </a:solidFill>
-                <a:latin typeface="+mn-lt"/>
-                <a:ea typeface="+mn-ea"/>
-                <a:cs typeface="+mn-cs"/>
-              </a:defRPr>
-            </a:lvl3pPr>
-            <a:lvl4pPr marL="1218987" indent="-231606" algn="l" defTabSz="1218987" rtl="0" eaLnBrk="1" latinLnBrk="0" hangingPunct="1">
-              <a:lnSpc>
-                <a:spcPct val="105000"/>
-              </a:lnSpc>
-              <a:spcBef>
-                <a:spcPts val="600"/>
-              </a:spcBef>
-              <a:spcAft>
-                <a:spcPts val="600"/>
-              </a:spcAft>
-              <a:buClr>
-                <a:srgbClr val="ED9411"/>
-              </a:buClr>
-              <a:buSzPct val="80000"/>
-              <a:buFont typeface="Wingdings" panose="05000000000000000000" pitchFamily="2" charset="2"/>
-              <a:buChar char="§"/>
-              <a:defRPr sz="2800" b="0" kern="1200">
-                <a:solidFill>
-                  <a:schemeClr val="tx1"/>
-                </a:solidFill>
-                <a:latin typeface="+mn-lt"/>
-                <a:ea typeface="+mn-ea"/>
-                <a:cs typeface="+mn-cs"/>
-              </a:defRPr>
-            </a:lvl4pPr>
-            <a:lvl5pPr marL="1523733" indent="-231606" algn="l" defTabSz="1218987" rtl="0" eaLnBrk="1" latinLnBrk="0" hangingPunct="1">
-              <a:lnSpc>
-                <a:spcPct val="105000"/>
-              </a:lnSpc>
-              <a:spcBef>
-                <a:spcPts val="600"/>
-              </a:spcBef>
-              <a:spcAft>
-                <a:spcPts val="600"/>
-              </a:spcAft>
-              <a:buClr>
-                <a:srgbClr val="E28D10"/>
-              </a:buClr>
-              <a:buSzPct val="80000"/>
-              <a:buFont typeface="Wingdings" panose="05000000000000000000" pitchFamily="2" charset="2"/>
-              <a:buChar char="§"/>
-              <a:defRPr sz="2600" b="0" kern="1200">
-                <a:solidFill>
-                  <a:schemeClr val="tx1"/>
-                </a:solidFill>
-                <a:latin typeface="+mn-lt"/>
-                <a:ea typeface="+mn-ea"/>
-                <a:cs typeface="+mn-cs"/>
-              </a:defRPr>
-            </a:lvl5pPr>
-            <a:lvl6pPr marL="1828480" indent="-231606" algn="l" defTabSz="1218987" rtl="0" eaLnBrk="1" latinLnBrk="0" hangingPunct="1">
-              <a:lnSpc>
-                <a:spcPct val="90000"/>
-              </a:lnSpc>
-              <a:spcBef>
-                <a:spcPts val="800"/>
-              </a:spcBef>
-              <a:buClr>
-                <a:schemeClr val="accent1"/>
-              </a:buClr>
-              <a:buSzPct val="80000"/>
-              <a:buFont typeface="Arial" pitchFamily="34" charset="0"/>
-              <a:buChar char="•"/>
-              <a:defRPr sz="2000" kern="1200">
-                <a:solidFill>
-                  <a:schemeClr val="tx1"/>
-                </a:solidFill>
-                <a:latin typeface="+mn-lt"/>
-                <a:ea typeface="+mn-ea"/>
-                <a:cs typeface="+mn-cs"/>
-              </a:defRPr>
-            </a:lvl6pPr>
-            <a:lvl7pPr marL="2133227" indent="-231606" algn="l" defTabSz="1218987" rtl="0" eaLnBrk="1" latinLnBrk="0" hangingPunct="1">
-              <a:lnSpc>
-                <a:spcPct val="90000"/>
-              </a:lnSpc>
-              <a:spcBef>
-                <a:spcPts val="800"/>
-              </a:spcBef>
-              <a:buClr>
-                <a:schemeClr val="accent1"/>
-              </a:buClr>
-              <a:buSzPct val="80000"/>
-              <a:buFont typeface="Arial" pitchFamily="34" charset="0"/>
-              <a:buChar char="•"/>
-              <a:defRPr sz="2000" kern="1200">
-                <a:solidFill>
-                  <a:schemeClr val="tx1"/>
-                </a:solidFill>
-                <a:latin typeface="+mn-lt"/>
-                <a:ea typeface="+mn-ea"/>
-                <a:cs typeface="+mn-cs"/>
-              </a:defRPr>
-            </a:lvl7pPr>
-            <a:lvl8pPr marL="2437972" indent="-231606" algn="l" defTabSz="1218987" rtl="0" eaLnBrk="1" latinLnBrk="0" hangingPunct="1">
-              <a:lnSpc>
-                <a:spcPct val="90000"/>
-              </a:lnSpc>
-              <a:spcBef>
-                <a:spcPts val="800"/>
-              </a:spcBef>
-              <a:buClr>
-                <a:schemeClr val="accent1"/>
-              </a:buClr>
-              <a:buSzPct val="80000"/>
-              <a:buFont typeface="Arial" pitchFamily="34" charset="0"/>
-              <a:buChar char="•"/>
-              <a:defRPr sz="2000" kern="1200" baseline="0">
-                <a:solidFill>
-                  <a:schemeClr val="tx1"/>
-                </a:solidFill>
-                <a:latin typeface="+mn-lt"/>
-                <a:ea typeface="+mn-ea"/>
-                <a:cs typeface="+mn-cs"/>
-              </a:defRPr>
-            </a:lvl8pPr>
-            <a:lvl9pPr marL="2742720" indent="-231606" algn="l" defTabSz="1218987" rtl="0" eaLnBrk="1" latinLnBrk="0" hangingPunct="1">
-              <a:lnSpc>
-                <a:spcPct val="90000"/>
-              </a:lnSpc>
-              <a:spcBef>
-                <a:spcPts val="800"/>
-              </a:spcBef>
-              <a:buClr>
-                <a:schemeClr val="accent1"/>
-              </a:buClr>
-              <a:buSzPct val="80000"/>
-              <a:buFont typeface="Arial" pitchFamily="34" charset="0"/>
-              <a:buChar char="•"/>
-              <a:defRPr sz="2000" kern="1200" baseline="0">
-                <a:solidFill>
-                  <a:schemeClr val="tx1"/>
-                </a:solidFill>
-                <a:latin typeface="+mn-lt"/>
-                <a:ea typeface="+mn-ea"/>
-                <a:cs typeface="+mn-cs"/>
-              </a:defRPr>
-            </a:lvl9pPr>
-          </a:lstStyle>
-          <a:p>
-            <a:r>
-              <a:rPr lang="en-GB" b="1" dirty="0" smtClean="0">
-                <a:solidFill>
-                  <a:schemeClr val="tx2">
-                    <a:lumMod val="75000"/>
-                  </a:schemeClr>
-                </a:solidFill>
-                <a:latin typeface="Consolas" panose="020B0609020204030204" pitchFamily="49" charset="0"/>
-                <a:cs typeface="Consolas" panose="020B0609020204030204" pitchFamily="49" charset="0"/>
-              </a:rPr>
-              <a:t>$httpBackend</a:t>
-            </a:r>
-          </a:p>
-          <a:p>
-            <a:r>
-              <a:rPr lang="en-GB" b="1" dirty="0" smtClean="0">
-                <a:solidFill>
-                  <a:schemeClr val="tx2">
-                    <a:lumMod val="75000"/>
-                  </a:schemeClr>
-                </a:solidFill>
-                <a:latin typeface="Consolas" panose="020B0609020204030204" pitchFamily="49" charset="0"/>
-                <a:cs typeface="Consolas" panose="020B0609020204030204" pitchFamily="49" charset="0"/>
-              </a:rPr>
-              <a:t>$controller</a:t>
-            </a:r>
-            <a:endParaRPr lang="en-GB" b="1" dirty="0">
-              <a:solidFill>
-                <a:schemeClr val="tx2">
-                  <a:lumMod val="75000"/>
-                </a:schemeClr>
-              </a:solidFill>
-              <a:latin typeface="Consolas" panose="020B0609020204030204" pitchFamily="49" charset="0"/>
-              <a:cs typeface="Consolas" panose="020B0609020204030204" pitchFamily="49" charset="0"/>
-            </a:endParaRPr>
-          </a:p>
-        </p:txBody>
-      </p:sp>
-    </p:spTree>
-    <p:extLst>
-      <p:ext uri="{BB962C8B-B14F-4D97-AF65-F5344CB8AC3E}">
-        <p14:creationId xmlns:p14="http://schemas.microsoft.com/office/powerpoint/2010/main" val="3179331799"/>
-      </p:ext>
-    </p:extLst>
-  </p:cSld>
-  <p:clrMapOvr>
-    <a:masterClrMapping/>
-  </p:clrMapOvr>
-  <mc:AlternateContent xmlns:mc="http://schemas.openxmlformats.org/markup-compatibility/2006" xmlns:p14="http://schemas.microsoft.com/office/powerpoint/2010/main">
-    <mc:Choice Requires="p14">
-      <p:transition p14:dur="0"/>
-    </mc:Choice>
-    <mc:Fallback xmlns="">
-      <p:transition/>
-    </mc:Fallback>
-  </mc:AlternateContent>
-  <p:timing>
-    <p:tnLst>
-      <p:par>
-        <p:cTn id="1" dur="indefinite" restart="never" nodeType="tmRoot"/>
-      </p:par>
-    </p:tnLst>
-  </p:timing>
-</p:sld>
-</file>
-
-<file path=ppt/slides/slide11.xml><?xml version="1.0" encoding="utf-8"?>
-<p:sld xmlns:a="http://schemas.openxmlformats.org/drawingml/2006/main" xmlns:r="http://schemas.openxmlformats.org/officeDocument/2006/relationships" xmlns:p="http://schemas.openxmlformats.org/presentationml/2006/main">
-  <p:cSld>
-    <p:spTree>
-      <p:nvGrpSpPr>
-        <p:cNvPr id="1" name=""/>
-        <p:cNvGrpSpPr/>
-        <p:nvPr/>
-      </p:nvGrpSpPr>
-      <p:grpSpPr>
-        <a:xfrm>
-          <a:off x="0" y="0"/>
-          <a:ext cx="0" cy="0"/>
-          <a:chOff x="0" y="0"/>
-          <a:chExt cx="0" cy="0"/>
-        </a:xfrm>
-      </p:grpSpPr>
-      <p:sp>
-        <p:nvSpPr>
           <p:cNvPr id="5" name="Title 4"/>
           <p:cNvSpPr>
             <a:spLocks noGrp="1"/>
@@ -5447,7 +4701,7 @@
 </p:sld>
 </file>
 
-<file path=ppt/slides/slide12.xml><?xml version="1.0" encoding="utf-8"?>
+<file path=ppt/slides/slide11.xml><?xml version="1.0" encoding="utf-8"?>
 <p:sld xmlns:a="http://schemas.openxmlformats.org/drawingml/2006/main" xmlns:r="http://schemas.openxmlformats.org/officeDocument/2006/relationships" xmlns:p="http://schemas.openxmlformats.org/presentationml/2006/main">
   <p:cSld>
     <p:spTree>
@@ -5576,7 +4830,7 @@
 </p:sld>
 </file>
 
-<file path=ppt/slides/slide13.xml><?xml version="1.0" encoding="utf-8"?>
+<file path=ppt/slides/slide12.xml><?xml version="1.0" encoding="utf-8"?>
 <p:sld xmlns:a="http://schemas.openxmlformats.org/drawingml/2006/main" xmlns:r="http://schemas.openxmlformats.org/officeDocument/2006/relationships" xmlns:p="http://schemas.openxmlformats.org/presentationml/2006/main">
   <p:cSld>
     <p:spTree>
@@ -5611,7 +4865,7 @@
             <a:fld id="{C014DD1E-5D91-48A3-AD6D-45FBA980D106}" type="slidenum">
               <a:rPr lang="en-US" smtClean="0"/>
               <a:pPr/>
-              <a:t>13</a:t>
+              <a:t>12</a:t>
             </a:fld>
             <a:endParaRPr lang="en-US" dirty="0"/>
           </a:p>
@@ -6479,7 +5733,7 @@
 </p:sld>
 </file>
 
-<file path=ppt/slides/slide14.xml><?xml version="1.0" encoding="utf-8"?>
+<file path=ppt/slides/slide13.xml><?xml version="1.0" encoding="utf-8"?>
 <p:sld xmlns:a="http://schemas.openxmlformats.org/drawingml/2006/main" xmlns:r="http://schemas.openxmlformats.org/officeDocument/2006/relationships" xmlns:p="http://schemas.openxmlformats.org/presentationml/2006/main">
   <p:cSld>
     <p:spTree>
@@ -6613,7 +5867,7 @@
 </p:sld>
 </file>
 
-<file path=ppt/slides/slide15.xml><?xml version="1.0" encoding="utf-8"?>
+<file path=ppt/slides/slide14.xml><?xml version="1.0" encoding="utf-8"?>
 <p:sld xmlns:a="http://schemas.openxmlformats.org/drawingml/2006/main" xmlns:r="http://schemas.openxmlformats.org/officeDocument/2006/relationships" xmlns:p="http://schemas.openxmlformats.org/presentationml/2006/main">
   <p:cSld>
     <p:spTree>
@@ -6648,7 +5902,7 @@
             <a:fld id="{C014DD1E-5D91-48A3-AD6D-45FBA980D106}" type="slidenum">
               <a:rPr lang="en-US" smtClean="0"/>
               <a:pPr/>
-              <a:t>15</a:t>
+              <a:t>14</a:t>
             </a:fld>
             <a:endParaRPr lang="en-US" dirty="0"/>
           </a:p>
@@ -7331,7 +6585,7 @@
 </p:sld>
 </file>
 
-<file path=ppt/slides/slide16.xml><?xml version="1.0" encoding="utf-8"?>
+<file path=ppt/slides/slide15.xml><?xml version="1.0" encoding="utf-8"?>
 <p:sld xmlns:a="http://schemas.openxmlformats.org/drawingml/2006/main" xmlns:r="http://schemas.openxmlformats.org/officeDocument/2006/relationships" xmlns:p="http://schemas.openxmlformats.org/presentationml/2006/main">
   <p:cSld>
     <p:spTree>
@@ -7430,7 +6684,7 @@
             <a:fld id="{C014DD1E-5D91-48A3-AD6D-45FBA980D106}" type="slidenum">
               <a:rPr lang="en-US" smtClean="0"/>
               <a:pPr/>
-              <a:t>16</a:t>
+              <a:t>15</a:t>
             </a:fld>
             <a:endParaRPr lang="en-US" dirty="0"/>
           </a:p>
@@ -7504,14 +6758,159 @@
   <p:clrMapOvr>
     <a:masterClrMapping/>
   </p:clrMapOvr>
-  <mc:AlternateContent xmlns:mc="http://schemas.openxmlformats.org/markup-compatibility/2006">
-    <mc:Choice xmlns:p14="http://schemas.microsoft.com/office/powerpoint/2010/main" Requires="p14">
+  <mc:AlternateContent xmlns:mc="http://schemas.openxmlformats.org/markup-compatibility/2006" xmlns:p14="http://schemas.microsoft.com/office/powerpoint/2010/main">
+    <mc:Choice Requires="p14">
       <p:transition p14:dur="0"/>
     </mc:Choice>
-    <mc:Fallback>
+    <mc:Fallback xmlns="">
       <p:transition/>
     </mc:Fallback>
   </mc:AlternateContent>
+</p:sld>
+</file>
+
+<file path=ppt/slides/slide16.xml><?xml version="1.0" encoding="utf-8"?>
+<p:sld xmlns:a="http://schemas.openxmlformats.org/drawingml/2006/main" xmlns:r="http://schemas.openxmlformats.org/officeDocument/2006/relationships" xmlns:p="http://schemas.openxmlformats.org/presentationml/2006/main">
+  <p:cSld>
+    <p:spTree>
+      <p:nvGrpSpPr>
+        <p:cNvPr id="1" name=""/>
+        <p:cNvGrpSpPr/>
+        <p:nvPr/>
+      </p:nvGrpSpPr>
+      <p:grpSpPr>
+        <a:xfrm>
+          <a:off x="0" y="0"/>
+          <a:ext cx="0" cy="0"/>
+          <a:chOff x="0" y="0"/>
+          <a:chExt cx="0" cy="0"/>
+        </a:xfrm>
+      </p:grpSpPr>
+      <p:sp>
+        <p:nvSpPr>
+          <p:cNvPr id="7" name="Title 6"/>
+          <p:cNvSpPr>
+            <a:spLocks noGrp="1"/>
+          </p:cNvSpPr>
+          <p:nvPr>
+            <p:ph type="title"/>
+          </p:nvPr>
+        </p:nvSpPr>
+        <p:spPr>
+          <a:xfrm>
+            <a:off x="859684" y="4724400"/>
+            <a:ext cx="10416328" cy="820600"/>
+          </a:xfrm>
+        </p:spPr>
+        <p:txBody>
+          <a:bodyPr/>
+          <a:lstStyle/>
+          <a:p>
+            <a:r>
+              <a:rPr lang="en-GB" dirty="0" smtClean="0"/>
+              <a:t>What are Routing and Templates?</a:t>
+            </a:r>
+            <a:endParaRPr lang="en-GB" dirty="0"/>
+          </a:p>
+        </p:txBody>
+      </p:sp>
+      <p:sp>
+        <p:nvSpPr>
+          <p:cNvPr id="8" name="Text Placeholder 7"/>
+          <p:cNvSpPr>
+            <a:spLocks noGrp="1"/>
+          </p:cNvSpPr>
+          <p:nvPr>
+            <p:ph type="body" idx="1"/>
+          </p:nvPr>
+        </p:nvSpPr>
+        <p:spPr>
+          <a:xfrm>
+            <a:off x="1463892" y="5602568"/>
+            <a:ext cx="9207912" cy="719034"/>
+          </a:xfrm>
+        </p:spPr>
+        <p:txBody>
+          <a:bodyPr/>
+          <a:lstStyle/>
+          <a:p>
+            <a:r>
+              <a:rPr lang="en-GB" dirty="0" smtClean="0"/>
+              <a:t>Routes and Templates in SPA</a:t>
+            </a:r>
+            <a:endParaRPr lang="en-GB" dirty="0"/>
+          </a:p>
+        </p:txBody>
+      </p:sp>
+      <p:pic>
+        <p:nvPicPr>
+          <p:cNvPr id="1026" name="Picture 2" descr="http://scotch.io/wp-content/uploads/2013/11/angular-routing.jpg"/>
+          <p:cNvPicPr>
+            <a:picLocks noChangeAspect="1" noChangeArrowheads="1"/>
+          </p:cNvPicPr>
+          <p:nvPr/>
+        </p:nvPicPr>
+        <p:blipFill>
+          <a:blip r:embed="rId2">
+            <a:extLst>
+              <a:ext uri="{28A0092B-C50C-407E-A947-70E740481C1C}">
+                <a14:useLocalDpi xmlns:a14="http://schemas.microsoft.com/office/drawing/2010/main" val="0"/>
+              </a:ext>
+            </a:extLst>
+          </a:blip>
+          <a:srcRect/>
+          <a:stretch>
+            <a:fillRect/>
+          </a:stretch>
+        </p:blipFill>
+        <p:spPr bwMode="auto">
+          <a:xfrm>
+            <a:off x="2155084" y="1371600"/>
+            <a:ext cx="7520728" cy="3137960"/>
+          </a:xfrm>
+          <a:prstGeom prst="rect">
+            <a:avLst/>
+          </a:prstGeom>
+          <a:noFill/>
+          <a:effectLst>
+            <a:softEdge rad="317500"/>
+          </a:effectLst>
+          <a:extLst>
+            <a:ext uri="{909E8E84-426E-40DD-AFC4-6F175D3DCCD1}">
+              <a14:hiddenFill xmlns:a14="http://schemas.microsoft.com/office/drawing/2010/main">
+                <a:solidFill>
+                  <a:srgbClr val="FFFFFF"/>
+                </a:solidFill>
+              </a14:hiddenFill>
+            </a:ext>
+          </a:extLst>
+        </p:spPr>
+      </p:pic>
+    </p:spTree>
+    <p:extLst>
+      <p:ext uri="{BB962C8B-B14F-4D97-AF65-F5344CB8AC3E}">
+        <p14:creationId xmlns:p14="http://schemas.microsoft.com/office/powerpoint/2010/main" val="4196935499"/>
+      </p:ext>
+    </p:extLst>
+  </p:cSld>
+  <p:clrMapOvr>
+    <a:masterClrMapping/>
+  </p:clrMapOvr>
+  <mc:AlternateContent xmlns:mc="http://schemas.openxmlformats.org/markup-compatibility/2006" xmlns:p14="http://schemas.microsoft.com/office/powerpoint/2010/main">
+    <mc:Choice Requires="p14">
+      <p:transition p14:dur="0"/>
+    </mc:Choice>
+    <mc:Fallback xmlns="">
+      <p:transition/>
+    </mc:Fallback>
+  </mc:AlternateContent>
+  <p:timing>
+    <p:tnLst>
+      <p:par>
+        <p:cTn id="1" dur="indefinite" restart="never" nodeType="tmRoot"/>
+      </p:par>
+    </p:tnLst>
+  </p:timing>
 </p:sld>
 </file>
 
@@ -7534,12 +6933,36 @@
       </p:grpSpPr>
       <p:sp>
         <p:nvSpPr>
-          <p:cNvPr id="444418" name="Rectangle 2"/>
+          <p:cNvPr id="2" name="Slide Number Placeholder 1"/>
           <p:cNvSpPr>
-            <a:spLocks noGrp="1" noChangeArrowheads="1"/>
+            <a:spLocks noGrp="1"/>
           </p:cNvSpPr>
           <p:nvPr>
-            <p:ph type="title"/>
+            <p:ph type="sldNum" sz="quarter" idx="4"/>
+          </p:nvPr>
+        </p:nvSpPr>
+        <p:spPr/>
+        <p:txBody>
+          <a:bodyPr/>
+          <a:lstStyle/>
+          <a:p>
+            <a:fld id="{C014DD1E-5D91-48A3-AD6D-45FBA980D106}" type="slidenum">
+              <a:rPr lang="en-US" smtClean="0"/>
+              <a:pPr/>
+              <a:t>17</a:t>
+            </a:fld>
+            <a:endParaRPr lang="en-US" dirty="0"/>
+          </a:p>
+        </p:txBody>
+      </p:sp>
+      <p:sp>
+        <p:nvSpPr>
+          <p:cNvPr id="3" name="Content Placeholder 2"/>
+          <p:cNvSpPr>
+            <a:spLocks noGrp="1"/>
+          </p:cNvSpPr>
+          <p:nvPr>
+            <p:ph idx="1"/>
           </p:nvPr>
         </p:nvSpPr>
         <p:spPr/>
@@ -7550,213 +6973,171 @@
           <a:lstStyle/>
           <a:p>
             <a:r>
-              <a:rPr lang="en-US" dirty="0" smtClean="0"/>
-              <a:t>Table of Contents</a:t>
-            </a:r>
-            <a:endParaRPr lang="bg-BG" dirty="0"/>
+              <a:rPr lang="en-GB" sz="3800" dirty="0" smtClean="0">
+                <a:solidFill>
+                  <a:schemeClr val="tx2">
+                    <a:lumMod val="75000"/>
+                  </a:schemeClr>
+                </a:solidFill>
+              </a:rPr>
+              <a:t>Routing</a:t>
+            </a:r>
+            <a:r>
+              <a:rPr lang="en-GB" sz="3800" dirty="0" smtClean="0"/>
+              <a:t> in SPA == mapping certain URL to certain page</a:t>
+            </a:r>
+          </a:p>
+          <a:p>
+            <a:pPr lvl="1"/>
+            <a:r>
+              <a:rPr lang="en-GB" sz="3600" dirty="0" smtClean="0"/>
+              <a:t>E.g. </a:t>
+            </a:r>
+            <a:r>
+              <a:rPr lang="en-GB" sz="3600" b="1" dirty="0" smtClean="0">
+                <a:solidFill>
+                  <a:schemeClr val="tx2">
+                    <a:lumMod val="75000"/>
+                  </a:schemeClr>
+                </a:solidFill>
+                <a:latin typeface="Consolas" panose="020B0609020204030204" pitchFamily="49" charset="0"/>
+                <a:cs typeface="Consolas" panose="020B0609020204030204" pitchFamily="49" charset="0"/>
+              </a:rPr>
+              <a:t>#/user/orders</a:t>
+            </a:r>
+            <a:r>
+              <a:rPr lang="en-GB" sz="3600" dirty="0" smtClean="0"/>
+              <a:t> </a:t>
+            </a:r>
+            <a:r>
+              <a:rPr lang="en-GB" sz="3600" dirty="0" smtClean="0">
+                <a:sym typeface="Wingdings" panose="05000000000000000000" pitchFamily="2" charset="2"/>
+              </a:rPr>
+              <a:t> shows user's orders,</a:t>
+            </a:r>
+            <a:br>
+              <a:rPr lang="en-GB" sz="3600" dirty="0" smtClean="0">
+                <a:sym typeface="Wingdings" panose="05000000000000000000" pitchFamily="2" charset="2"/>
+              </a:rPr>
+            </a:br>
+            <a:r>
+              <a:rPr lang="en-GB" sz="3600" b="1" dirty="0" smtClean="0">
+                <a:solidFill>
+                  <a:schemeClr val="tx2">
+                    <a:lumMod val="75000"/>
+                  </a:schemeClr>
+                </a:solidFill>
+                <a:latin typeface="Consolas" panose="020B0609020204030204" pitchFamily="49" charset="0"/>
+                <a:cs typeface="Consolas" panose="020B0609020204030204" pitchFamily="49" charset="0"/>
+              </a:rPr>
+              <a:t>#/login</a:t>
+            </a:r>
+            <a:r>
+              <a:rPr lang="en-GB" sz="3600" dirty="0" smtClean="0"/>
+              <a:t> </a:t>
+            </a:r>
+            <a:r>
+              <a:rPr lang="en-GB" sz="3600" dirty="0">
+                <a:sym typeface="Wingdings" panose="05000000000000000000" pitchFamily="2" charset="2"/>
+              </a:rPr>
+              <a:t> shows </a:t>
+            </a:r>
+            <a:r>
+              <a:rPr lang="en-GB" sz="3600" dirty="0" smtClean="0">
+                <a:sym typeface="Wingdings" panose="05000000000000000000" pitchFamily="2" charset="2"/>
+              </a:rPr>
+              <a:t>the app login form</a:t>
+            </a:r>
+          </a:p>
+          <a:p>
+            <a:pPr lvl="1"/>
+            <a:r>
+              <a:rPr lang="en-GB" sz="3600" dirty="0"/>
+              <a:t>Provides history</a:t>
+            </a:r>
+            <a:r>
+              <a:rPr lang="bg-BG" sz="3600" dirty="0"/>
+              <a:t> (</a:t>
+            </a:r>
+            <a:r>
+              <a:rPr lang="en-US" sz="3600" dirty="0">
+                <a:solidFill>
+                  <a:schemeClr val="tx2">
+                    <a:lumMod val="75000"/>
+                  </a:schemeClr>
+                </a:solidFill>
+              </a:rPr>
+              <a:t>[Back]</a:t>
+            </a:r>
+            <a:r>
+              <a:rPr lang="en-US" sz="3600" dirty="0"/>
+              <a:t> and </a:t>
+            </a:r>
+            <a:r>
+              <a:rPr lang="en-US" sz="3600" dirty="0">
+                <a:solidFill>
+                  <a:schemeClr val="tx2">
+                    <a:lumMod val="75000"/>
+                  </a:schemeClr>
+                </a:solidFill>
+              </a:rPr>
+              <a:t>[Forward]</a:t>
+            </a:r>
+            <a:r>
+              <a:rPr lang="en-US" sz="3600" dirty="0"/>
+              <a:t> browser buttons)</a:t>
+            </a:r>
+            <a:endParaRPr lang="en-GB" sz="3600" dirty="0"/>
+          </a:p>
+          <a:p>
+            <a:pPr lvl="1"/>
+            <a:r>
+              <a:rPr lang="en-GB" sz="3600" dirty="0"/>
+              <a:t>Descriptive URLs for the end </a:t>
+            </a:r>
+            <a:r>
+              <a:rPr lang="en-GB" sz="3600" dirty="0" smtClean="0"/>
+              <a:t>user</a:t>
+            </a:r>
+          </a:p>
+          <a:p>
+            <a:r>
+              <a:rPr lang="en-GB" sz="3800" dirty="0" smtClean="0"/>
+              <a:t>Routing in Angular maps application paths to certain controllers + partial views (templates)</a:t>
+            </a:r>
+          </a:p>
+          <a:p>
+            <a:endParaRPr lang="en-GB" sz="3800" dirty="0"/>
           </a:p>
         </p:txBody>
       </p:sp>
       <p:sp>
         <p:nvSpPr>
-          <p:cNvPr id="444419" name="Rectangle 3"/>
-          <p:cNvSpPr>
-            <a:spLocks noGrp="1" noChangeArrowheads="1"/>
-          </p:cNvSpPr>
-          <p:nvPr>
-            <p:ph idx="4294967295"/>
-          </p:nvPr>
-        </p:nvSpPr>
-        <p:spPr>
-          <a:xfrm>
-            <a:off x="190413" y="1191467"/>
-            <a:ext cx="11804822" cy="5530010"/>
-          </a:xfrm>
-        </p:spPr>
-        <p:txBody>
-          <a:bodyPr>
-            <a:noAutofit/>
-          </a:bodyPr>
-          <a:lstStyle/>
-          <a:p>
-            <a:pPr marL="446088" indent="-446088">
-              <a:lnSpc>
-                <a:spcPct val="100000"/>
-              </a:lnSpc>
-              <a:buFontTx/>
-              <a:buAutoNum type="arabicPeriod"/>
-            </a:pPr>
-            <a:r>
-              <a:rPr lang="en-GB" sz="3800" dirty="0" smtClean="0"/>
-              <a:t>What is Routing in SPA?</a:t>
-            </a:r>
-          </a:p>
-          <a:p>
-            <a:pPr marL="446088" indent="-446088">
-              <a:lnSpc>
-                <a:spcPct val="100000"/>
-              </a:lnSpc>
-              <a:buFontTx/>
-              <a:buAutoNum type="arabicPeriod"/>
-            </a:pPr>
-            <a:r>
-              <a:rPr lang="en-GB" sz="3800" dirty="0" smtClean="0"/>
-              <a:t>What is Template?</a:t>
-            </a:r>
-          </a:p>
-          <a:p>
-            <a:pPr marL="446088" indent="-446088">
-              <a:lnSpc>
-                <a:spcPct val="100000"/>
-              </a:lnSpc>
-              <a:buFontTx/>
-              <a:buAutoNum type="arabicPeriod"/>
-            </a:pPr>
-            <a:r>
-              <a:rPr lang="en-GB" sz="3800" dirty="0" smtClean="0"/>
-              <a:t>Create and Navigate Routes</a:t>
-            </a:r>
-          </a:p>
-          <a:p>
-            <a:pPr marL="446088" indent="-446088">
-              <a:lnSpc>
-                <a:spcPct val="100000"/>
-              </a:lnSpc>
-              <a:buFontTx/>
-              <a:buAutoNum type="arabicPeriod"/>
-            </a:pPr>
-            <a:r>
-              <a:rPr lang="en-GB" sz="3800" dirty="0" smtClean="0"/>
-              <a:t>Working with Route Parameters</a:t>
-            </a:r>
-          </a:p>
-          <a:p>
-            <a:pPr marL="446088" indent="-446088">
-              <a:lnSpc>
-                <a:spcPct val="100000"/>
-              </a:lnSpc>
-              <a:buFontTx/>
-              <a:buAutoNum type="arabicPeriod"/>
-            </a:pPr>
-            <a:r>
-              <a:rPr lang="en-GB" sz="3800" dirty="0" smtClean="0"/>
-              <a:t>Enabling HTML5 Routing</a:t>
-            </a:r>
-          </a:p>
-          <a:p>
-            <a:pPr marL="446088" indent="-446088">
-              <a:lnSpc>
-                <a:spcPct val="100000"/>
-              </a:lnSpc>
-              <a:buFontTx/>
-              <a:buAutoNum type="arabicPeriod"/>
-            </a:pPr>
-            <a:r>
-              <a:rPr lang="en-GB" sz="3800" dirty="0" smtClean="0"/>
-              <a:t>Inspect URL Parts</a:t>
-            </a:r>
-            <a:endParaRPr lang="en-US" sz="3800" dirty="0" smtClean="0"/>
-          </a:p>
-        </p:txBody>
-      </p:sp>
-      <p:sp>
-        <p:nvSpPr>
-          <p:cNvPr id="2" name="Slide Number Placeholder 1"/>
+          <p:cNvPr id="4" name="Title 3"/>
           <p:cNvSpPr>
             <a:spLocks noGrp="1"/>
           </p:cNvSpPr>
           <p:nvPr>
-            <p:ph type="sldNum" sz="quarter" idx="4"/>
+            <p:ph type="title"/>
           </p:nvPr>
         </p:nvSpPr>
-        <p:spPr>
-          <a:xfrm>
-            <a:off x="11566412" y="6525002"/>
-            <a:ext cx="428822" cy="196477"/>
-          </a:xfrm>
-        </p:spPr>
+        <p:spPr/>
         <p:txBody>
           <a:bodyPr/>
           <a:lstStyle/>
           <a:p>
-            <a:fld id="{C014DD1E-5D91-48A3-AD6D-45FBA980D106}" type="slidenum">
-              <a:rPr lang="en-US" smtClean="0"/>
-              <a:pPr/>
-              <a:t>17</a:t>
-            </a:fld>
-            <a:endParaRPr lang="en-US" dirty="0"/>
+            <a:r>
+              <a:rPr lang="en-GB" dirty="0" smtClean="0"/>
+              <a:t>What is Routing in SPA?</a:t>
+            </a:r>
+            <a:endParaRPr lang="en-GB" dirty="0"/>
           </a:p>
         </p:txBody>
       </p:sp>
-      <p:pic>
-        <p:nvPicPr>
-          <p:cNvPr id="10" name="Picture 2" descr="http://www.graphicsfuel.com/wp-content/uploads/2012/07/books-icon-512.png"/>
-          <p:cNvPicPr>
-            <a:picLocks noChangeAspect="1" noChangeArrowheads="1"/>
-          </p:cNvPicPr>
-          <p:nvPr/>
-        </p:nvPicPr>
-        <p:blipFill>
-          <a:blip r:embed="rId3" cstate="print">
-            <a:extLst>
-              <a:ext uri="{28A0092B-C50C-407E-A947-70E740481C1C}">
-                <a14:useLocalDpi xmlns:a14="http://schemas.microsoft.com/office/drawing/2010/main" val="0"/>
-              </a:ext>
-            </a:extLst>
-          </a:blip>
-          <a:srcRect/>
-          <a:stretch>
-            <a:fillRect/>
-          </a:stretch>
-        </p:blipFill>
-        <p:spPr bwMode="auto">
-          <a:xfrm>
-            <a:off x="9060284" y="1432344"/>
-            <a:ext cx="2225254" cy="2225256"/>
-          </a:xfrm>
-          <a:prstGeom prst="rect">
-            <a:avLst/>
-          </a:prstGeom>
-          <a:noFill/>
-          <a:extLst>
-            <a:ext uri="{909E8E84-426E-40DD-AFC4-6F175D3DCCD1}">
-              <a14:hiddenFill xmlns:a14="http://schemas.microsoft.com/office/drawing/2010/main">
-                <a:solidFill>
-                  <a:srgbClr val="FFFFFF"/>
-                </a:solidFill>
-              </a14:hiddenFill>
-            </a:ext>
-          </a:extLst>
-        </p:spPr>
-      </p:pic>
-      <p:pic>
-        <p:nvPicPr>
-          <p:cNvPr id="8" name="Picture 7"/>
-          <p:cNvPicPr>
-            <a:picLocks noChangeAspect="1"/>
-          </p:cNvPicPr>
-          <p:nvPr/>
-        </p:nvPicPr>
-        <p:blipFill>
-          <a:blip r:embed="rId4"/>
-          <a:stretch>
-            <a:fillRect/>
-          </a:stretch>
-        </p:blipFill>
-        <p:spPr>
-          <a:xfrm>
-            <a:off x="9086290" y="3917886"/>
-            <a:ext cx="2173242" cy="2330514"/>
-          </a:xfrm>
-          <a:prstGeom prst="rect">
-            <a:avLst/>
-          </a:prstGeom>
-        </p:spPr>
-      </p:pic>
     </p:spTree>
     <p:extLst>
       <p:ext uri="{BB962C8B-B14F-4D97-AF65-F5344CB8AC3E}">
-        <p14:creationId xmlns:p14="http://schemas.microsoft.com/office/powerpoint/2010/main" val="1967074001"/>
+        <p14:creationId xmlns:p14="http://schemas.microsoft.com/office/powerpoint/2010/main" val="128497069"/>
       </p:ext>
     </p:extLst>
   </p:cSld>
@@ -7800,151 +7181,6 @@
       </p:grpSpPr>
       <p:sp>
         <p:nvSpPr>
-          <p:cNvPr id="7" name="Title 6"/>
-          <p:cNvSpPr>
-            <a:spLocks noGrp="1"/>
-          </p:cNvSpPr>
-          <p:nvPr>
-            <p:ph type="title"/>
-          </p:nvPr>
-        </p:nvSpPr>
-        <p:spPr>
-          <a:xfrm>
-            <a:off x="859684" y="4724400"/>
-            <a:ext cx="10416328" cy="820600"/>
-          </a:xfrm>
-        </p:spPr>
-        <p:txBody>
-          <a:bodyPr/>
-          <a:lstStyle/>
-          <a:p>
-            <a:r>
-              <a:rPr lang="en-GB" dirty="0" smtClean="0"/>
-              <a:t>What are Routing and Templates?</a:t>
-            </a:r>
-            <a:endParaRPr lang="en-GB" dirty="0"/>
-          </a:p>
-        </p:txBody>
-      </p:sp>
-      <p:sp>
-        <p:nvSpPr>
-          <p:cNvPr id="8" name="Text Placeholder 7"/>
-          <p:cNvSpPr>
-            <a:spLocks noGrp="1"/>
-          </p:cNvSpPr>
-          <p:nvPr>
-            <p:ph type="body" idx="1"/>
-          </p:nvPr>
-        </p:nvSpPr>
-        <p:spPr>
-          <a:xfrm>
-            <a:off x="1463892" y="5602568"/>
-            <a:ext cx="9207912" cy="719034"/>
-          </a:xfrm>
-        </p:spPr>
-        <p:txBody>
-          <a:bodyPr/>
-          <a:lstStyle/>
-          <a:p>
-            <a:r>
-              <a:rPr lang="en-GB" dirty="0" smtClean="0"/>
-              <a:t>Routes and Templates in SPA</a:t>
-            </a:r>
-            <a:endParaRPr lang="en-GB" dirty="0"/>
-          </a:p>
-        </p:txBody>
-      </p:sp>
-      <p:pic>
-        <p:nvPicPr>
-          <p:cNvPr id="1026" name="Picture 2" descr="http://scotch.io/wp-content/uploads/2013/11/angular-routing.jpg"/>
-          <p:cNvPicPr>
-            <a:picLocks noChangeAspect="1" noChangeArrowheads="1"/>
-          </p:cNvPicPr>
-          <p:nvPr/>
-        </p:nvPicPr>
-        <p:blipFill>
-          <a:blip r:embed="rId2">
-            <a:extLst>
-              <a:ext uri="{28A0092B-C50C-407E-A947-70E740481C1C}">
-                <a14:useLocalDpi xmlns:a14="http://schemas.microsoft.com/office/drawing/2010/main" val="0"/>
-              </a:ext>
-            </a:extLst>
-          </a:blip>
-          <a:srcRect/>
-          <a:stretch>
-            <a:fillRect/>
-          </a:stretch>
-        </p:blipFill>
-        <p:spPr bwMode="auto">
-          <a:xfrm>
-            <a:off x="2155084" y="1371600"/>
-            <a:ext cx="7520728" cy="3137960"/>
-          </a:xfrm>
-          <a:prstGeom prst="rect">
-            <a:avLst/>
-          </a:prstGeom>
-          <a:noFill/>
-          <a:effectLst>
-            <a:softEdge rad="317500"/>
-          </a:effectLst>
-          <a:extLst>
-            <a:ext uri="{909E8E84-426E-40DD-AFC4-6F175D3DCCD1}">
-              <a14:hiddenFill xmlns:a14="http://schemas.microsoft.com/office/drawing/2010/main">
-                <a:solidFill>
-                  <a:srgbClr val="FFFFFF"/>
-                </a:solidFill>
-              </a14:hiddenFill>
-            </a:ext>
-          </a:extLst>
-        </p:spPr>
-      </p:pic>
-    </p:spTree>
-    <p:extLst>
-      <p:ext uri="{BB962C8B-B14F-4D97-AF65-F5344CB8AC3E}">
-        <p14:creationId xmlns:p14="http://schemas.microsoft.com/office/powerpoint/2010/main" val="4196935499"/>
-      </p:ext>
-    </p:extLst>
-  </p:cSld>
-  <p:clrMapOvr>
-    <a:masterClrMapping/>
-  </p:clrMapOvr>
-  <mc:AlternateContent xmlns:mc="http://schemas.openxmlformats.org/markup-compatibility/2006" xmlns:p14="http://schemas.microsoft.com/office/powerpoint/2010/main">
-    <mc:Choice Requires="p14">
-      <p:transition p14:dur="0"/>
-    </mc:Choice>
-    <mc:Fallback xmlns="">
-      <p:transition/>
-    </mc:Fallback>
-  </mc:AlternateContent>
-  <p:timing>
-    <p:tnLst>
-      <p:par>
-        <p:cTn id="1" dur="indefinite" restart="never" nodeType="tmRoot"/>
-      </p:par>
-    </p:tnLst>
-  </p:timing>
-</p:sld>
-</file>
-
-<file path=ppt/slides/slide19.xml><?xml version="1.0" encoding="utf-8"?>
-<p:sld xmlns:a="http://schemas.openxmlformats.org/drawingml/2006/main" xmlns:r="http://schemas.openxmlformats.org/officeDocument/2006/relationships" xmlns:p="http://schemas.openxmlformats.org/presentationml/2006/main">
-  <p:cSld>
-    <p:spTree>
-      <p:nvGrpSpPr>
-        <p:cNvPr id="1" name=""/>
-        <p:cNvGrpSpPr/>
-        <p:nvPr/>
-      </p:nvGrpSpPr>
-      <p:grpSpPr>
-        <a:xfrm>
-          <a:off x="0" y="0"/>
-          <a:ext cx="0" cy="0"/>
-          <a:chOff x="0" y="0"/>
-          <a:chExt cx="0" cy="0"/>
-        </a:xfrm>
-      </p:grpSpPr>
-      <p:sp>
-        <p:nvSpPr>
           <p:cNvPr id="2" name="Slide Number Placeholder 1"/>
           <p:cNvSpPr>
             <a:spLocks noGrp="1"/>
@@ -7961,391 +7197,7 @@
             <a:fld id="{C014DD1E-5D91-48A3-AD6D-45FBA980D106}" type="slidenum">
               <a:rPr lang="en-US" smtClean="0"/>
               <a:pPr/>
-              <a:t>19</a:t>
-            </a:fld>
-            <a:endParaRPr lang="en-US" dirty="0"/>
-          </a:p>
-        </p:txBody>
-      </p:sp>
-      <p:sp>
-        <p:nvSpPr>
-          <p:cNvPr id="3" name="Content Placeholder 2"/>
-          <p:cNvSpPr>
-            <a:spLocks noGrp="1"/>
-          </p:cNvSpPr>
-          <p:nvPr>
-            <p:ph idx="1"/>
-          </p:nvPr>
-        </p:nvSpPr>
-        <p:spPr/>
-        <p:txBody>
-          <a:bodyPr>
-            <a:normAutofit/>
-          </a:bodyPr>
-          <a:lstStyle/>
-          <a:p>
-            <a:r>
-              <a:rPr lang="en-GB" sz="3800" dirty="0" smtClean="0">
-                <a:solidFill>
-                  <a:schemeClr val="tx2">
-                    <a:lumMod val="75000"/>
-                  </a:schemeClr>
-                </a:solidFill>
-              </a:rPr>
-              <a:t>Routing</a:t>
-            </a:r>
-            <a:r>
-              <a:rPr lang="en-GB" sz="3800" dirty="0" smtClean="0"/>
-              <a:t> in SPA == mapping certain URL to certain page</a:t>
-            </a:r>
-          </a:p>
-          <a:p>
-            <a:pPr lvl="1"/>
-            <a:r>
-              <a:rPr lang="en-GB" sz="3600" dirty="0" smtClean="0"/>
-              <a:t>E.g. </a:t>
-            </a:r>
-            <a:r>
-              <a:rPr lang="en-GB" sz="3600" b="1" dirty="0" smtClean="0">
-                <a:solidFill>
-                  <a:schemeClr val="tx2">
-                    <a:lumMod val="75000"/>
-                  </a:schemeClr>
-                </a:solidFill>
-                <a:latin typeface="Consolas" panose="020B0609020204030204" pitchFamily="49" charset="0"/>
-                <a:cs typeface="Consolas" panose="020B0609020204030204" pitchFamily="49" charset="0"/>
-              </a:rPr>
-              <a:t>#/user/orders</a:t>
-            </a:r>
-            <a:r>
-              <a:rPr lang="en-GB" sz="3600" dirty="0" smtClean="0"/>
-              <a:t> </a:t>
-            </a:r>
-            <a:r>
-              <a:rPr lang="en-GB" sz="3600" dirty="0" smtClean="0">
-                <a:sym typeface="Wingdings" panose="05000000000000000000" pitchFamily="2" charset="2"/>
-              </a:rPr>
-              <a:t> shows user's orders,</a:t>
-            </a:r>
-            <a:br>
-              <a:rPr lang="en-GB" sz="3600" dirty="0" smtClean="0">
-                <a:sym typeface="Wingdings" panose="05000000000000000000" pitchFamily="2" charset="2"/>
-              </a:rPr>
-            </a:br>
-            <a:r>
-              <a:rPr lang="en-GB" sz="3600" b="1" dirty="0" smtClean="0">
-                <a:solidFill>
-                  <a:schemeClr val="tx2">
-                    <a:lumMod val="75000"/>
-                  </a:schemeClr>
-                </a:solidFill>
-                <a:latin typeface="Consolas" panose="020B0609020204030204" pitchFamily="49" charset="0"/>
-                <a:cs typeface="Consolas" panose="020B0609020204030204" pitchFamily="49" charset="0"/>
-              </a:rPr>
-              <a:t>#/login</a:t>
-            </a:r>
-            <a:r>
-              <a:rPr lang="en-GB" sz="3600" dirty="0" smtClean="0"/>
-              <a:t> </a:t>
-            </a:r>
-            <a:r>
-              <a:rPr lang="en-GB" sz="3600" dirty="0">
-                <a:sym typeface="Wingdings" panose="05000000000000000000" pitchFamily="2" charset="2"/>
-              </a:rPr>
-              <a:t> shows </a:t>
-            </a:r>
-            <a:r>
-              <a:rPr lang="en-GB" sz="3600" dirty="0" smtClean="0">
-                <a:sym typeface="Wingdings" panose="05000000000000000000" pitchFamily="2" charset="2"/>
-              </a:rPr>
-              <a:t>the app login form</a:t>
-            </a:r>
-          </a:p>
-          <a:p>
-            <a:pPr lvl="1"/>
-            <a:r>
-              <a:rPr lang="en-GB" sz="3600" dirty="0"/>
-              <a:t>Provides history</a:t>
-            </a:r>
-            <a:r>
-              <a:rPr lang="bg-BG" sz="3600" dirty="0"/>
-              <a:t> (</a:t>
-            </a:r>
-            <a:r>
-              <a:rPr lang="en-US" sz="3600" dirty="0">
-                <a:solidFill>
-                  <a:schemeClr val="tx2">
-                    <a:lumMod val="75000"/>
-                  </a:schemeClr>
-                </a:solidFill>
-              </a:rPr>
-              <a:t>[Back]</a:t>
-            </a:r>
-            <a:r>
-              <a:rPr lang="en-US" sz="3600" dirty="0"/>
-              <a:t> and </a:t>
-            </a:r>
-            <a:r>
-              <a:rPr lang="en-US" sz="3600" dirty="0">
-                <a:solidFill>
-                  <a:schemeClr val="tx2">
-                    <a:lumMod val="75000"/>
-                  </a:schemeClr>
-                </a:solidFill>
-              </a:rPr>
-              <a:t>[Forward]</a:t>
-            </a:r>
-            <a:r>
-              <a:rPr lang="en-US" sz="3600" dirty="0"/>
-              <a:t> browser buttons)</a:t>
-            </a:r>
-            <a:endParaRPr lang="en-GB" sz="3600" dirty="0"/>
-          </a:p>
-          <a:p>
-            <a:pPr lvl="1"/>
-            <a:r>
-              <a:rPr lang="en-GB" sz="3600" dirty="0"/>
-              <a:t>Descriptive URLs for the end </a:t>
-            </a:r>
-            <a:r>
-              <a:rPr lang="en-GB" sz="3600" dirty="0" smtClean="0"/>
-              <a:t>user</a:t>
-            </a:r>
-          </a:p>
-          <a:p>
-            <a:r>
-              <a:rPr lang="en-GB" sz="3800" dirty="0" smtClean="0"/>
-              <a:t>Routing in Angular maps application paths to certain controllers + partial views (templates)</a:t>
-            </a:r>
-          </a:p>
-          <a:p>
-            <a:endParaRPr lang="en-GB" sz="3800" dirty="0"/>
-          </a:p>
-        </p:txBody>
-      </p:sp>
-      <p:sp>
-        <p:nvSpPr>
-          <p:cNvPr id="4" name="Title 3"/>
-          <p:cNvSpPr>
-            <a:spLocks noGrp="1"/>
-          </p:cNvSpPr>
-          <p:nvPr>
-            <p:ph type="title"/>
-          </p:nvPr>
-        </p:nvSpPr>
-        <p:spPr/>
-        <p:txBody>
-          <a:bodyPr/>
-          <a:lstStyle/>
-          <a:p>
-            <a:r>
-              <a:rPr lang="en-GB" dirty="0" smtClean="0"/>
-              <a:t>What is Routing in SPA?</a:t>
-            </a:r>
-            <a:endParaRPr lang="en-GB" dirty="0"/>
-          </a:p>
-        </p:txBody>
-      </p:sp>
-    </p:spTree>
-    <p:extLst>
-      <p:ext uri="{BB962C8B-B14F-4D97-AF65-F5344CB8AC3E}">
-        <p14:creationId xmlns:p14="http://schemas.microsoft.com/office/powerpoint/2010/main" val="128497069"/>
-      </p:ext>
-    </p:extLst>
-  </p:cSld>
-  <p:clrMapOvr>
-    <a:masterClrMapping/>
-  </p:clrMapOvr>
-  <mc:AlternateContent xmlns:mc="http://schemas.openxmlformats.org/markup-compatibility/2006" xmlns:p14="http://schemas.microsoft.com/office/powerpoint/2010/main">
-    <mc:Choice Requires="p14">
-      <p:transition p14:dur="0"/>
-    </mc:Choice>
-    <mc:Fallback xmlns="">
-      <p:transition/>
-    </mc:Fallback>
-  </mc:AlternateContent>
-  <p:timing>
-    <p:tnLst>
-      <p:par>
-        <p:cTn id="1" dur="indefinite" restart="never" nodeType="tmRoot"/>
-      </p:par>
-    </p:tnLst>
-  </p:timing>
-</p:sld>
-</file>
-
-<file path=ppt/slides/slide2.xml><?xml version="1.0" encoding="utf-8"?>
-<p:sld xmlns:a="http://schemas.openxmlformats.org/drawingml/2006/main" xmlns:r="http://schemas.openxmlformats.org/officeDocument/2006/relationships" xmlns:p="http://schemas.openxmlformats.org/presentationml/2006/main">
-  <p:cSld>
-    <p:spTree>
-      <p:nvGrpSpPr>
-        <p:cNvPr id="1" name=""/>
-        <p:cNvGrpSpPr/>
-        <p:nvPr/>
-      </p:nvGrpSpPr>
-      <p:grpSpPr>
-        <a:xfrm>
-          <a:off x="0" y="0"/>
-          <a:ext cx="0" cy="0"/>
-          <a:chOff x="0" y="0"/>
-          <a:chExt cx="0" cy="0"/>
-        </a:xfrm>
-      </p:grpSpPr>
-      <p:sp>
-        <p:nvSpPr>
-          <p:cNvPr id="5" name="Title 4"/>
-          <p:cNvSpPr>
-            <a:spLocks noGrp="1"/>
-          </p:cNvSpPr>
-          <p:nvPr>
-            <p:ph type="title"/>
-          </p:nvPr>
-        </p:nvSpPr>
-        <p:spPr/>
-        <p:txBody>
-          <a:bodyPr/>
-          <a:lstStyle/>
-          <a:p>
-            <a:r>
-              <a:rPr lang="en-US" dirty="0" smtClean="0"/>
-              <a:t>AngularJS Services</a:t>
-            </a:r>
-            <a:endParaRPr lang="en-US" dirty="0"/>
-          </a:p>
-        </p:txBody>
-      </p:sp>
-      <p:sp>
-        <p:nvSpPr>
-          <p:cNvPr id="6" name="Text Placeholder 5"/>
-          <p:cNvSpPr>
-            <a:spLocks noGrp="1"/>
-          </p:cNvSpPr>
-          <p:nvPr>
-            <p:ph type="body" idx="1"/>
-          </p:nvPr>
-        </p:nvSpPr>
-        <p:spPr/>
-        <p:txBody>
-          <a:bodyPr/>
-          <a:lstStyle/>
-          <a:p>
-            <a:endParaRPr lang="en-US"/>
-          </a:p>
-        </p:txBody>
-      </p:sp>
-      <p:sp>
-        <p:nvSpPr>
-          <p:cNvPr id="2" name="Slide Number Placeholder 1"/>
-          <p:cNvSpPr>
-            <a:spLocks noGrp="1"/>
-          </p:cNvSpPr>
-          <p:nvPr>
-            <p:ph type="sldNum" sz="quarter" idx="4294967295"/>
-          </p:nvPr>
-        </p:nvSpPr>
-        <p:spPr>
-          <a:xfrm>
-            <a:off x="11760200" y="6524625"/>
-            <a:ext cx="428625" cy="196850"/>
-          </a:xfrm>
-        </p:spPr>
-        <p:txBody>
-          <a:bodyPr/>
-          <a:lstStyle/>
-          <a:p>
-            <a:fld id="{C014DD1E-5D91-48A3-AD6D-45FBA980D106}" type="slidenum">
-              <a:rPr lang="en-US" smtClean="0"/>
-              <a:pPr/>
-              <a:t>2</a:t>
-            </a:fld>
-            <a:endParaRPr lang="en-US" dirty="0"/>
-          </a:p>
-        </p:txBody>
-      </p:sp>
-      <p:pic>
-        <p:nvPicPr>
-          <p:cNvPr id="7" name="Picture 6"/>
-          <p:cNvPicPr>
-            <a:picLocks noChangeAspect="1"/>
-          </p:cNvPicPr>
-          <p:nvPr/>
-        </p:nvPicPr>
-        <p:blipFill>
-          <a:blip r:embed="rId2"/>
-          <a:stretch>
-            <a:fillRect/>
-          </a:stretch>
-        </p:blipFill>
-        <p:spPr>
-          <a:xfrm>
-            <a:off x="4060083" y="1196835"/>
-            <a:ext cx="3710730" cy="3441838"/>
-          </a:xfrm>
-          <a:prstGeom prst="rect">
-            <a:avLst/>
-          </a:prstGeom>
-          <a:effectLst>
-            <a:softEdge rad="31750"/>
-          </a:effectLst>
-        </p:spPr>
-      </p:pic>
-    </p:spTree>
-    <p:extLst>
-      <p:ext uri="{BB962C8B-B14F-4D97-AF65-F5344CB8AC3E}">
-        <p14:creationId xmlns:p14="http://schemas.microsoft.com/office/powerpoint/2010/main" val="728659053"/>
-      </p:ext>
-    </p:extLst>
-  </p:cSld>
-  <p:clrMapOvr>
-    <a:masterClrMapping/>
-  </p:clrMapOvr>
-  <mc:AlternateContent xmlns:mc="http://schemas.openxmlformats.org/markup-compatibility/2006">
-    <mc:Choice xmlns:p14="http://schemas.microsoft.com/office/powerpoint/2010/main" Requires="p14">
-      <p:transition p14:dur="0"/>
-    </mc:Choice>
-    <mc:Fallback>
-      <p:transition/>
-    </mc:Fallback>
-  </mc:AlternateContent>
-</p:sld>
-</file>
-
-<file path=ppt/slides/slide20.xml><?xml version="1.0" encoding="utf-8"?>
-<p:sld xmlns:a="http://schemas.openxmlformats.org/drawingml/2006/main" xmlns:r="http://schemas.openxmlformats.org/officeDocument/2006/relationships" xmlns:p="http://schemas.openxmlformats.org/presentationml/2006/main">
-  <p:cSld>
-    <p:spTree>
-      <p:nvGrpSpPr>
-        <p:cNvPr id="1" name=""/>
-        <p:cNvGrpSpPr/>
-        <p:nvPr/>
-      </p:nvGrpSpPr>
-      <p:grpSpPr>
-        <a:xfrm>
-          <a:off x="0" y="0"/>
-          <a:ext cx="0" cy="0"/>
-          <a:chOff x="0" y="0"/>
-          <a:chExt cx="0" cy="0"/>
-        </a:xfrm>
-      </p:grpSpPr>
-      <p:sp>
-        <p:nvSpPr>
-          <p:cNvPr id="2" name="Slide Number Placeholder 1"/>
-          <p:cNvSpPr>
-            <a:spLocks noGrp="1"/>
-          </p:cNvSpPr>
-          <p:nvPr>
-            <p:ph type="sldNum" sz="quarter" idx="4"/>
-          </p:nvPr>
-        </p:nvSpPr>
-        <p:spPr/>
-        <p:txBody>
-          <a:bodyPr/>
-          <a:lstStyle/>
-          <a:p>
-            <a:fld id="{C014DD1E-5D91-48A3-AD6D-45FBA980D106}" type="slidenum">
-              <a:rPr lang="en-US" smtClean="0"/>
-              <a:pPr/>
-              <a:t>20</a:t>
+              <a:t>18</a:t>
             </a:fld>
             <a:endParaRPr lang="en-US" dirty="0"/>
           </a:p>
@@ -8613,7 +7465,7 @@
 </p:sld>
 </file>
 
-<file path=ppt/slides/slide21.xml><?xml version="1.0" encoding="utf-8"?>
+<file path=ppt/slides/slide19.xml><?xml version="1.0" encoding="utf-8"?>
 <p:sld xmlns:a="http://schemas.openxmlformats.org/drawingml/2006/main" xmlns:r="http://schemas.openxmlformats.org/officeDocument/2006/relationships" xmlns:p="http://schemas.openxmlformats.org/presentationml/2006/main">
   <p:cSld>
     <p:spTree>
@@ -8776,7 +7628,324 @@
 </p:sld>
 </file>
 
-<file path=ppt/slides/slide22.xml><?xml version="1.0" encoding="utf-8"?>
+<file path=ppt/slides/slide2.xml><?xml version="1.0" encoding="utf-8"?>
+<p:sld xmlns:a="http://schemas.openxmlformats.org/drawingml/2006/main" xmlns:r="http://schemas.openxmlformats.org/officeDocument/2006/relationships" xmlns:p="http://schemas.openxmlformats.org/presentationml/2006/main">
+  <p:cSld>
+    <p:spTree>
+      <p:nvGrpSpPr>
+        <p:cNvPr id="1" name=""/>
+        <p:cNvGrpSpPr/>
+        <p:nvPr/>
+      </p:nvGrpSpPr>
+      <p:grpSpPr>
+        <a:xfrm>
+          <a:off x="0" y="0"/>
+          <a:ext cx="0" cy="0"/>
+          <a:chOff x="0" y="0"/>
+          <a:chExt cx="0" cy="0"/>
+        </a:xfrm>
+      </p:grpSpPr>
+      <p:sp>
+        <p:nvSpPr>
+          <p:cNvPr id="444418" name="Rectangle 2"/>
+          <p:cNvSpPr>
+            <a:spLocks noGrp="1" noChangeArrowheads="1"/>
+          </p:cNvSpPr>
+          <p:nvPr>
+            <p:ph type="title"/>
+          </p:nvPr>
+        </p:nvSpPr>
+        <p:spPr/>
+        <p:txBody>
+          <a:bodyPr>
+            <a:normAutofit/>
+          </a:bodyPr>
+          <a:lstStyle/>
+          <a:p>
+            <a:r>
+              <a:rPr lang="en-US" dirty="0" smtClean="0"/>
+              <a:t>Table of Contents</a:t>
+            </a:r>
+            <a:endParaRPr lang="bg-BG" dirty="0"/>
+          </a:p>
+        </p:txBody>
+      </p:sp>
+      <p:sp>
+        <p:nvSpPr>
+          <p:cNvPr id="444419" name="Rectangle 3"/>
+          <p:cNvSpPr>
+            <a:spLocks noGrp="1" noChangeArrowheads="1"/>
+          </p:cNvSpPr>
+          <p:nvPr>
+            <p:ph idx="4294967295"/>
+          </p:nvPr>
+        </p:nvSpPr>
+        <p:spPr>
+          <a:xfrm>
+            <a:off x="190413" y="1191467"/>
+            <a:ext cx="11804822" cy="5530010"/>
+          </a:xfrm>
+        </p:spPr>
+        <p:txBody>
+          <a:bodyPr>
+            <a:noAutofit/>
+          </a:bodyPr>
+          <a:lstStyle/>
+          <a:p>
+            <a:pPr marL="446088" indent="-446088">
+              <a:lnSpc>
+                <a:spcPct val="100000"/>
+              </a:lnSpc>
+              <a:buFontTx/>
+              <a:buAutoNum type="arabicPeriod"/>
+            </a:pPr>
+            <a:r>
+              <a:rPr lang="en-US" sz="3200" dirty="0" smtClean="0"/>
+              <a:t>AngularJS Services</a:t>
+            </a:r>
+          </a:p>
+          <a:p>
+            <a:pPr marL="761946" lvl="1" indent="-457200">
+              <a:lnSpc>
+                <a:spcPct val="100000"/>
+              </a:lnSpc>
+            </a:pPr>
+            <a:r>
+              <a:rPr lang="en-US" sz="3000" dirty="0" smtClean="0"/>
+              <a:t>What is services?</a:t>
+            </a:r>
+          </a:p>
+          <a:p>
+            <a:pPr marL="761946" lvl="1" indent="-457200">
+              <a:lnSpc>
+                <a:spcPct val="100000"/>
+              </a:lnSpc>
+            </a:pPr>
+            <a:r>
+              <a:rPr lang="en-US" sz="3000" dirty="0" smtClean="0"/>
+              <a:t>Built-In Services, Creating Custom Services</a:t>
+            </a:r>
+            <a:endParaRPr lang="en-US" sz="3000" dirty="0" smtClean="0"/>
+          </a:p>
+          <a:p>
+            <a:pPr marL="446088" indent="-446088">
+              <a:lnSpc>
+                <a:spcPct val="100000"/>
+              </a:lnSpc>
+              <a:buFontTx/>
+              <a:buAutoNum type="arabicPeriod"/>
+            </a:pPr>
+            <a:r>
+              <a:rPr lang="en-US" sz="3200" dirty="0" smtClean="0"/>
+              <a:t>AngularJS Routing</a:t>
+            </a:r>
+            <a:endParaRPr lang="bg-BG" sz="3200" dirty="0" smtClean="0"/>
+          </a:p>
+          <a:p>
+            <a:pPr marL="761946" lvl="1" indent="-457200">
+              <a:lnSpc>
+                <a:spcPct val="100000"/>
+              </a:lnSpc>
+            </a:pPr>
+            <a:r>
+              <a:rPr lang="en-US" sz="2800" dirty="0" smtClean="0"/>
+              <a:t>Create and Navigate Routes</a:t>
+            </a:r>
+          </a:p>
+          <a:p>
+            <a:pPr marL="761946" lvl="1" indent="-457200">
+              <a:lnSpc>
+                <a:spcPct val="100000"/>
+              </a:lnSpc>
+            </a:pPr>
+            <a:r>
+              <a:rPr lang="en-US" sz="2800" dirty="0" smtClean="0"/>
+              <a:t>Enabling HTML5 Routing, Inspect URL Parts</a:t>
+            </a:r>
+          </a:p>
+          <a:p>
+            <a:pPr marL="446088" indent="-446088">
+              <a:lnSpc>
+                <a:spcPct val="100000"/>
+              </a:lnSpc>
+              <a:buFontTx/>
+              <a:buAutoNum type="arabicPeriod"/>
+            </a:pPr>
+            <a:r>
+              <a:rPr lang="en-US" sz="3200" dirty="0" smtClean="0"/>
+              <a:t>AngularJS Directives</a:t>
+            </a:r>
+          </a:p>
+          <a:p>
+            <a:pPr lvl="1">
+              <a:lnSpc>
+                <a:spcPct val="100000"/>
+              </a:lnSpc>
+            </a:pPr>
+            <a:r>
+              <a:rPr lang="en-US" sz="2800" dirty="0" smtClean="0"/>
+              <a:t>Creating Directives, Isolating </a:t>
+            </a:r>
+            <a:r>
+              <a:rPr lang="en-US" sz="2800" dirty="0"/>
+              <a:t>Directive </a:t>
+            </a:r>
+            <a:r>
+              <a:rPr lang="en-US" sz="2800" dirty="0" smtClean="0"/>
+              <a:t>Scope, </a:t>
+            </a:r>
+          </a:p>
+          <a:p>
+            <a:pPr lvl="1">
+              <a:lnSpc>
+                <a:spcPct val="100000"/>
+              </a:lnSpc>
+            </a:pPr>
+            <a:r>
+              <a:rPr lang="en-US" sz="2800" dirty="0" smtClean="0"/>
+              <a:t>Handling Events, Using </a:t>
+            </a:r>
+            <a:r>
+              <a:rPr lang="en-US" sz="2800" dirty="0"/>
+              <a:t>Controllers with </a:t>
+            </a:r>
+            <a:r>
+              <a:rPr lang="en-US" sz="2800" dirty="0" smtClean="0"/>
+              <a:t>Directives</a:t>
+            </a:r>
+            <a:endParaRPr lang="en-US" sz="2800" dirty="0"/>
+          </a:p>
+        </p:txBody>
+      </p:sp>
+      <p:sp>
+        <p:nvSpPr>
+          <p:cNvPr id="2" name="Slide Number Placeholder 1"/>
+          <p:cNvSpPr>
+            <a:spLocks noGrp="1"/>
+          </p:cNvSpPr>
+          <p:nvPr>
+            <p:ph type="sldNum" sz="quarter" idx="4"/>
+          </p:nvPr>
+        </p:nvSpPr>
+        <p:spPr>
+          <a:xfrm>
+            <a:off x="11566412" y="6525002"/>
+            <a:ext cx="428822" cy="196477"/>
+          </a:xfrm>
+        </p:spPr>
+        <p:txBody>
+          <a:bodyPr/>
+          <a:lstStyle/>
+          <a:p>
+            <a:fld id="{C014DD1E-5D91-48A3-AD6D-45FBA980D106}" type="slidenum">
+              <a:rPr lang="en-US" smtClean="0"/>
+              <a:pPr/>
+              <a:t>2</a:t>
+            </a:fld>
+            <a:endParaRPr lang="en-US" dirty="0"/>
+          </a:p>
+        </p:txBody>
+      </p:sp>
+      <p:pic>
+        <p:nvPicPr>
+          <p:cNvPr id="10" name="Picture 2" descr="http://www.graphicsfuel.com/wp-content/uploads/2012/07/books-icon-512.png"/>
+          <p:cNvPicPr>
+            <a:picLocks noChangeAspect="1" noChangeArrowheads="1"/>
+          </p:cNvPicPr>
+          <p:nvPr/>
+        </p:nvPicPr>
+        <p:blipFill>
+          <a:blip r:embed="rId3" cstate="print">
+            <a:extLst>
+              <a:ext uri="{28A0092B-C50C-407E-A947-70E740481C1C}">
+                <a14:useLocalDpi xmlns:a14="http://schemas.microsoft.com/office/drawing/2010/main" val="0"/>
+              </a:ext>
+            </a:extLst>
+          </a:blip>
+          <a:srcRect/>
+          <a:stretch>
+            <a:fillRect/>
+          </a:stretch>
+        </p:blipFill>
+        <p:spPr bwMode="auto">
+          <a:xfrm>
+            <a:off x="9060284" y="1295400"/>
+            <a:ext cx="2225254" cy="2225256"/>
+          </a:xfrm>
+          <a:prstGeom prst="rect">
+            <a:avLst/>
+          </a:prstGeom>
+          <a:noFill/>
+          <a:extLst>
+            <a:ext uri="{909E8E84-426E-40DD-AFC4-6F175D3DCCD1}">
+              <a14:hiddenFill xmlns:a14="http://schemas.microsoft.com/office/drawing/2010/main">
+                <a:solidFill>
+                  <a:srgbClr val="FFFFFF"/>
+                </a:solidFill>
+              </a14:hiddenFill>
+            </a:ext>
+          </a:extLst>
+        </p:spPr>
+      </p:pic>
+      <p:pic>
+        <p:nvPicPr>
+          <p:cNvPr id="7" name="Picture 6"/>
+          <p:cNvPicPr>
+            <a:picLocks noChangeAspect="1"/>
+          </p:cNvPicPr>
+          <p:nvPr/>
+        </p:nvPicPr>
+        <p:blipFill>
+          <a:blip r:embed="rId4">
+            <a:extLst>
+              <a:ext uri="{28A0092B-C50C-407E-A947-70E740481C1C}">
+                <a14:useLocalDpi xmlns:a14="http://schemas.microsoft.com/office/drawing/2010/main" val="0"/>
+              </a:ext>
+            </a:extLst>
+          </a:blip>
+          <a:stretch>
+            <a:fillRect/>
+          </a:stretch>
+        </p:blipFill>
+        <p:spPr>
+          <a:xfrm>
+            <a:off x="7922296" y="2870452"/>
+            <a:ext cx="4501230" cy="4501230"/>
+          </a:xfrm>
+          <a:prstGeom prst="rect">
+            <a:avLst/>
+          </a:prstGeom>
+        </p:spPr>
+      </p:pic>
+    </p:spTree>
+    <p:extLst>
+      <p:ext uri="{BB962C8B-B14F-4D97-AF65-F5344CB8AC3E}">
+        <p14:creationId xmlns:p14="http://schemas.microsoft.com/office/powerpoint/2010/main" val="77049315"/>
+      </p:ext>
+    </p:extLst>
+  </p:cSld>
+  <p:clrMapOvr>
+    <a:masterClrMapping/>
+  </p:clrMapOvr>
+  <mc:AlternateContent xmlns:mc="http://schemas.openxmlformats.org/markup-compatibility/2006" xmlns:p14="http://schemas.microsoft.com/office/powerpoint/2010/main">
+    <mc:Choice Requires="p14">
+      <p:transition p14:dur="0"/>
+    </mc:Choice>
+    <mc:Fallback xmlns="">
+      <p:transition/>
+    </mc:Fallback>
+  </mc:AlternateContent>
+  <p:timing>
+    <p:tnLst>
+      <p:par>
+        <p:cTn id="1" dur="indefinite" restart="never" nodeType="tmRoot"/>
+      </p:par>
+    </p:tnLst>
+  </p:timing>
+</p:sld>
+</file>
+
+<file path=ppt/slides/slide20.xml><?xml version="1.0" encoding="utf-8"?>
 <p:sld xmlns:a="http://schemas.openxmlformats.org/drawingml/2006/main" xmlns:r="http://schemas.openxmlformats.org/officeDocument/2006/relationships" xmlns:p="http://schemas.openxmlformats.org/presentationml/2006/main">
   <p:cSld>
     <p:spTree>
@@ -9575,7 +8744,7 @@
             <a:fld id="{C014DD1E-5D91-48A3-AD6D-45FBA980D106}" type="slidenum">
               <a:rPr lang="en-US" smtClean="0"/>
               <a:pPr/>
-              <a:t>22</a:t>
+              <a:t>20</a:t>
             </a:fld>
             <a:endParaRPr lang="en-US" dirty="0"/>
           </a:p>
@@ -9680,7 +8849,7 @@
 </p:sld>
 </file>
 
-<file path=ppt/slides/slide23.xml><?xml version="1.0" encoding="utf-8"?>
+<file path=ppt/slides/slide21.xml><?xml version="1.0" encoding="utf-8"?>
 <p:sld xmlns:a="http://schemas.openxmlformats.org/drawingml/2006/main" xmlns:r="http://schemas.openxmlformats.org/officeDocument/2006/relationships" xmlns:p="http://schemas.openxmlformats.org/presentationml/2006/main">
   <p:cSld>
     <p:spTree>
@@ -10344,7 +9513,7 @@
             <a:fld id="{C014DD1E-5D91-48A3-AD6D-45FBA980D106}" type="slidenum">
               <a:rPr lang="en-US" smtClean="0"/>
               <a:pPr/>
-              <a:t>23</a:t>
+              <a:t>21</a:t>
             </a:fld>
             <a:endParaRPr lang="en-US" dirty="0"/>
           </a:p>
@@ -10449,7 +9618,7 @@
 </p:sld>
 </file>
 
-<file path=ppt/slides/slide24.xml><?xml version="1.0" encoding="utf-8"?>
+<file path=ppt/slides/slide22.xml><?xml version="1.0" encoding="utf-8"?>
 <p:sld xmlns:a="http://schemas.openxmlformats.org/drawingml/2006/main" xmlns:r="http://schemas.openxmlformats.org/officeDocument/2006/relationships" xmlns:p="http://schemas.openxmlformats.org/presentationml/2006/main">
   <p:cSld>
     <p:spTree>
@@ -10612,7 +9781,7 @@
 </p:sld>
 </file>
 
-<file path=ppt/slides/slide25.xml><?xml version="1.0" encoding="utf-8"?>
+<file path=ppt/slides/slide23.xml><?xml version="1.0" encoding="utf-8"?>
 <p:sld xmlns:a="http://schemas.openxmlformats.org/drawingml/2006/main" xmlns:r="http://schemas.openxmlformats.org/officeDocument/2006/relationships" xmlns:p="http://schemas.openxmlformats.org/presentationml/2006/main">
   <p:cSld>
     <p:spTree>
@@ -10712,7 +9881,7 @@
 </p:sld>
 </file>
 
-<file path=ppt/slides/slide26.xml><?xml version="1.0" encoding="utf-8"?>
+<file path=ppt/slides/slide24.xml><?xml version="1.0" encoding="utf-8"?>
 <p:sld xmlns:a="http://schemas.openxmlformats.org/drawingml/2006/main" xmlns:r="http://schemas.openxmlformats.org/officeDocument/2006/relationships" xmlns:p="http://schemas.openxmlformats.org/presentationml/2006/main">
   <p:cSld>
     <p:spTree>
@@ -11790,7 +10959,7 @@
             <a:fld id="{C014DD1E-5D91-48A3-AD6D-45FBA980D106}" type="slidenum">
               <a:rPr lang="en-US" smtClean="0"/>
               <a:pPr/>
-              <a:t>26</a:t>
+              <a:t>24</a:t>
             </a:fld>
             <a:endParaRPr lang="en-US" dirty="0"/>
           </a:p>
@@ -11987,7 +11156,7 @@
 </p:sld>
 </file>
 
-<file path=ppt/slides/slide27.xml><?xml version="1.0" encoding="utf-8"?>
+<file path=ppt/slides/slide25.xml><?xml version="1.0" encoding="utf-8"?>
 <p:sld xmlns:a="http://schemas.openxmlformats.org/drawingml/2006/main" xmlns:r="http://schemas.openxmlformats.org/officeDocument/2006/relationships" xmlns:p="http://schemas.openxmlformats.org/presentationml/2006/main">
   <p:cSld>
     <p:spTree>
@@ -12110,7 +11279,7 @@
 </p:sld>
 </file>
 
-<file path=ppt/slides/slide28.xml><?xml version="1.0" encoding="utf-8"?>
+<file path=ppt/slides/slide26.xml><?xml version="1.0" encoding="utf-8"?>
 <p:sld xmlns:a="http://schemas.openxmlformats.org/drawingml/2006/main" xmlns:r="http://schemas.openxmlformats.org/officeDocument/2006/relationships" xmlns:p="http://schemas.openxmlformats.org/presentationml/2006/main">
   <p:cSld>
     <p:spTree>
@@ -12145,7 +11314,7 @@
             <a:fld id="{C014DD1E-5D91-48A3-AD6D-45FBA980D106}" type="slidenum">
               <a:rPr lang="en-US" smtClean="0"/>
               <a:pPr/>
-              <a:t>28</a:t>
+              <a:t>26</a:t>
             </a:fld>
             <a:endParaRPr lang="en-US" dirty="0"/>
           </a:p>
@@ -13807,7 +12976,7 @@
 </p:sld>
 </file>
 
-<file path=ppt/slides/slide29.xml><?xml version="1.0" encoding="utf-8"?>
+<file path=ppt/slides/slide27.xml><?xml version="1.0" encoding="utf-8"?>
 <p:sld xmlns:a="http://schemas.openxmlformats.org/drawingml/2006/main" xmlns:r="http://schemas.openxmlformats.org/officeDocument/2006/relationships" xmlns:p="http://schemas.openxmlformats.org/presentationml/2006/main">
   <p:cSld>
     <p:spTree>
@@ -13934,247 +13103,7 @@
 </p:sld>
 </file>
 
-<file path=ppt/slides/slide3.xml><?xml version="1.0" encoding="utf-8"?>
-<p:sld xmlns:a="http://schemas.openxmlformats.org/drawingml/2006/main" xmlns:r="http://schemas.openxmlformats.org/officeDocument/2006/relationships" xmlns:p="http://schemas.openxmlformats.org/presentationml/2006/main">
-  <p:cSld>
-    <p:spTree>
-      <p:nvGrpSpPr>
-        <p:cNvPr id="1" name=""/>
-        <p:cNvGrpSpPr/>
-        <p:nvPr/>
-      </p:nvGrpSpPr>
-      <p:grpSpPr>
-        <a:xfrm>
-          <a:off x="0" y="0"/>
-          <a:ext cx="0" cy="0"/>
-          <a:chOff x="0" y="0"/>
-          <a:chExt cx="0" cy="0"/>
-        </a:xfrm>
-      </p:grpSpPr>
-      <p:sp>
-        <p:nvSpPr>
-          <p:cNvPr id="444418" name="Rectangle 2"/>
-          <p:cNvSpPr>
-            <a:spLocks noGrp="1" noChangeArrowheads="1"/>
-          </p:cNvSpPr>
-          <p:nvPr>
-            <p:ph type="title"/>
-          </p:nvPr>
-        </p:nvSpPr>
-        <p:spPr/>
-        <p:txBody>
-          <a:bodyPr>
-            <a:normAutofit/>
-          </a:bodyPr>
-          <a:lstStyle/>
-          <a:p>
-            <a:r>
-              <a:rPr lang="en-US" dirty="0" smtClean="0"/>
-              <a:t>Table of Contents</a:t>
-            </a:r>
-            <a:endParaRPr lang="bg-BG" dirty="0"/>
-          </a:p>
-        </p:txBody>
-      </p:sp>
-      <p:sp>
-        <p:nvSpPr>
-          <p:cNvPr id="444419" name="Rectangle 3"/>
-          <p:cNvSpPr>
-            <a:spLocks noGrp="1" noChangeArrowheads="1"/>
-          </p:cNvSpPr>
-          <p:nvPr>
-            <p:ph idx="4294967295"/>
-          </p:nvPr>
-        </p:nvSpPr>
-        <p:spPr>
-          <a:xfrm>
-            <a:off x="190413" y="1191467"/>
-            <a:ext cx="11804822" cy="5530010"/>
-          </a:xfrm>
-        </p:spPr>
-        <p:txBody>
-          <a:bodyPr>
-            <a:noAutofit/>
-          </a:bodyPr>
-          <a:lstStyle/>
-          <a:p>
-            <a:pPr marL="446088" indent="-446088">
-              <a:lnSpc>
-                <a:spcPct val="100000"/>
-              </a:lnSpc>
-              <a:buFontTx/>
-              <a:buAutoNum type="arabicPeriod"/>
-            </a:pPr>
-            <a:r>
-              <a:rPr lang="en-GB" sz="3600" dirty="0" smtClean="0"/>
-              <a:t>What is a AngularJS Service?</a:t>
-            </a:r>
-          </a:p>
-          <a:p>
-            <a:pPr marL="446088" indent="-446088">
-              <a:lnSpc>
-                <a:spcPct val="100000"/>
-              </a:lnSpc>
-              <a:buFontTx/>
-              <a:buAutoNum type="arabicPeriod"/>
-            </a:pPr>
-            <a:r>
-              <a:rPr lang="en-GB" sz="3600" dirty="0" smtClean="0"/>
-              <a:t>Why Should You Use Services?</a:t>
-            </a:r>
-          </a:p>
-          <a:p>
-            <a:pPr marL="446088" indent="-446088">
-              <a:lnSpc>
-                <a:spcPct val="100000"/>
-              </a:lnSpc>
-              <a:buFontTx/>
-              <a:buAutoNum type="arabicPeriod"/>
-            </a:pPr>
-            <a:r>
-              <a:rPr lang="en-GB" sz="3600" dirty="0" smtClean="0"/>
-              <a:t>Built-In Services</a:t>
-            </a:r>
-          </a:p>
-          <a:p>
-            <a:pPr marL="446088" indent="-446088">
-              <a:lnSpc>
-                <a:spcPct val="100000"/>
-              </a:lnSpc>
-              <a:buFontTx/>
-              <a:buAutoNum type="arabicPeriod"/>
-            </a:pPr>
-            <a:r>
-              <a:rPr lang="en-GB" sz="3600" dirty="0" smtClean="0"/>
-              <a:t>Creating Custom Services</a:t>
-            </a:r>
-            <a:endParaRPr lang="en-US" sz="3600" dirty="0" smtClean="0"/>
-          </a:p>
-        </p:txBody>
-      </p:sp>
-      <p:sp>
-        <p:nvSpPr>
-          <p:cNvPr id="2" name="Slide Number Placeholder 1"/>
-          <p:cNvSpPr>
-            <a:spLocks noGrp="1"/>
-          </p:cNvSpPr>
-          <p:nvPr>
-            <p:ph type="sldNum" sz="quarter" idx="4"/>
-          </p:nvPr>
-        </p:nvSpPr>
-        <p:spPr>
-          <a:xfrm>
-            <a:off x="11566412" y="6525002"/>
-            <a:ext cx="428822" cy="196477"/>
-          </a:xfrm>
-        </p:spPr>
-        <p:txBody>
-          <a:bodyPr/>
-          <a:lstStyle/>
-          <a:p>
-            <a:fld id="{C014DD1E-5D91-48A3-AD6D-45FBA980D106}" type="slidenum">
-              <a:rPr lang="en-US" smtClean="0"/>
-              <a:pPr/>
-              <a:t>3</a:t>
-            </a:fld>
-            <a:endParaRPr lang="en-US" dirty="0"/>
-          </a:p>
-        </p:txBody>
-      </p:sp>
-      <p:pic>
-        <p:nvPicPr>
-          <p:cNvPr id="10" name="Picture 2" descr="http://www.graphicsfuel.com/wp-content/uploads/2012/07/books-icon-512.png"/>
-          <p:cNvPicPr>
-            <a:picLocks noChangeAspect="1" noChangeArrowheads="1"/>
-          </p:cNvPicPr>
-          <p:nvPr/>
-        </p:nvPicPr>
-        <p:blipFill>
-          <a:blip r:embed="rId3" cstate="print">
-            <a:extLst>
-              <a:ext uri="{28A0092B-C50C-407E-A947-70E740481C1C}">
-                <a14:useLocalDpi xmlns:a14="http://schemas.microsoft.com/office/drawing/2010/main" val="0"/>
-              </a:ext>
-            </a:extLst>
-          </a:blip>
-          <a:srcRect/>
-          <a:stretch>
-            <a:fillRect/>
-          </a:stretch>
-        </p:blipFill>
-        <p:spPr bwMode="auto">
-          <a:xfrm>
-            <a:off x="9060284" y="1542398"/>
-            <a:ext cx="2225254" cy="2225256"/>
-          </a:xfrm>
-          <a:prstGeom prst="rect">
-            <a:avLst/>
-          </a:prstGeom>
-          <a:noFill/>
-          <a:extLst>
-            <a:ext uri="{909E8E84-426E-40DD-AFC4-6F175D3DCCD1}">
-              <a14:hiddenFill xmlns:a14="http://schemas.microsoft.com/office/drawing/2010/main">
-                <a:solidFill>
-                  <a:srgbClr val="FFFFFF"/>
-                </a:solidFill>
-              </a14:hiddenFill>
-            </a:ext>
-          </a:extLst>
-        </p:spPr>
-      </p:pic>
-      <p:pic>
-        <p:nvPicPr>
-          <p:cNvPr id="8" name="Picture 7"/>
-          <p:cNvPicPr>
-            <a:picLocks noChangeAspect="1"/>
-          </p:cNvPicPr>
-          <p:nvPr/>
-        </p:nvPicPr>
-        <p:blipFill>
-          <a:blip r:embed="rId4"/>
-          <a:stretch>
-            <a:fillRect/>
-          </a:stretch>
-        </p:blipFill>
-        <p:spPr>
-          <a:xfrm>
-            <a:off x="9222210" y="4191000"/>
-            <a:ext cx="1901402" cy="2039002"/>
-          </a:xfrm>
-          <a:prstGeom prst="rect">
-            <a:avLst/>
-          </a:prstGeom>
-        </p:spPr>
-      </p:pic>
-    </p:spTree>
-    <p:extLst>
-      <p:ext uri="{BB962C8B-B14F-4D97-AF65-F5344CB8AC3E}">
-        <p14:creationId xmlns:p14="http://schemas.microsoft.com/office/powerpoint/2010/main" val="1646986932"/>
-      </p:ext>
-    </p:extLst>
-  </p:cSld>
-  <p:clrMapOvr>
-    <a:masterClrMapping/>
-  </p:clrMapOvr>
-  <mc:AlternateContent xmlns:mc="http://schemas.openxmlformats.org/markup-compatibility/2006" xmlns:p14="http://schemas.microsoft.com/office/powerpoint/2010/main">
-    <mc:Choice Requires="p14">
-      <p:transition p14:dur="0"/>
-    </mc:Choice>
-    <mc:Fallback xmlns="">
-      <p:transition/>
-    </mc:Fallback>
-  </mc:AlternateContent>
-  <p:timing>
-    <p:tnLst>
-      <p:par>
-        <p:cTn id="1" dur="indefinite" restart="never" nodeType="tmRoot"/>
-      </p:par>
-    </p:tnLst>
-  </p:timing>
-</p:sld>
-</file>
-
-<file path=ppt/slides/slide30.xml><?xml version="1.0" encoding="utf-8"?>
+<file path=ppt/slides/slide28.xml><?xml version="1.0" encoding="utf-8"?>
 <p:sld xmlns:a="http://schemas.openxmlformats.org/drawingml/2006/main" xmlns:r="http://schemas.openxmlformats.org/officeDocument/2006/relationships" xmlns:p="http://schemas.openxmlformats.org/presentationml/2006/main">
   <p:cSld>
     <p:spTree>
@@ -15324,7 +14253,7 @@
             <a:fld id="{C014DD1E-5D91-48A3-AD6D-45FBA980D106}" type="slidenum">
               <a:rPr lang="en-US" smtClean="0"/>
               <a:pPr/>
-              <a:t>30</a:t>
+              <a:t>28</a:t>
             </a:fld>
             <a:endParaRPr lang="en-US" dirty="0"/>
           </a:p>
@@ -15613,7 +14542,7 @@
 </p:sld>
 </file>
 
-<file path=ppt/slides/slide31.xml><?xml version="1.0" encoding="utf-8"?>
+<file path=ppt/slides/slide29.xml><?xml version="1.0" encoding="utf-8"?>
 <p:sld xmlns:a="http://schemas.openxmlformats.org/drawingml/2006/main" xmlns:r="http://schemas.openxmlformats.org/officeDocument/2006/relationships" xmlns:p="http://schemas.openxmlformats.org/presentationml/2006/main">
   <p:cSld>
     <p:spTree>
@@ -15724,7 +14653,143 @@
 </p:sld>
 </file>
 
-<file path=ppt/slides/slide32.xml><?xml version="1.0" encoding="utf-8"?>
+<file path=ppt/slides/slide3.xml><?xml version="1.0" encoding="utf-8"?>
+<p:sld xmlns:a="http://schemas.openxmlformats.org/drawingml/2006/main" xmlns:r="http://schemas.openxmlformats.org/officeDocument/2006/relationships" xmlns:p="http://schemas.openxmlformats.org/presentationml/2006/main">
+  <p:cSld>
+    <p:spTree>
+      <p:nvGrpSpPr>
+        <p:cNvPr id="1" name=""/>
+        <p:cNvGrpSpPr/>
+        <p:nvPr/>
+      </p:nvGrpSpPr>
+      <p:grpSpPr>
+        <a:xfrm>
+          <a:off x="0" y="0"/>
+          <a:ext cx="0" cy="0"/>
+          <a:chOff x="0" y="0"/>
+          <a:chExt cx="0" cy="0"/>
+        </a:xfrm>
+      </p:grpSpPr>
+      <p:sp>
+        <p:nvSpPr>
+          <p:cNvPr id="5" name="Title 4"/>
+          <p:cNvSpPr>
+            <a:spLocks noGrp="1"/>
+          </p:cNvSpPr>
+          <p:nvPr>
+            <p:ph type="title"/>
+          </p:nvPr>
+        </p:nvSpPr>
+        <p:spPr/>
+        <p:txBody>
+          <a:bodyPr/>
+          <a:lstStyle/>
+          <a:p>
+            <a:r>
+              <a:rPr lang="en-US" dirty="0" smtClean="0"/>
+              <a:t>AngularJS Services</a:t>
+            </a:r>
+            <a:endParaRPr lang="en-US" dirty="0"/>
+          </a:p>
+        </p:txBody>
+      </p:sp>
+      <p:sp>
+        <p:nvSpPr>
+          <p:cNvPr id="6" name="Text Placeholder 5"/>
+          <p:cNvSpPr>
+            <a:spLocks noGrp="1"/>
+          </p:cNvSpPr>
+          <p:nvPr>
+            <p:ph type="body" idx="1"/>
+          </p:nvPr>
+        </p:nvSpPr>
+        <p:spPr/>
+        <p:txBody>
+          <a:bodyPr/>
+          <a:lstStyle/>
+          <a:p>
+            <a:endParaRPr lang="en-US"/>
+          </a:p>
+        </p:txBody>
+      </p:sp>
+      <p:sp>
+        <p:nvSpPr>
+          <p:cNvPr id="2" name="Slide Number Placeholder 1"/>
+          <p:cNvSpPr>
+            <a:spLocks noGrp="1"/>
+          </p:cNvSpPr>
+          <p:nvPr>
+            <p:ph type="sldNum" sz="quarter" idx="4294967295"/>
+          </p:nvPr>
+        </p:nvSpPr>
+        <p:spPr>
+          <a:xfrm>
+            <a:off x="11760200" y="6524625"/>
+            <a:ext cx="428625" cy="196850"/>
+          </a:xfrm>
+        </p:spPr>
+        <p:txBody>
+          <a:bodyPr/>
+          <a:lstStyle/>
+          <a:p>
+            <a:fld id="{C014DD1E-5D91-48A3-AD6D-45FBA980D106}" type="slidenum">
+              <a:rPr lang="en-US" smtClean="0"/>
+              <a:pPr/>
+              <a:t>3</a:t>
+            </a:fld>
+            <a:endParaRPr lang="en-US" dirty="0"/>
+          </a:p>
+        </p:txBody>
+      </p:sp>
+      <p:pic>
+        <p:nvPicPr>
+          <p:cNvPr id="7" name="Picture 6"/>
+          <p:cNvPicPr>
+            <a:picLocks noChangeAspect="1"/>
+          </p:cNvPicPr>
+          <p:nvPr/>
+        </p:nvPicPr>
+        <p:blipFill>
+          <a:blip r:embed="rId2"/>
+          <a:stretch>
+            <a:fillRect/>
+          </a:stretch>
+        </p:blipFill>
+        <p:spPr>
+          <a:xfrm>
+            <a:off x="4060083" y="1196835"/>
+            <a:ext cx="3710730" cy="3441838"/>
+          </a:xfrm>
+          <a:prstGeom prst="rect">
+            <a:avLst/>
+          </a:prstGeom>
+          <a:effectLst>
+            <a:softEdge rad="31750"/>
+          </a:effectLst>
+        </p:spPr>
+      </p:pic>
+    </p:spTree>
+    <p:extLst>
+      <p:ext uri="{BB962C8B-B14F-4D97-AF65-F5344CB8AC3E}">
+        <p14:creationId xmlns:p14="http://schemas.microsoft.com/office/powerpoint/2010/main" val="728659053"/>
+      </p:ext>
+    </p:extLst>
+  </p:cSld>
+  <p:clrMapOvr>
+    <a:masterClrMapping/>
+  </p:clrMapOvr>
+  <mc:AlternateContent xmlns:mc="http://schemas.openxmlformats.org/markup-compatibility/2006" xmlns:p14="http://schemas.microsoft.com/office/powerpoint/2010/main">
+    <mc:Choice Requires="p14">
+      <p:transition p14:dur="0"/>
+    </mc:Choice>
+    <mc:Fallback xmlns="">
+      <p:transition/>
+    </mc:Fallback>
+  </mc:AlternateContent>
+</p:sld>
+</file>
+
+<file path=ppt/slides/slide30.xml><?xml version="1.0" encoding="utf-8"?>
 <p:sld xmlns:a="http://schemas.openxmlformats.org/drawingml/2006/main" xmlns:r="http://schemas.openxmlformats.org/officeDocument/2006/relationships" xmlns:p="http://schemas.openxmlformats.org/presentationml/2006/main">
   <p:cSld>
     <p:spTree>
@@ -16020,7 +15085,7 @@
             <a:fld id="{C014DD1E-5D91-48A3-AD6D-45FBA980D106}" type="slidenum">
               <a:rPr lang="en-US" smtClean="0"/>
               <a:pPr/>
-              <a:t>32</a:t>
+              <a:t>30</a:t>
             </a:fld>
             <a:endParaRPr lang="en-US" dirty="0"/>
           </a:p>
@@ -16307,7 +15372,7 @@
 </p:sld>
 </file>
 
-<file path=ppt/slides/slide33.xml><?xml version="1.0" encoding="utf-8"?>
+<file path=ppt/slides/slide31.xml><?xml version="1.0" encoding="utf-8"?>
 <p:sld xmlns:a="http://schemas.openxmlformats.org/drawingml/2006/main" xmlns:r="http://schemas.openxmlformats.org/officeDocument/2006/relationships" xmlns:p="http://schemas.openxmlformats.org/presentationml/2006/main">
   <p:cSld>
     <p:spTree>
@@ -16425,7 +15490,7 @@
 </p:sld>
 </file>
 
-<file path=ppt/slides/slide34.xml><?xml version="1.0" encoding="utf-8"?>
+<file path=ppt/slides/slide32.xml><?xml version="1.0" encoding="utf-8"?>
 <p:sld xmlns:a="http://schemas.openxmlformats.org/drawingml/2006/main" xmlns:r="http://schemas.openxmlformats.org/officeDocument/2006/relationships" xmlns:p="http://schemas.openxmlformats.org/presentationml/2006/main">
   <p:cSld>
     <p:spTree>
@@ -16460,7 +15525,7 @@
             <a:fld id="{C014DD1E-5D91-48A3-AD6D-45FBA980D106}" type="slidenum">
               <a:rPr lang="en-US" smtClean="0"/>
               <a:pPr/>
-              <a:t>34</a:t>
+              <a:t>32</a:t>
             </a:fld>
             <a:endParaRPr lang="en-US" dirty="0"/>
           </a:p>
@@ -17122,7 +16187,7 @@
 </p:sld>
 </file>
 
-<file path=ppt/slides/slide35.xml><?xml version="1.0" encoding="utf-8"?>
+<file path=ppt/slides/slide33.xml><?xml version="1.0" encoding="utf-8"?>
 <p:sld xmlns:a="http://schemas.openxmlformats.org/drawingml/2006/main" xmlns:r="http://schemas.openxmlformats.org/officeDocument/2006/relationships" xmlns:p="http://schemas.openxmlformats.org/presentationml/2006/main">
   <p:cSld>
     <p:spTree>
@@ -17216,7 +16281,7 @@
             <a:fld id="{C014DD1E-5D91-48A3-AD6D-45FBA980D106}" type="slidenum">
               <a:rPr lang="en-US" smtClean="0"/>
               <a:pPr/>
-              <a:t>35</a:t>
+              <a:t>33</a:t>
             </a:fld>
             <a:endParaRPr lang="en-US" dirty="0"/>
           </a:p>
@@ -17256,283 +16321,6 @@
   <p:clrMapOvr>
     <a:masterClrMapping/>
   </p:clrMapOvr>
-  <mc:AlternateContent xmlns:mc="http://schemas.openxmlformats.org/markup-compatibility/2006">
-    <mc:Choice xmlns:p14="http://schemas.microsoft.com/office/powerpoint/2010/main" Requires="p14">
-      <p:transition p14:dur="0"/>
-    </mc:Choice>
-    <mc:Fallback>
-      <p:transition/>
-    </mc:Fallback>
-  </mc:AlternateContent>
-</p:sld>
-</file>
-
-<file path=ppt/slides/slide36.xml><?xml version="1.0" encoding="utf-8"?>
-<p:sld xmlns:a="http://schemas.openxmlformats.org/drawingml/2006/main" xmlns:r="http://schemas.openxmlformats.org/officeDocument/2006/relationships" xmlns:p="http://schemas.openxmlformats.org/presentationml/2006/main">
-  <p:cSld>
-    <p:spTree>
-      <p:nvGrpSpPr>
-        <p:cNvPr id="1" name=""/>
-        <p:cNvGrpSpPr/>
-        <p:nvPr/>
-      </p:nvGrpSpPr>
-      <p:grpSpPr>
-        <a:xfrm>
-          <a:off x="0" y="0"/>
-          <a:ext cx="0" cy="0"/>
-          <a:chOff x="0" y="0"/>
-          <a:chExt cx="0" cy="0"/>
-        </a:xfrm>
-      </p:grpSpPr>
-      <p:sp>
-        <p:nvSpPr>
-          <p:cNvPr id="444418" name="Rectangle 2"/>
-          <p:cNvSpPr>
-            <a:spLocks noGrp="1" noChangeArrowheads="1"/>
-          </p:cNvSpPr>
-          <p:nvPr>
-            <p:ph type="title"/>
-          </p:nvPr>
-        </p:nvSpPr>
-        <p:spPr/>
-        <p:txBody>
-          <a:bodyPr>
-            <a:normAutofit/>
-          </a:bodyPr>
-          <a:lstStyle/>
-          <a:p>
-            <a:r>
-              <a:rPr lang="en-US" dirty="0" smtClean="0"/>
-              <a:t>Table of Contents</a:t>
-            </a:r>
-            <a:endParaRPr lang="bg-BG" dirty="0"/>
-          </a:p>
-        </p:txBody>
-      </p:sp>
-      <p:sp>
-        <p:nvSpPr>
-          <p:cNvPr id="444419" name="Rectangle 3"/>
-          <p:cNvSpPr>
-            <a:spLocks noGrp="1" noChangeArrowheads="1"/>
-          </p:cNvSpPr>
-          <p:nvPr>
-            <p:ph idx="4294967295"/>
-          </p:nvPr>
-        </p:nvSpPr>
-        <p:spPr>
-          <a:xfrm>
-            <a:off x="190413" y="1191467"/>
-            <a:ext cx="11804822" cy="5530010"/>
-          </a:xfrm>
-        </p:spPr>
-        <p:txBody>
-          <a:bodyPr>
-            <a:noAutofit/>
-          </a:bodyPr>
-          <a:lstStyle/>
-          <a:p>
-            <a:pPr marL="446088" indent="-446088">
-              <a:lnSpc>
-                <a:spcPct val="100000"/>
-              </a:lnSpc>
-              <a:buFontTx/>
-              <a:buAutoNum type="arabicPeriod"/>
-            </a:pPr>
-            <a:r>
-              <a:rPr lang="en-US" sz="3600" dirty="0" smtClean="0"/>
-              <a:t>What is Directive?</a:t>
-            </a:r>
-          </a:p>
-          <a:p>
-            <a:pPr marL="446088" indent="-446088">
-              <a:lnSpc>
-                <a:spcPct val="100000"/>
-              </a:lnSpc>
-              <a:buFontTx/>
-              <a:buAutoNum type="arabicPeriod"/>
-            </a:pPr>
-            <a:r>
-              <a:rPr lang="en-US" sz="3600" dirty="0" smtClean="0"/>
-              <a:t>Uses for Directives</a:t>
-            </a:r>
-          </a:p>
-          <a:p>
-            <a:pPr marL="446088" indent="-446088">
-              <a:lnSpc>
-                <a:spcPct val="100000"/>
-              </a:lnSpc>
-              <a:buFontTx/>
-              <a:buAutoNum type="arabicPeriod"/>
-            </a:pPr>
-            <a:r>
-              <a:rPr lang="en-US" sz="3600" dirty="0" smtClean="0"/>
-              <a:t>Creating Directives</a:t>
-            </a:r>
-          </a:p>
-          <a:p>
-            <a:pPr marL="446088" indent="-446088">
-              <a:lnSpc>
-                <a:spcPct val="100000"/>
-              </a:lnSpc>
-              <a:buFontTx/>
-              <a:buAutoNum type="arabicPeriod"/>
-            </a:pPr>
-            <a:r>
-              <a:rPr lang="en-US" sz="3600" dirty="0" smtClean="0"/>
-              <a:t>Isolating Directive Scope</a:t>
-            </a:r>
-          </a:p>
-          <a:p>
-            <a:pPr marL="446088" indent="-446088">
-              <a:lnSpc>
-                <a:spcPct val="100000"/>
-              </a:lnSpc>
-              <a:buFontTx/>
-              <a:buAutoNum type="arabicPeriod"/>
-            </a:pPr>
-            <a:r>
-              <a:rPr lang="en-US" sz="3600" dirty="0" smtClean="0"/>
-              <a:t>Handling Events with Directives</a:t>
-            </a:r>
-          </a:p>
-          <a:p>
-            <a:pPr marL="446088" indent="-446088">
-              <a:lnSpc>
-                <a:spcPct val="100000"/>
-              </a:lnSpc>
-              <a:buFontTx/>
-              <a:buAutoNum type="arabicPeriod"/>
-            </a:pPr>
-            <a:r>
-              <a:rPr lang="en-US" sz="3600" dirty="0" smtClean="0"/>
-              <a:t>Using Controllers with Directives</a:t>
-            </a:r>
-          </a:p>
-          <a:p>
-            <a:pPr marL="446088" indent="-446088">
-              <a:lnSpc>
-                <a:spcPct val="100000"/>
-              </a:lnSpc>
-              <a:buFontTx/>
-              <a:buAutoNum type="arabicPeriod"/>
-            </a:pPr>
-            <a:r>
-              <a:rPr lang="en-US" sz="3600" dirty="0" smtClean="0"/>
-              <a:t>Using jQuery in Directives</a:t>
-            </a:r>
-          </a:p>
-        </p:txBody>
-      </p:sp>
-      <p:sp>
-        <p:nvSpPr>
-          <p:cNvPr id="2" name="Slide Number Placeholder 1"/>
-          <p:cNvSpPr>
-            <a:spLocks noGrp="1"/>
-          </p:cNvSpPr>
-          <p:nvPr>
-            <p:ph type="sldNum" sz="quarter" idx="4"/>
-          </p:nvPr>
-        </p:nvSpPr>
-        <p:spPr>
-          <a:xfrm>
-            <a:off x="11566412" y="6525002"/>
-            <a:ext cx="428822" cy="196477"/>
-          </a:xfrm>
-        </p:spPr>
-        <p:txBody>
-          <a:bodyPr/>
-          <a:lstStyle/>
-          <a:p>
-            <a:fld id="{C014DD1E-5D91-48A3-AD6D-45FBA980D106}" type="slidenum">
-              <a:rPr lang="en-US" smtClean="0"/>
-              <a:pPr/>
-              <a:t>36</a:t>
-            </a:fld>
-            <a:endParaRPr lang="en-US" dirty="0"/>
-          </a:p>
-        </p:txBody>
-      </p:sp>
-      <p:pic>
-        <p:nvPicPr>
-          <p:cNvPr id="10" name="Picture 2" descr="http://www.graphicsfuel.com/wp-content/uploads/2012/07/books-icon-512.png"/>
-          <p:cNvPicPr>
-            <a:picLocks noChangeAspect="1" noChangeArrowheads="1"/>
-          </p:cNvPicPr>
-          <p:nvPr/>
-        </p:nvPicPr>
-        <p:blipFill>
-          <a:blip r:embed="rId3" cstate="print">
-            <a:extLst>
-              <a:ext uri="{28A0092B-C50C-407E-A947-70E740481C1C}">
-                <a14:useLocalDpi xmlns:a14="http://schemas.microsoft.com/office/drawing/2010/main" val="0"/>
-              </a:ext>
-            </a:extLst>
-          </a:blip>
-          <a:srcRect/>
-          <a:stretch>
-            <a:fillRect/>
-          </a:stretch>
-        </p:blipFill>
-        <p:spPr bwMode="auto">
-          <a:xfrm>
-            <a:off x="9060284" y="1295400"/>
-            <a:ext cx="2225254" cy="2225256"/>
-          </a:xfrm>
-          <a:prstGeom prst="rect">
-            <a:avLst/>
-          </a:prstGeom>
-          <a:noFill/>
-          <a:extLst>
-            <a:ext uri="{909E8E84-426E-40DD-AFC4-6F175D3DCCD1}">
-              <a14:hiddenFill xmlns:a14="http://schemas.microsoft.com/office/drawing/2010/main">
-                <a:solidFill>
-                  <a:srgbClr val="FFFFFF"/>
-                </a:solidFill>
-              </a14:hiddenFill>
-            </a:ext>
-          </a:extLst>
-        </p:spPr>
-      </p:pic>
-      <p:pic>
-        <p:nvPicPr>
-          <p:cNvPr id="7" name="Picture 6"/>
-          <p:cNvPicPr>
-            <a:picLocks noChangeAspect="1"/>
-          </p:cNvPicPr>
-          <p:nvPr/>
-        </p:nvPicPr>
-        <p:blipFill>
-          <a:blip r:embed="rId4">
-            <a:extLst>
-              <a:ext uri="{28A0092B-C50C-407E-A947-70E740481C1C}">
-                <a14:useLocalDpi xmlns:a14="http://schemas.microsoft.com/office/drawing/2010/main" val="0"/>
-              </a:ext>
-            </a:extLst>
-          </a:blip>
-          <a:stretch>
-            <a:fillRect/>
-          </a:stretch>
-        </p:blipFill>
-        <p:spPr>
-          <a:xfrm>
-            <a:off x="7922296" y="2870452"/>
-            <a:ext cx="4501230" cy="4501230"/>
-          </a:xfrm>
-          <a:prstGeom prst="rect">
-            <a:avLst/>
-          </a:prstGeom>
-        </p:spPr>
-      </p:pic>
-    </p:spTree>
-    <p:extLst>
-      <p:ext uri="{BB962C8B-B14F-4D97-AF65-F5344CB8AC3E}">
-        <p14:creationId xmlns:p14="http://schemas.microsoft.com/office/powerpoint/2010/main" val="666944550"/>
-      </p:ext>
-    </p:extLst>
-  </p:cSld>
-  <p:clrMapOvr>
-    <a:masterClrMapping/>
-  </p:clrMapOvr>
   <mc:AlternateContent xmlns:mc="http://schemas.openxmlformats.org/markup-compatibility/2006" xmlns:p14="http://schemas.microsoft.com/office/powerpoint/2010/main">
     <mc:Choice Requires="p14">
       <p:transition p14:dur="0"/>
@@ -17541,17 +16329,10 @@
       <p:transition/>
     </mc:Fallback>
   </mc:AlternateContent>
-  <p:timing>
-    <p:tnLst>
-      <p:par>
-        <p:cTn id="1" dur="indefinite" restart="never" nodeType="tmRoot"/>
-      </p:par>
-    </p:tnLst>
-  </p:timing>
 </p:sld>
 </file>
 
-<file path=ppt/slides/slide37.xml><?xml version="1.0" encoding="utf-8"?>
+<file path=ppt/slides/slide34.xml><?xml version="1.0" encoding="utf-8"?>
 <p:sld xmlns:a="http://schemas.openxmlformats.org/drawingml/2006/main" xmlns:r="http://schemas.openxmlformats.org/officeDocument/2006/relationships" xmlns:p="http://schemas.openxmlformats.org/presentationml/2006/main">
   <p:cSld>
     <p:spTree>
@@ -17648,7 +16429,7 @@
 </p:sld>
 </file>
 
-<file path=ppt/slides/slide38.xml><?xml version="1.0" encoding="utf-8"?>
+<file path=ppt/slides/slide35.xml><?xml version="1.0" encoding="utf-8"?>
 <p:sld xmlns:a="http://schemas.openxmlformats.org/drawingml/2006/main" xmlns:r="http://schemas.openxmlformats.org/officeDocument/2006/relationships" xmlns:p="http://schemas.openxmlformats.org/presentationml/2006/main">
   <p:cSld>
     <p:spTree>
@@ -17683,7 +16464,7 @@
             <a:fld id="{C014DD1E-5D91-48A3-AD6D-45FBA980D106}" type="slidenum">
               <a:rPr lang="en-US" smtClean="0"/>
               <a:pPr/>
-              <a:t>38</a:t>
+              <a:t>35</a:t>
             </a:fld>
             <a:endParaRPr lang="en-US" dirty="0"/>
           </a:p>
@@ -17898,7 +16679,7 @@
 </p:sld>
 </file>
 
-<file path=ppt/slides/slide39.xml><?xml version="1.0" encoding="utf-8"?>
+<file path=ppt/slides/slide36.xml><?xml version="1.0" encoding="utf-8"?>
 <p:sld xmlns:a="http://schemas.openxmlformats.org/drawingml/2006/main" xmlns:r="http://schemas.openxmlformats.org/officeDocument/2006/relationships" xmlns:p="http://schemas.openxmlformats.org/presentationml/2006/main">
   <p:cSld>
     <p:spTree>
@@ -17933,7 +16714,7 @@
             <a:fld id="{C014DD1E-5D91-48A3-AD6D-45FBA980D106}" type="slidenum">
               <a:rPr lang="en-US" smtClean="0"/>
               <a:pPr/>
-              <a:t>39</a:t>
+              <a:t>36</a:t>
             </a:fld>
             <a:endParaRPr lang="en-US" dirty="0"/>
           </a:p>
@@ -18076,152 +16857,7 @@
 </p:sld>
 </file>
 
-<file path=ppt/slides/slide4.xml><?xml version="1.0" encoding="utf-8"?>
-<p:sld xmlns:a="http://schemas.openxmlformats.org/drawingml/2006/main" xmlns:r="http://schemas.openxmlformats.org/officeDocument/2006/relationships" xmlns:p="http://schemas.openxmlformats.org/presentationml/2006/main">
-  <p:cSld>
-    <p:spTree>
-      <p:nvGrpSpPr>
-        <p:cNvPr id="1" name=""/>
-        <p:cNvGrpSpPr/>
-        <p:nvPr/>
-      </p:nvGrpSpPr>
-      <p:grpSpPr>
-        <a:xfrm>
-          <a:off x="0" y="0"/>
-          <a:ext cx="0" cy="0"/>
-          <a:chOff x="0" y="0"/>
-          <a:chExt cx="0" cy="0"/>
-        </a:xfrm>
-      </p:grpSpPr>
-      <p:sp>
-        <p:nvSpPr>
-          <p:cNvPr id="5" name="Title 4"/>
-          <p:cNvSpPr>
-            <a:spLocks noGrp="1"/>
-          </p:cNvSpPr>
-          <p:nvPr>
-            <p:ph type="title"/>
-          </p:nvPr>
-        </p:nvSpPr>
-        <p:spPr>
-          <a:xfrm>
-            <a:off x="935884" y="4863548"/>
-            <a:ext cx="10263928" cy="820600"/>
-          </a:xfrm>
-        </p:spPr>
-        <p:txBody>
-          <a:bodyPr/>
-          <a:lstStyle/>
-          <a:p>
-            <a:r>
-              <a:rPr lang="en-GB" dirty="0" smtClean="0"/>
-              <a:t>What is AngularJS Service?</a:t>
-            </a:r>
-            <a:endParaRPr lang="en-GB" dirty="0"/>
-          </a:p>
-        </p:txBody>
-      </p:sp>
-      <p:sp>
-        <p:nvSpPr>
-          <p:cNvPr id="6" name="Text Placeholder 5"/>
-          <p:cNvSpPr>
-            <a:spLocks noGrp="1"/>
-          </p:cNvSpPr>
-          <p:nvPr>
-            <p:ph type="body" idx="1"/>
-          </p:nvPr>
-        </p:nvSpPr>
-        <p:spPr>
-          <a:xfrm>
-            <a:off x="935884" y="5741716"/>
-            <a:ext cx="10263928" cy="719034"/>
-          </a:xfrm>
-        </p:spPr>
-        <p:txBody>
-          <a:bodyPr/>
-          <a:lstStyle/>
-          <a:p>
-            <a:r>
-              <a:rPr lang="en-GB" dirty="0" smtClean="0"/>
-              <a:t>Reusable Components Holding App Logic</a:t>
-            </a:r>
-            <a:endParaRPr lang="en-GB" dirty="0"/>
-          </a:p>
-        </p:txBody>
-      </p:sp>
-      <p:pic>
-        <p:nvPicPr>
-          <p:cNvPr id="1028" name="Picture 4" descr="https://thinkster.io/images/splash/angularjs-tutorial-logo.png"/>
-          <p:cNvPicPr>
-            <a:picLocks noChangeAspect="1" noChangeArrowheads="1"/>
-          </p:cNvPicPr>
-          <p:nvPr/>
-        </p:nvPicPr>
-        <p:blipFill>
-          <a:blip r:embed="rId2">
-            <a:extLst>
-              <a:ext uri="{28A0092B-C50C-407E-A947-70E740481C1C}">
-                <a14:useLocalDpi xmlns:a14="http://schemas.microsoft.com/office/drawing/2010/main" val="0"/>
-              </a:ext>
-            </a:extLst>
-          </a:blip>
-          <a:srcRect/>
-          <a:stretch>
-            <a:fillRect/>
-          </a:stretch>
-        </p:blipFill>
-        <p:spPr bwMode="auto">
-          <a:xfrm>
-            <a:off x="4593484" y="1434548"/>
-            <a:ext cx="2948728" cy="2948728"/>
-          </a:xfrm>
-          <a:prstGeom prst="rect">
-            <a:avLst/>
-          </a:prstGeom>
-          <a:noFill/>
-          <a:effectLst>
-            <a:softEdge rad="63500"/>
-          </a:effectLst>
-          <a:extLst>
-            <a:ext uri="{909E8E84-426E-40DD-AFC4-6F175D3DCCD1}">
-              <a14:hiddenFill xmlns:a14="http://schemas.microsoft.com/office/drawing/2010/main">
-                <a:solidFill>
-                  <a:srgbClr val="FFFFFF"/>
-                </a:solidFill>
-              </a14:hiddenFill>
-            </a:ext>
-          </a:extLst>
-        </p:spPr>
-      </p:pic>
-    </p:spTree>
-    <p:extLst>
-      <p:ext uri="{BB962C8B-B14F-4D97-AF65-F5344CB8AC3E}">
-        <p14:creationId xmlns:p14="http://schemas.microsoft.com/office/powerpoint/2010/main" val="1371548518"/>
-      </p:ext>
-    </p:extLst>
-  </p:cSld>
-  <p:clrMapOvr>
-    <a:masterClrMapping/>
-  </p:clrMapOvr>
-  <mc:AlternateContent xmlns:mc="http://schemas.openxmlformats.org/markup-compatibility/2006" xmlns:p14="http://schemas.microsoft.com/office/powerpoint/2010/main">
-    <mc:Choice Requires="p14">
-      <p:transition p14:dur="0"/>
-    </mc:Choice>
-    <mc:Fallback xmlns="">
-      <p:transition/>
-    </mc:Fallback>
-  </mc:AlternateContent>
-  <p:timing>
-    <p:tnLst>
-      <p:par>
-        <p:cTn id="1" dur="indefinite" restart="never" nodeType="tmRoot"/>
-      </p:par>
-    </p:tnLst>
-  </p:timing>
-</p:sld>
-</file>
-
-<file path=ppt/slides/slide40.xml><?xml version="1.0" encoding="utf-8"?>
+<file path=ppt/slides/slide37.xml><?xml version="1.0" encoding="utf-8"?>
 <p:sld xmlns:a="http://schemas.openxmlformats.org/drawingml/2006/main" xmlns:r="http://schemas.openxmlformats.org/officeDocument/2006/relationships" xmlns:p="http://schemas.openxmlformats.org/presentationml/2006/main">
   <p:cSld>
     <p:spTree>
@@ -18322,7 +16958,7 @@
 </p:sld>
 </file>
 
-<file path=ppt/slides/slide41.xml><?xml version="1.0" encoding="utf-8"?>
+<file path=ppt/slides/slide38.xml><?xml version="1.0" encoding="utf-8"?>
 <p:sld xmlns:a="http://schemas.openxmlformats.org/drawingml/2006/main" xmlns:r="http://schemas.openxmlformats.org/officeDocument/2006/relationships" xmlns:p="http://schemas.openxmlformats.org/presentationml/2006/main">
   <p:cSld>
     <p:spTree>
@@ -19867,7 +18503,7 @@
 </p:sld>
 </file>
 
-<file path=ppt/slides/slide42.xml><?xml version="1.0" encoding="utf-8"?>
+<file path=ppt/slides/slide39.xml><?xml version="1.0" encoding="utf-8"?>
 <p:sld xmlns:a="http://schemas.openxmlformats.org/drawingml/2006/main" xmlns:r="http://schemas.openxmlformats.org/officeDocument/2006/relationships" xmlns:p="http://schemas.openxmlformats.org/presentationml/2006/main">
   <p:cSld>
     <p:spTree>
@@ -19995,7 +18631,295 @@
 </p:sld>
 </file>
 
-<file path=ppt/slides/slide43.xml><?xml version="1.0" encoding="utf-8"?>
+<file path=ppt/slides/slide4.xml><?xml version="1.0" encoding="utf-8"?>
+<p:sld xmlns:a="http://schemas.openxmlformats.org/drawingml/2006/main" xmlns:r="http://schemas.openxmlformats.org/officeDocument/2006/relationships" xmlns:p="http://schemas.openxmlformats.org/presentationml/2006/main">
+  <p:cSld>
+    <p:spTree>
+      <p:nvGrpSpPr>
+        <p:cNvPr id="1" name=""/>
+        <p:cNvGrpSpPr/>
+        <p:nvPr/>
+      </p:nvGrpSpPr>
+      <p:grpSpPr>
+        <a:xfrm>
+          <a:off x="0" y="0"/>
+          <a:ext cx="0" cy="0"/>
+          <a:chOff x="0" y="0"/>
+          <a:chExt cx="0" cy="0"/>
+        </a:xfrm>
+      </p:grpSpPr>
+      <p:sp>
+        <p:nvSpPr>
+          <p:cNvPr id="2" name="Slide Number Placeholder 1"/>
+          <p:cNvSpPr>
+            <a:spLocks noGrp="1"/>
+          </p:cNvSpPr>
+          <p:nvPr>
+            <p:ph type="sldNum" sz="quarter" idx="4"/>
+          </p:nvPr>
+        </p:nvSpPr>
+        <p:spPr/>
+        <p:txBody>
+          <a:bodyPr/>
+          <a:lstStyle/>
+          <a:p>
+            <a:fld id="{C014DD1E-5D91-48A3-AD6D-45FBA980D106}" type="slidenum">
+              <a:rPr lang="en-US" smtClean="0"/>
+              <a:pPr/>
+              <a:t>4</a:t>
+            </a:fld>
+            <a:endParaRPr lang="en-US" dirty="0"/>
+          </a:p>
+        </p:txBody>
+      </p:sp>
+      <p:sp>
+        <p:nvSpPr>
+          <p:cNvPr id="3" name="Content Placeholder 2"/>
+          <p:cNvSpPr>
+            <a:spLocks noGrp="1"/>
+          </p:cNvSpPr>
+          <p:nvPr>
+            <p:ph idx="1"/>
+          </p:nvPr>
+        </p:nvSpPr>
+        <p:spPr/>
+        <p:txBody>
+          <a:bodyPr>
+            <a:normAutofit/>
+          </a:bodyPr>
+          <a:lstStyle/>
+          <a:p>
+            <a:r>
+              <a:rPr lang="en-GB" sz="3600" dirty="0" smtClean="0"/>
+              <a:t>A worker object that performs some sort of logic</a:t>
+            </a:r>
+          </a:p>
+          <a:p>
+            <a:pPr lvl="1"/>
+            <a:r>
+              <a:rPr lang="en-GB" sz="3400" dirty="0" smtClean="0"/>
+              <a:t>Not necessarily over-the-wire</a:t>
+            </a:r>
+          </a:p>
+          <a:p>
+            <a:pPr lvl="1"/>
+            <a:r>
+              <a:rPr lang="en-GB" sz="3400" dirty="0" smtClean="0"/>
+              <a:t>Often stateless</a:t>
+            </a:r>
+          </a:p>
+          <a:p>
+            <a:pPr lvl="1"/>
+            <a:r>
+              <a:rPr lang="en-GB" sz="3400" dirty="0" smtClean="0"/>
+              <a:t>Lazily instantiated</a:t>
+            </a:r>
+          </a:p>
+          <a:p>
+            <a:pPr lvl="1"/>
+            <a:r>
+              <a:rPr lang="en-GB" sz="3400" dirty="0" smtClean="0"/>
+              <a:t>Singletons</a:t>
+            </a:r>
+          </a:p>
+          <a:p>
+            <a:r>
+              <a:rPr lang="en-GB" sz="3600" dirty="0" smtClean="0"/>
+              <a:t>Built-in services always start with </a:t>
+            </a:r>
+            <a:r>
+              <a:rPr lang="en-GB" sz="3600" b="1" dirty="0" smtClean="0">
+                <a:solidFill>
+                  <a:schemeClr val="tx2">
+                    <a:lumMod val="75000"/>
+                  </a:schemeClr>
+                </a:solidFill>
+                <a:latin typeface="Consolas" panose="020B0609020204030204" pitchFamily="49" charset="0"/>
+                <a:cs typeface="Consolas" panose="020B0609020204030204" pitchFamily="49" charset="0"/>
+              </a:rPr>
+              <a:t>$</a:t>
+            </a:r>
+          </a:p>
+          <a:p>
+            <a:pPr lvl="1"/>
+            <a:r>
+              <a:rPr lang="en-GB" dirty="0" smtClean="0"/>
+              <a:t>E.g. </a:t>
+            </a:r>
+            <a:r>
+              <a:rPr lang="en-GB" b="1" dirty="0" smtClean="0">
+                <a:solidFill>
+                  <a:schemeClr val="tx2">
+                    <a:lumMod val="75000"/>
+                  </a:schemeClr>
+                </a:solidFill>
+                <a:latin typeface="Consolas" panose="020B0609020204030204" pitchFamily="49" charset="0"/>
+                <a:cs typeface="Consolas" panose="020B0609020204030204" pitchFamily="49" charset="0"/>
+              </a:rPr>
+              <a:t>$http</a:t>
+            </a:r>
+            <a:r>
+              <a:rPr lang="en-GB" dirty="0" smtClean="0"/>
+              <a:t>, </a:t>
+            </a:r>
+            <a:r>
+              <a:rPr lang="en-GB" b="1" dirty="0" smtClean="0">
+                <a:solidFill>
+                  <a:schemeClr val="tx2">
+                    <a:lumMod val="75000"/>
+                  </a:schemeClr>
+                </a:solidFill>
+                <a:latin typeface="Consolas" panose="020B0609020204030204" pitchFamily="49" charset="0"/>
+                <a:cs typeface="Consolas" panose="020B0609020204030204" pitchFamily="49" charset="0"/>
+              </a:rPr>
+              <a:t>$location</a:t>
+            </a:r>
+            <a:r>
+              <a:rPr lang="en-GB" dirty="0" smtClean="0"/>
+              <a:t>, </a:t>
+            </a:r>
+            <a:r>
+              <a:rPr lang="en-GB" b="1" dirty="0" smtClean="0">
+                <a:solidFill>
+                  <a:schemeClr val="tx2">
+                    <a:lumMod val="75000"/>
+                  </a:schemeClr>
+                </a:solidFill>
+                <a:latin typeface="Consolas" panose="020B0609020204030204" pitchFamily="49" charset="0"/>
+                <a:cs typeface="Consolas" panose="020B0609020204030204" pitchFamily="49" charset="0"/>
+              </a:rPr>
+              <a:t>$log</a:t>
+            </a:r>
+            <a:r>
+              <a:rPr lang="en-GB" dirty="0" smtClean="0"/>
+              <a:t>, </a:t>
+            </a:r>
+            <a:r>
+              <a:rPr lang="en-GB" b="1" dirty="0" smtClean="0">
+                <a:solidFill>
+                  <a:schemeClr val="tx2">
+                    <a:lumMod val="75000"/>
+                  </a:schemeClr>
+                </a:solidFill>
+                <a:latin typeface="Consolas" panose="020B0609020204030204" pitchFamily="49" charset="0"/>
+                <a:cs typeface="Consolas" panose="020B0609020204030204" pitchFamily="49" charset="0"/>
+              </a:rPr>
+              <a:t>$q</a:t>
+            </a:r>
+            <a:r>
+              <a:rPr lang="en-GB" dirty="0" smtClean="0"/>
+              <a:t>, </a:t>
+            </a:r>
+            <a:r>
+              <a:rPr lang="en-GB" b="1" dirty="0" smtClean="0">
+                <a:solidFill>
+                  <a:schemeClr val="tx2">
+                    <a:lumMod val="75000"/>
+                  </a:schemeClr>
+                </a:solidFill>
+                <a:latin typeface="Consolas" panose="020B0609020204030204" pitchFamily="49" charset="0"/>
+                <a:cs typeface="Consolas" panose="020B0609020204030204" pitchFamily="49" charset="0"/>
+              </a:rPr>
+              <a:t>$animate</a:t>
+            </a:r>
+            <a:r>
+              <a:rPr lang="en-GB" dirty="0" smtClean="0"/>
+              <a:t>, …</a:t>
+            </a:r>
+            <a:endParaRPr lang="en-GB" b="1" dirty="0">
+              <a:solidFill>
+                <a:schemeClr val="tx2">
+                  <a:lumMod val="75000"/>
+                </a:schemeClr>
+              </a:solidFill>
+              <a:latin typeface="Consolas" panose="020B0609020204030204" pitchFamily="49" charset="0"/>
+              <a:cs typeface="Consolas" panose="020B0609020204030204" pitchFamily="49" charset="0"/>
+            </a:endParaRPr>
+          </a:p>
+        </p:txBody>
+      </p:sp>
+      <p:sp>
+        <p:nvSpPr>
+          <p:cNvPr id="4" name="Title 3"/>
+          <p:cNvSpPr>
+            <a:spLocks noGrp="1"/>
+          </p:cNvSpPr>
+          <p:nvPr>
+            <p:ph type="title"/>
+          </p:nvPr>
+        </p:nvSpPr>
+        <p:spPr/>
+        <p:txBody>
+          <a:bodyPr/>
+          <a:lstStyle/>
+          <a:p>
+            <a:r>
+              <a:rPr lang="en-GB" dirty="0" smtClean="0"/>
+              <a:t>What is AngularJS Service?</a:t>
+            </a:r>
+            <a:endParaRPr lang="en-GB" dirty="0"/>
+          </a:p>
+        </p:txBody>
+      </p:sp>
+      <p:pic>
+        <p:nvPicPr>
+          <p:cNvPr id="5" name="Picture 4"/>
+          <p:cNvPicPr>
+            <a:picLocks noChangeAspect="1"/>
+          </p:cNvPicPr>
+          <p:nvPr/>
+        </p:nvPicPr>
+        <p:blipFill>
+          <a:blip r:embed="rId2">
+            <a:extLst>
+              <a:ext uri="{28A0092B-C50C-407E-A947-70E740481C1C}">
+                <a14:useLocalDpi xmlns:a14="http://schemas.microsoft.com/office/drawing/2010/main" val="0"/>
+              </a:ext>
+            </a:extLst>
+          </a:blip>
+          <a:stretch>
+            <a:fillRect/>
+          </a:stretch>
+        </p:blipFill>
+        <p:spPr>
+          <a:xfrm>
+            <a:off x="7542212" y="2261901"/>
+            <a:ext cx="3893078" cy="2590800"/>
+          </a:xfrm>
+          <a:prstGeom prst="rect">
+            <a:avLst/>
+          </a:prstGeom>
+        </p:spPr>
+      </p:pic>
+    </p:spTree>
+    <p:extLst>
+      <p:ext uri="{BB962C8B-B14F-4D97-AF65-F5344CB8AC3E}">
+        <p14:creationId xmlns:p14="http://schemas.microsoft.com/office/powerpoint/2010/main" val="726531700"/>
+      </p:ext>
+    </p:extLst>
+  </p:cSld>
+  <p:clrMapOvr>
+    <a:masterClrMapping/>
+  </p:clrMapOvr>
+  <mc:AlternateContent xmlns:mc="http://schemas.openxmlformats.org/markup-compatibility/2006" xmlns:p14="http://schemas.microsoft.com/office/powerpoint/2010/main">
+    <mc:Choice Requires="p14">
+      <p:transition p14:dur="0"/>
+    </mc:Choice>
+    <mc:Fallback xmlns="">
+      <p:transition/>
+    </mc:Fallback>
+  </mc:AlternateContent>
+  <p:timing>
+    <p:tnLst>
+      <p:par>
+        <p:cTn id="1" dur="indefinite" restart="never" nodeType="tmRoot"/>
+      </p:par>
+    </p:tnLst>
+  </p:timing>
+</p:sld>
+</file>
+
+<file path=ppt/slides/slide40.xml><?xml version="1.0" encoding="utf-8"?>
 <p:sld xmlns:a="http://schemas.openxmlformats.org/drawingml/2006/main" xmlns:r="http://schemas.openxmlformats.org/officeDocument/2006/relationships" xmlns:p="http://schemas.openxmlformats.org/presentationml/2006/main">
   <p:cSld>
     <p:spTree>
@@ -20994,7 +19918,7 @@
 </p:sld>
 </file>
 
-<file path=ppt/slides/slide44.xml><?xml version="1.0" encoding="utf-8"?>
+<file path=ppt/slides/slide41.xml><?xml version="1.0" encoding="utf-8"?>
 <p:sld xmlns:a="http://schemas.openxmlformats.org/drawingml/2006/main" xmlns:r="http://schemas.openxmlformats.org/officeDocument/2006/relationships" xmlns:p="http://schemas.openxmlformats.org/presentationml/2006/main" show="0">
   <p:cSld>
     <p:spTree>
@@ -21123,7 +20047,7 @@
 </p:sld>
 </file>
 
-<file path=ppt/slides/slide45.xml><?xml version="1.0" encoding="utf-8"?>
+<file path=ppt/slides/slide42.xml><?xml version="1.0" encoding="utf-8"?>
 <p:sld xmlns:a="http://schemas.openxmlformats.org/drawingml/2006/main" xmlns:r="http://schemas.openxmlformats.org/officeDocument/2006/relationships" xmlns:p="http://schemas.openxmlformats.org/presentationml/2006/main">
   <p:cSld>
     <p:spTree>
@@ -22267,7 +21191,7 @@
 </p:sld>
 </file>
 
-<file path=ppt/slides/slide46.xml><?xml version="1.0" encoding="utf-8"?>
+<file path=ppt/slides/slide43.xml><?xml version="1.0" encoding="utf-8"?>
 <p:sld xmlns:a="http://schemas.openxmlformats.org/drawingml/2006/main" xmlns:r="http://schemas.openxmlformats.org/officeDocument/2006/relationships" xmlns:p="http://schemas.openxmlformats.org/presentationml/2006/main">
   <p:cSld>
     <p:spTree>
@@ -23468,7 +22392,7 @@
 </p:sld>
 </file>
 
-<file path=ppt/slides/slide47.xml><?xml version="1.0" encoding="utf-8"?>
+<file path=ppt/slides/slide44.xml><?xml version="1.0" encoding="utf-8"?>
 <p:sld xmlns:a="http://schemas.openxmlformats.org/drawingml/2006/main" xmlns:r="http://schemas.openxmlformats.org/officeDocument/2006/relationships" xmlns:p="http://schemas.openxmlformats.org/presentationml/2006/main">
   <p:cSld>
     <p:spTree>
@@ -24455,7 +23379,7 @@
 </p:sld>
 </file>
 
-<file path=ppt/slides/slide48.xml><?xml version="1.0" encoding="utf-8"?>
+<file path=ppt/slides/slide45.xml><?xml version="1.0" encoding="utf-8"?>
 <p:sld xmlns:a="http://schemas.openxmlformats.org/drawingml/2006/main" xmlns:r="http://schemas.openxmlformats.org/officeDocument/2006/relationships" xmlns:p="http://schemas.openxmlformats.org/presentationml/2006/main">
   <p:cSld>
     <p:spTree>
@@ -24490,7 +23414,7 @@
             <a:fld id="{C014DD1E-5D91-48A3-AD6D-45FBA980D106}" type="slidenum">
               <a:rPr lang="en-US" smtClean="0"/>
               <a:pPr/>
-              <a:t>48</a:t>
+              <a:t>45</a:t>
             </a:fld>
             <a:endParaRPr lang="en-US" dirty="0"/>
           </a:p>
@@ -25193,7 +24117,7 @@
 </p:sld>
 </file>
 
-<file path=ppt/slides/slide49.xml><?xml version="1.0" encoding="utf-8"?>
+<file path=ppt/slides/slide46.xml><?xml version="1.0" encoding="utf-8"?>
 <p:sld xmlns:a="http://schemas.openxmlformats.org/drawingml/2006/main" xmlns:r="http://schemas.openxmlformats.org/officeDocument/2006/relationships" xmlns:p="http://schemas.openxmlformats.org/presentationml/2006/main">
   <p:cSld>
     <p:spTree>
@@ -25263,11 +24187,7 @@
             </a:r>
             <a:r>
               <a:rPr lang="en-US" smtClean="0"/>
-              <a:t> </a:t>
-            </a:r>
-            <a:r>
-              <a:rPr lang="en-US" smtClean="0"/>
-              <a:t>Components</a:t>
+              <a:t> Components</a:t>
             </a:r>
             <a:endParaRPr lang="en-US" dirty="0"/>
           </a:p>
@@ -25622,295 +24542,7 @@
 </p:sld>
 </file>
 
-<file path=ppt/slides/slide5.xml><?xml version="1.0" encoding="utf-8"?>
-<p:sld xmlns:a="http://schemas.openxmlformats.org/drawingml/2006/main" xmlns:r="http://schemas.openxmlformats.org/officeDocument/2006/relationships" xmlns:p="http://schemas.openxmlformats.org/presentationml/2006/main">
-  <p:cSld>
-    <p:spTree>
-      <p:nvGrpSpPr>
-        <p:cNvPr id="1" name=""/>
-        <p:cNvGrpSpPr/>
-        <p:nvPr/>
-      </p:nvGrpSpPr>
-      <p:grpSpPr>
-        <a:xfrm>
-          <a:off x="0" y="0"/>
-          <a:ext cx="0" cy="0"/>
-          <a:chOff x="0" y="0"/>
-          <a:chExt cx="0" cy="0"/>
-        </a:xfrm>
-      </p:grpSpPr>
-      <p:sp>
-        <p:nvSpPr>
-          <p:cNvPr id="2" name="Slide Number Placeholder 1"/>
-          <p:cNvSpPr>
-            <a:spLocks noGrp="1"/>
-          </p:cNvSpPr>
-          <p:nvPr>
-            <p:ph type="sldNum" sz="quarter" idx="4"/>
-          </p:nvPr>
-        </p:nvSpPr>
-        <p:spPr/>
-        <p:txBody>
-          <a:bodyPr/>
-          <a:lstStyle/>
-          <a:p>
-            <a:fld id="{C014DD1E-5D91-48A3-AD6D-45FBA980D106}" type="slidenum">
-              <a:rPr lang="en-US" smtClean="0"/>
-              <a:pPr/>
-              <a:t>5</a:t>
-            </a:fld>
-            <a:endParaRPr lang="en-US" dirty="0"/>
-          </a:p>
-        </p:txBody>
-      </p:sp>
-      <p:sp>
-        <p:nvSpPr>
-          <p:cNvPr id="3" name="Content Placeholder 2"/>
-          <p:cNvSpPr>
-            <a:spLocks noGrp="1"/>
-          </p:cNvSpPr>
-          <p:nvPr>
-            <p:ph idx="1"/>
-          </p:nvPr>
-        </p:nvSpPr>
-        <p:spPr/>
-        <p:txBody>
-          <a:bodyPr>
-            <a:normAutofit/>
-          </a:bodyPr>
-          <a:lstStyle/>
-          <a:p>
-            <a:r>
-              <a:rPr lang="en-GB" sz="3600" dirty="0" smtClean="0"/>
-              <a:t>A worker object that performs some sort of logic</a:t>
-            </a:r>
-          </a:p>
-          <a:p>
-            <a:pPr lvl="1"/>
-            <a:r>
-              <a:rPr lang="en-GB" sz="3400" dirty="0" smtClean="0"/>
-              <a:t>Not necessarily over-the-wire</a:t>
-            </a:r>
-          </a:p>
-          <a:p>
-            <a:pPr lvl="1"/>
-            <a:r>
-              <a:rPr lang="en-GB" sz="3400" dirty="0" smtClean="0"/>
-              <a:t>Often stateless</a:t>
-            </a:r>
-          </a:p>
-          <a:p>
-            <a:pPr lvl="1"/>
-            <a:r>
-              <a:rPr lang="en-GB" sz="3400" dirty="0" smtClean="0"/>
-              <a:t>Lazily instantiated</a:t>
-            </a:r>
-          </a:p>
-          <a:p>
-            <a:pPr lvl="1"/>
-            <a:r>
-              <a:rPr lang="en-GB" sz="3400" dirty="0" smtClean="0"/>
-              <a:t>Singletons</a:t>
-            </a:r>
-          </a:p>
-          <a:p>
-            <a:r>
-              <a:rPr lang="en-GB" sz="3600" dirty="0" smtClean="0"/>
-              <a:t>Built-in services always start with </a:t>
-            </a:r>
-            <a:r>
-              <a:rPr lang="en-GB" sz="3600" b="1" dirty="0" smtClean="0">
-                <a:solidFill>
-                  <a:schemeClr val="tx2">
-                    <a:lumMod val="75000"/>
-                  </a:schemeClr>
-                </a:solidFill>
-                <a:latin typeface="Consolas" panose="020B0609020204030204" pitchFamily="49" charset="0"/>
-                <a:cs typeface="Consolas" panose="020B0609020204030204" pitchFamily="49" charset="0"/>
-              </a:rPr>
-              <a:t>$</a:t>
-            </a:r>
-          </a:p>
-          <a:p>
-            <a:pPr lvl="1"/>
-            <a:r>
-              <a:rPr lang="en-GB" dirty="0" smtClean="0"/>
-              <a:t>E.g. </a:t>
-            </a:r>
-            <a:r>
-              <a:rPr lang="en-GB" b="1" dirty="0" smtClean="0">
-                <a:solidFill>
-                  <a:schemeClr val="tx2">
-                    <a:lumMod val="75000"/>
-                  </a:schemeClr>
-                </a:solidFill>
-                <a:latin typeface="Consolas" panose="020B0609020204030204" pitchFamily="49" charset="0"/>
-                <a:cs typeface="Consolas" panose="020B0609020204030204" pitchFamily="49" charset="0"/>
-              </a:rPr>
-              <a:t>$http</a:t>
-            </a:r>
-            <a:r>
-              <a:rPr lang="en-GB" dirty="0" smtClean="0"/>
-              <a:t>, </a:t>
-            </a:r>
-            <a:r>
-              <a:rPr lang="en-GB" b="1" dirty="0" smtClean="0">
-                <a:solidFill>
-                  <a:schemeClr val="tx2">
-                    <a:lumMod val="75000"/>
-                  </a:schemeClr>
-                </a:solidFill>
-                <a:latin typeface="Consolas" panose="020B0609020204030204" pitchFamily="49" charset="0"/>
-                <a:cs typeface="Consolas" panose="020B0609020204030204" pitchFamily="49" charset="0"/>
-              </a:rPr>
-              <a:t>$location</a:t>
-            </a:r>
-            <a:r>
-              <a:rPr lang="en-GB" dirty="0" smtClean="0"/>
-              <a:t>, </a:t>
-            </a:r>
-            <a:r>
-              <a:rPr lang="en-GB" b="1" dirty="0" smtClean="0">
-                <a:solidFill>
-                  <a:schemeClr val="tx2">
-                    <a:lumMod val="75000"/>
-                  </a:schemeClr>
-                </a:solidFill>
-                <a:latin typeface="Consolas" panose="020B0609020204030204" pitchFamily="49" charset="0"/>
-                <a:cs typeface="Consolas" panose="020B0609020204030204" pitchFamily="49" charset="0"/>
-              </a:rPr>
-              <a:t>$log</a:t>
-            </a:r>
-            <a:r>
-              <a:rPr lang="en-GB" dirty="0" smtClean="0"/>
-              <a:t>, </a:t>
-            </a:r>
-            <a:r>
-              <a:rPr lang="en-GB" b="1" dirty="0" smtClean="0">
-                <a:solidFill>
-                  <a:schemeClr val="tx2">
-                    <a:lumMod val="75000"/>
-                  </a:schemeClr>
-                </a:solidFill>
-                <a:latin typeface="Consolas" panose="020B0609020204030204" pitchFamily="49" charset="0"/>
-                <a:cs typeface="Consolas" panose="020B0609020204030204" pitchFamily="49" charset="0"/>
-              </a:rPr>
-              <a:t>$q</a:t>
-            </a:r>
-            <a:r>
-              <a:rPr lang="en-GB" dirty="0" smtClean="0"/>
-              <a:t>, </a:t>
-            </a:r>
-            <a:r>
-              <a:rPr lang="en-GB" b="1" dirty="0" smtClean="0">
-                <a:solidFill>
-                  <a:schemeClr val="tx2">
-                    <a:lumMod val="75000"/>
-                  </a:schemeClr>
-                </a:solidFill>
-                <a:latin typeface="Consolas" panose="020B0609020204030204" pitchFamily="49" charset="0"/>
-                <a:cs typeface="Consolas" panose="020B0609020204030204" pitchFamily="49" charset="0"/>
-              </a:rPr>
-              <a:t>$animate</a:t>
-            </a:r>
-            <a:r>
-              <a:rPr lang="en-GB" dirty="0" smtClean="0"/>
-              <a:t>, …</a:t>
-            </a:r>
-            <a:endParaRPr lang="en-GB" b="1" dirty="0">
-              <a:solidFill>
-                <a:schemeClr val="tx2">
-                  <a:lumMod val="75000"/>
-                </a:schemeClr>
-              </a:solidFill>
-              <a:latin typeface="Consolas" panose="020B0609020204030204" pitchFamily="49" charset="0"/>
-              <a:cs typeface="Consolas" panose="020B0609020204030204" pitchFamily="49" charset="0"/>
-            </a:endParaRPr>
-          </a:p>
-        </p:txBody>
-      </p:sp>
-      <p:sp>
-        <p:nvSpPr>
-          <p:cNvPr id="4" name="Title 3"/>
-          <p:cNvSpPr>
-            <a:spLocks noGrp="1"/>
-          </p:cNvSpPr>
-          <p:nvPr>
-            <p:ph type="title"/>
-          </p:nvPr>
-        </p:nvSpPr>
-        <p:spPr/>
-        <p:txBody>
-          <a:bodyPr/>
-          <a:lstStyle/>
-          <a:p>
-            <a:r>
-              <a:rPr lang="en-GB" dirty="0" smtClean="0"/>
-              <a:t>What is AngularJS Service?</a:t>
-            </a:r>
-            <a:endParaRPr lang="en-GB" dirty="0"/>
-          </a:p>
-        </p:txBody>
-      </p:sp>
-      <p:pic>
-        <p:nvPicPr>
-          <p:cNvPr id="5" name="Picture 4"/>
-          <p:cNvPicPr>
-            <a:picLocks noChangeAspect="1"/>
-          </p:cNvPicPr>
-          <p:nvPr/>
-        </p:nvPicPr>
-        <p:blipFill>
-          <a:blip r:embed="rId2">
-            <a:extLst>
-              <a:ext uri="{28A0092B-C50C-407E-A947-70E740481C1C}">
-                <a14:useLocalDpi xmlns:a14="http://schemas.microsoft.com/office/drawing/2010/main" val="0"/>
-              </a:ext>
-            </a:extLst>
-          </a:blip>
-          <a:stretch>
-            <a:fillRect/>
-          </a:stretch>
-        </p:blipFill>
-        <p:spPr>
-          <a:xfrm>
-            <a:off x="7542212" y="2261901"/>
-            <a:ext cx="3893078" cy="2590800"/>
-          </a:xfrm>
-          <a:prstGeom prst="rect">
-            <a:avLst/>
-          </a:prstGeom>
-        </p:spPr>
-      </p:pic>
-    </p:spTree>
-    <p:extLst>
-      <p:ext uri="{BB962C8B-B14F-4D97-AF65-F5344CB8AC3E}">
-        <p14:creationId xmlns:p14="http://schemas.microsoft.com/office/powerpoint/2010/main" val="726531700"/>
-      </p:ext>
-    </p:extLst>
-  </p:cSld>
-  <p:clrMapOvr>
-    <a:masterClrMapping/>
-  </p:clrMapOvr>
-  <mc:AlternateContent xmlns:mc="http://schemas.openxmlformats.org/markup-compatibility/2006" xmlns:p14="http://schemas.microsoft.com/office/powerpoint/2010/main">
-    <mc:Choice Requires="p14">
-      <p:transition p14:dur="0"/>
-    </mc:Choice>
-    <mc:Fallback xmlns="">
-      <p:transition/>
-    </mc:Fallback>
-  </mc:AlternateContent>
-  <p:timing>
-    <p:tnLst>
-      <p:par>
-        <p:cTn id="1" dur="indefinite" restart="never" nodeType="tmRoot"/>
-      </p:par>
-    </p:tnLst>
-  </p:timing>
-</p:sld>
-</file>
-
-<file path=ppt/slides/slide50.xml><?xml version="1.0" encoding="utf-8"?>
+<file path=ppt/slides/slide47.xml><?xml version="1.0" encoding="utf-8"?>
 <p:sld xmlns:a="http://schemas.openxmlformats.org/drawingml/2006/main" xmlns:r="http://schemas.openxmlformats.org/officeDocument/2006/relationships" xmlns:p="http://schemas.openxmlformats.org/presentationml/2006/main">
   <p:cSld>
     <p:spTree>
@@ -26060,7 +24692,7 @@
             <a:fld id="{C014DD1E-5D91-48A3-AD6D-45FBA980D106}" type="slidenum">
               <a:rPr lang="en-US" smtClean="0"/>
               <a:pPr/>
-              <a:t>50</a:t>
+              <a:t>47</a:t>
             </a:fld>
             <a:endParaRPr lang="en-US" dirty="0"/>
           </a:p>
@@ -26219,7 +24851,7 @@
 </p:sld>
 </file>
 
-<file path=ppt/slides/slide51.xml><?xml version="1.0" encoding="utf-8"?>
+<file path=ppt/slides/slide48.xml><?xml version="1.0" encoding="utf-8"?>
 <p:sld xmlns:a="http://schemas.openxmlformats.org/drawingml/2006/main" xmlns:r="http://schemas.openxmlformats.org/officeDocument/2006/relationships" xmlns:p="http://schemas.openxmlformats.org/presentationml/2006/main">
   <p:cSld>
     <p:spTree>
@@ -26681,7 +25313,7 @@
 </p:sld>
 </file>
 
-<file path=ppt/slides/slide6.xml><?xml version="1.0" encoding="utf-8"?>
+<file path=ppt/slides/slide5.xml><?xml version="1.0" encoding="utf-8"?>
 <p:sld xmlns:a="http://schemas.openxmlformats.org/drawingml/2006/main" xmlns:r="http://schemas.openxmlformats.org/officeDocument/2006/relationships" xmlns:p="http://schemas.openxmlformats.org/presentationml/2006/main">
   <p:cSld>
     <p:spTree>
@@ -26716,7 +25348,7 @@
             <a:fld id="{C014DD1E-5D91-48A3-AD6D-45FBA980D106}" type="slidenum">
               <a:rPr lang="en-US" smtClean="0"/>
               <a:pPr/>
-              <a:t>6</a:t>
+              <a:t>5</a:t>
             </a:fld>
             <a:endParaRPr lang="en-US" dirty="0"/>
           </a:p>
@@ -26925,7 +25557,7 @@
 </p:sld>
 </file>
 
-<file path=ppt/slides/slide7.xml><?xml version="1.0" encoding="utf-8"?>
+<file path=ppt/slides/slide6.xml><?xml version="1.0" encoding="utf-8"?>
 <p:sld xmlns:a="http://schemas.openxmlformats.org/drawingml/2006/main" xmlns:r="http://schemas.openxmlformats.org/officeDocument/2006/relationships" xmlns:p="http://schemas.openxmlformats.org/presentationml/2006/main">
   <p:cSld>
     <p:spTree>
@@ -27147,6 +25779,316 @@
 </p:sld>
 </file>
 
+<file path=ppt/slides/slide7.xml><?xml version="1.0" encoding="utf-8"?>
+<p:sld xmlns:a="http://schemas.openxmlformats.org/drawingml/2006/main" xmlns:r="http://schemas.openxmlformats.org/officeDocument/2006/relationships" xmlns:p="http://schemas.openxmlformats.org/presentationml/2006/main">
+  <p:cSld>
+    <p:spTree>
+      <p:nvGrpSpPr>
+        <p:cNvPr id="1" name=""/>
+        <p:cNvGrpSpPr/>
+        <p:nvPr/>
+      </p:nvGrpSpPr>
+      <p:grpSpPr>
+        <a:xfrm>
+          <a:off x="0" y="0"/>
+          <a:ext cx="0" cy="0"/>
+          <a:chOff x="0" y="0"/>
+          <a:chExt cx="0" cy="0"/>
+        </a:xfrm>
+      </p:grpSpPr>
+      <p:sp>
+        <p:nvSpPr>
+          <p:cNvPr id="2" name="Slide Number Placeholder 1"/>
+          <p:cNvSpPr>
+            <a:spLocks noGrp="1"/>
+          </p:cNvSpPr>
+          <p:nvPr>
+            <p:ph type="sldNum" sz="quarter" idx="4"/>
+          </p:nvPr>
+        </p:nvSpPr>
+        <p:spPr/>
+        <p:txBody>
+          <a:bodyPr/>
+          <a:lstStyle/>
+          <a:p>
+            <a:fld id="{C014DD1E-5D91-48A3-AD6D-45FBA980D106}" type="slidenum">
+              <a:rPr lang="en-US" smtClean="0"/>
+              <a:pPr/>
+              <a:t>7</a:t>
+            </a:fld>
+            <a:endParaRPr lang="en-US" dirty="0"/>
+          </a:p>
+        </p:txBody>
+      </p:sp>
+      <p:sp>
+        <p:nvSpPr>
+          <p:cNvPr id="3" name="Content Placeholder 2"/>
+          <p:cNvSpPr>
+            <a:spLocks noGrp="1"/>
+          </p:cNvSpPr>
+          <p:nvPr>
+            <p:ph idx="1"/>
+          </p:nvPr>
+        </p:nvSpPr>
+        <p:spPr/>
+        <p:txBody>
+          <a:bodyPr/>
+          <a:lstStyle/>
+          <a:p>
+            <a:r>
+              <a:rPr lang="en-GB" b="1" dirty="0" smtClean="0">
+                <a:solidFill>
+                  <a:schemeClr val="tx2">
+                    <a:lumMod val="75000"/>
+                  </a:schemeClr>
+                </a:solidFill>
+                <a:latin typeface="Consolas" panose="020B0609020204030204" pitchFamily="49" charset="0"/>
+                <a:cs typeface="Consolas" panose="020B0609020204030204" pitchFamily="49" charset="0"/>
+              </a:rPr>
+              <a:t>$http</a:t>
+            </a:r>
+            <a:r>
+              <a:rPr lang="en-GB" dirty="0"/>
+              <a:t> </a:t>
+            </a:r>
+            <a:r>
+              <a:rPr lang="en-GB" dirty="0" smtClean="0"/>
+              <a:t>– communication with remote servers via HTTP</a:t>
+            </a:r>
+          </a:p>
+          <a:p>
+            <a:r>
+              <a:rPr lang="en-GB" b="1" dirty="0">
+                <a:solidFill>
+                  <a:schemeClr val="tx2">
+                    <a:lumMod val="75000"/>
+                  </a:schemeClr>
+                </a:solidFill>
+                <a:latin typeface="Consolas" panose="020B0609020204030204" pitchFamily="49" charset="0"/>
+                <a:cs typeface="Consolas" panose="020B0609020204030204" pitchFamily="49" charset="0"/>
+              </a:rPr>
+              <a:t>$resource</a:t>
+            </a:r>
+            <a:r>
+              <a:rPr lang="en-GB" dirty="0"/>
+              <a:t> – </a:t>
+            </a:r>
+            <a:r>
+              <a:rPr lang="en-GB" noProof="1" smtClean="0"/>
+              <a:t>RESTfull</a:t>
+            </a:r>
+            <a:r>
+              <a:rPr lang="en-GB" dirty="0"/>
+              <a:t> server-side data sources interaction</a:t>
+            </a:r>
+          </a:p>
+          <a:p>
+            <a:r>
+              <a:rPr lang="en-GB" b="1" dirty="0" smtClean="0">
+                <a:solidFill>
+                  <a:schemeClr val="tx2">
+                    <a:lumMod val="75000"/>
+                  </a:schemeClr>
+                </a:solidFill>
+                <a:latin typeface="Consolas" panose="020B0609020204030204" pitchFamily="49" charset="0"/>
+                <a:cs typeface="Consolas" panose="020B0609020204030204" pitchFamily="49" charset="0"/>
+              </a:rPr>
+              <a:t>$location</a:t>
+            </a:r>
+            <a:r>
+              <a:rPr lang="en-GB" dirty="0" smtClean="0"/>
+              <a:t> – navigation between pages in the app</a:t>
+            </a:r>
+          </a:p>
+          <a:p>
+            <a:r>
+              <a:rPr lang="en-GB" b="1" dirty="0" smtClean="0">
+                <a:solidFill>
+                  <a:schemeClr val="tx2">
+                    <a:lumMod val="75000"/>
+                  </a:schemeClr>
+                </a:solidFill>
+                <a:latin typeface="Consolas" panose="020B0609020204030204" pitchFamily="49" charset="0"/>
+                <a:cs typeface="Consolas" panose="020B0609020204030204" pitchFamily="49" charset="0"/>
+              </a:rPr>
+              <a:t>$route</a:t>
+            </a:r>
+            <a:r>
+              <a:rPr lang="en-GB" dirty="0" smtClean="0"/>
+              <a:t> / </a:t>
+            </a:r>
+            <a:r>
+              <a:rPr lang="en-GB" b="1" noProof="1" smtClean="0">
+                <a:solidFill>
+                  <a:schemeClr val="tx2">
+                    <a:lumMod val="75000"/>
+                  </a:schemeClr>
+                </a:solidFill>
+                <a:latin typeface="Consolas" panose="020B0609020204030204" pitchFamily="49" charset="0"/>
+                <a:cs typeface="Consolas" panose="020B0609020204030204" pitchFamily="49" charset="0"/>
+              </a:rPr>
+              <a:t>$routeParams</a:t>
+            </a:r>
+            <a:r>
+              <a:rPr lang="en-GB" noProof="1" smtClean="0"/>
+              <a:t> </a:t>
+            </a:r>
+            <a:r>
+              <a:rPr lang="en-GB" dirty="0" smtClean="0"/>
+              <a:t>– map URL to routes</a:t>
+            </a:r>
+          </a:p>
+          <a:p>
+            <a:r>
+              <a:rPr lang="en-GB" b="1" dirty="0">
+                <a:solidFill>
+                  <a:schemeClr val="tx2">
+                    <a:lumMod val="75000"/>
+                  </a:schemeClr>
+                </a:solidFill>
+                <a:latin typeface="Consolas" panose="020B0609020204030204" pitchFamily="49" charset="0"/>
+                <a:cs typeface="Consolas" panose="020B0609020204030204" pitchFamily="49" charset="0"/>
+              </a:rPr>
+              <a:t>$q</a:t>
+            </a:r>
+            <a:r>
+              <a:rPr lang="en-GB" dirty="0"/>
+              <a:t> </a:t>
+            </a:r>
+            <a:r>
+              <a:rPr lang="en-GB" dirty="0" smtClean="0"/>
+              <a:t>– promise library for asynchronous execution</a:t>
+            </a:r>
+          </a:p>
+          <a:p>
+            <a:r>
+              <a:rPr lang="en-GB" b="1" dirty="0" smtClean="0">
+                <a:solidFill>
+                  <a:schemeClr val="tx2">
+                    <a:lumMod val="75000"/>
+                  </a:schemeClr>
+                </a:solidFill>
+                <a:latin typeface="Consolas" panose="020B0609020204030204" pitchFamily="49" charset="0"/>
+                <a:cs typeface="Consolas" panose="020B0609020204030204" pitchFamily="49" charset="0"/>
+              </a:rPr>
+              <a:t>$</a:t>
+            </a:r>
+            <a:r>
+              <a:rPr lang="en-GB" b="1" noProof="1" smtClean="0">
+                <a:solidFill>
+                  <a:schemeClr val="tx2">
+                    <a:lumMod val="75000"/>
+                  </a:schemeClr>
+                </a:solidFill>
+                <a:latin typeface="Consolas" panose="020B0609020204030204" pitchFamily="49" charset="0"/>
+                <a:cs typeface="Consolas" panose="020B0609020204030204" pitchFamily="49" charset="0"/>
+              </a:rPr>
+              <a:t>exceptionHandler</a:t>
+            </a:r>
+            <a:r>
+              <a:rPr lang="en-GB" dirty="0" smtClean="0"/>
+              <a:t> </a:t>
+            </a:r>
+            <a:r>
+              <a:rPr lang="en-GB" dirty="0"/>
+              <a:t>– handles uncaught exceptions</a:t>
+            </a:r>
+          </a:p>
+          <a:p>
+            <a:r>
+              <a:rPr lang="en-GB" b="1" dirty="0" smtClean="0">
+                <a:solidFill>
+                  <a:schemeClr val="tx2">
+                    <a:lumMod val="75000"/>
+                  </a:schemeClr>
+                </a:solidFill>
+                <a:latin typeface="Consolas" panose="020B0609020204030204" pitchFamily="49" charset="0"/>
+                <a:cs typeface="Consolas" panose="020B0609020204030204" pitchFamily="49" charset="0"/>
+              </a:rPr>
+              <a:t>$</a:t>
+            </a:r>
+            <a:r>
+              <a:rPr lang="en-GB" b="1" dirty="0">
+                <a:solidFill>
+                  <a:schemeClr val="tx2">
+                    <a:lumMod val="75000"/>
+                  </a:schemeClr>
+                </a:solidFill>
+                <a:latin typeface="Consolas" panose="020B0609020204030204" pitchFamily="49" charset="0"/>
+                <a:cs typeface="Consolas" panose="020B0609020204030204" pitchFamily="49" charset="0"/>
+              </a:rPr>
+              <a:t>anchorScroll</a:t>
+            </a:r>
+            <a:r>
+              <a:rPr lang="en-GB" dirty="0"/>
+              <a:t> </a:t>
+            </a:r>
+            <a:r>
+              <a:rPr lang="en-GB" dirty="0" smtClean="0"/>
+              <a:t>– scrolls to </a:t>
+            </a:r>
+            <a:r>
+              <a:rPr lang="en-GB" dirty="0"/>
+              <a:t>the related </a:t>
+            </a:r>
+            <a:r>
+              <a:rPr lang="en-GB" dirty="0" smtClean="0"/>
+              <a:t>element</a:t>
+            </a:r>
+          </a:p>
+        </p:txBody>
+      </p:sp>
+      <p:sp>
+        <p:nvSpPr>
+          <p:cNvPr id="4" name="Title 3"/>
+          <p:cNvSpPr>
+            <a:spLocks noGrp="1"/>
+          </p:cNvSpPr>
+          <p:nvPr>
+            <p:ph type="title"/>
+          </p:nvPr>
+        </p:nvSpPr>
+        <p:spPr/>
+        <p:txBody>
+          <a:bodyPr/>
+          <a:lstStyle/>
+          <a:p>
+            <a:r>
+              <a:rPr lang="en-GB" dirty="0" smtClean="0"/>
+              <a:t>Built-In Angular Services</a:t>
+            </a:r>
+            <a:endParaRPr lang="en-GB" dirty="0"/>
+          </a:p>
+        </p:txBody>
+      </p:sp>
+    </p:spTree>
+    <p:extLst>
+      <p:ext uri="{BB962C8B-B14F-4D97-AF65-F5344CB8AC3E}">
+        <p14:creationId xmlns:p14="http://schemas.microsoft.com/office/powerpoint/2010/main" val="556274857"/>
+      </p:ext>
+    </p:extLst>
+  </p:cSld>
+  <p:clrMapOvr>
+    <a:masterClrMapping/>
+  </p:clrMapOvr>
+  <mc:AlternateContent xmlns:mc="http://schemas.openxmlformats.org/markup-compatibility/2006" xmlns:p14="http://schemas.microsoft.com/office/powerpoint/2010/main">
+    <mc:Choice Requires="p14">
+      <p:transition p14:dur="0"/>
+    </mc:Choice>
+    <mc:Fallback xmlns="">
+      <p:transition/>
+    </mc:Fallback>
+  </mc:AlternateContent>
+  <p:timing>
+    <p:tnLst>
+      <p:par>
+        <p:cTn id="1" dur="indefinite" restart="never" nodeType="tmRoot"/>
+      </p:par>
+    </p:tnLst>
+  </p:timing>
+</p:sld>
+</file>
+
 <file path=ppt/slides/slide8.xml><?xml version="1.0" encoding="utf-8"?>
 <p:sld xmlns:a="http://schemas.openxmlformats.org/drawingml/2006/main" xmlns:r="http://schemas.openxmlformats.org/officeDocument/2006/relationships" xmlns:p="http://schemas.openxmlformats.org/presentationml/2006/main">
   <p:cSld>
@@ -27213,20 +26155,10 @@
                 <a:latin typeface="Consolas" panose="020B0609020204030204" pitchFamily="49" charset="0"/>
                 <a:cs typeface="Consolas" panose="020B0609020204030204" pitchFamily="49" charset="0"/>
               </a:rPr>
-              <a:t>$http</a:t>
-            </a:r>
-            <a:r>
-              <a:rPr lang="en-GB" dirty="0"/>
-              <a:t> </a:t>
-            </a:r>
-            <a:r>
-              <a:rPr lang="en-GB" dirty="0" smtClean="0"/>
-              <a:t>– communication with remote servers via HTTP</a:t>
-            </a:r>
-          </a:p>
-          <a:p>
-            <a:r>
-              <a:rPr lang="en-GB" b="1" dirty="0">
+              <a:t>$</a:t>
+            </a:r>
+            <a:r>
+              <a:rPr lang="en-GB" b="1" noProof="1" smtClean="0">
                 <a:solidFill>
                   <a:schemeClr val="tx2">
                     <a:lumMod val="75000"/>
@@ -27235,24 +26167,20 @@
                 <a:latin typeface="Consolas" panose="020B0609020204030204" pitchFamily="49" charset="0"/>
                 <a:cs typeface="Consolas" panose="020B0609020204030204" pitchFamily="49" charset="0"/>
               </a:rPr>
-              <a:t>$resource</a:t>
+              <a:t>cacheFactory</a:t>
+            </a:r>
+            <a:r>
+              <a:rPr lang="en-GB" dirty="0" smtClean="0"/>
+              <a:t> </a:t>
             </a:r>
             <a:r>
               <a:rPr lang="en-GB" dirty="0"/>
-              <a:t> – </a:t>
-            </a:r>
-            <a:r>
-              <a:rPr lang="en-GB" noProof="1" smtClean="0"/>
-              <a:t>RESTfull</a:t>
-            </a:r>
-            <a:r>
-              <a:rPr lang="en-GB" dirty="0"/>
-              <a:t> server-side data sources interaction</a:t>
-            </a:r>
-          </a:p>
-          <a:p>
-            <a:r>
-              <a:rPr lang="en-GB" b="1" dirty="0" smtClean="0">
+              <a:t>– cache functionality</a:t>
+            </a:r>
+          </a:p>
+          <a:p>
+            <a:r>
+              <a:rPr lang="en-GB" b="1" dirty="0">
                 <a:solidFill>
                   <a:schemeClr val="tx2">
                     <a:lumMod val="75000"/>
@@ -27261,11 +26189,11 @@
                 <a:latin typeface="Consolas" panose="020B0609020204030204" pitchFamily="49" charset="0"/>
                 <a:cs typeface="Consolas" panose="020B0609020204030204" pitchFamily="49" charset="0"/>
               </a:rPr>
-              <a:t>$location</a:t>
-            </a:r>
-            <a:r>
-              <a:rPr lang="en-GB" dirty="0" smtClean="0"/>
-              <a:t> – navigation between pages in the app</a:t>
+              <a:t>$compile</a:t>
+            </a:r>
+            <a:r>
+              <a:rPr lang="en-GB" dirty="0"/>
+              <a:t> – compiles an HTML string or DOM</a:t>
             </a:r>
           </a:p>
           <a:p>
@@ -27279,14 +26207,10 @@
                 <a:latin typeface="Consolas" panose="020B0609020204030204" pitchFamily="49" charset="0"/>
                 <a:cs typeface="Consolas" panose="020B0609020204030204" pitchFamily="49" charset="0"/>
               </a:rPr>
-              <a:t>$route</a:t>
-            </a:r>
-            <a:r>
-              <a:rPr lang="en-GB" dirty="0" smtClean="0"/>
-              <a:t> / </a:t>
-            </a:r>
-            <a:r>
-              <a:rPr lang="en-GB" b="1" noProof="1" smtClean="0">
+              <a:t>$</a:t>
+            </a:r>
+            <a:r>
+              <a:rPr lang="en-GB" b="1" dirty="0">
                 <a:solidFill>
                   <a:schemeClr val="tx2">
                     <a:lumMod val="75000"/>
@@ -27295,15 +26219,31 @@
                 <a:latin typeface="Consolas" panose="020B0609020204030204" pitchFamily="49" charset="0"/>
                 <a:cs typeface="Consolas" panose="020B0609020204030204" pitchFamily="49" charset="0"/>
               </a:rPr>
-              <a:t>$routeParams</a:t>
+              <a:t>parse</a:t>
+            </a:r>
+            <a:r>
+              <a:rPr lang="en-GB" dirty="0" smtClean="0"/>
+              <a:t> – converts </a:t>
             </a:r>
             <a:r>
               <a:rPr lang="en-GB" noProof="1" smtClean="0"/>
-              <a:t> </a:t>
+              <a:t>AngularJS</a:t>
+            </a:r>
+            <a:r>
+              <a:rPr lang="en-GB" dirty="0"/>
+              <a:t> </a:t>
             </a:r>
             <a:r>
               <a:rPr lang="en-GB" dirty="0" smtClean="0"/>
-              <a:t>– map URL to routes</a:t>
+              <a:t>expression</a:t>
+            </a:r>
+            <a:r>
+              <a:rPr lang="en-GB" dirty="0"/>
+              <a:t> into a </a:t>
+            </a:r>
+            <a:r>
+              <a:rPr lang="en-GB" dirty="0" smtClean="0"/>
+              <a:t>function</a:t>
             </a:r>
           </a:p>
           <a:p>
@@ -27317,20 +26257,21 @@
                 <a:latin typeface="Consolas" panose="020B0609020204030204" pitchFamily="49" charset="0"/>
                 <a:cs typeface="Consolas" panose="020B0609020204030204" pitchFamily="49" charset="0"/>
               </a:rPr>
-              <a:t>$q</a:t>
+              <a:t>$locale</a:t>
+            </a:r>
+            <a:r>
+              <a:rPr lang="en-GB" dirty="0" smtClean="0"/>
+              <a:t> – localization rules </a:t>
             </a:r>
             <a:r>
               <a:rPr lang="en-GB" dirty="0"/>
-              <a:t> </a:t>
-            </a:r>
-            <a:r>
-              <a:rPr lang="en-GB" dirty="0" smtClean="0"/>
-              <a:t>– promise library for asynchronous execution</a:t>
-            </a:r>
-          </a:p>
-          <a:p>
-            <a:r>
-              <a:rPr lang="en-GB" b="1" dirty="0" smtClean="0">
+              <a:t>for various Angular components</a:t>
+            </a:r>
+            <a:endParaRPr lang="en-GB" dirty="0" smtClean="0"/>
+          </a:p>
+          <a:p>
+            <a:r>
+              <a:rPr lang="en-GB" b="1" dirty="0">
                 <a:solidFill>
                   <a:schemeClr val="tx2">
                     <a:lumMod val="75000"/>
@@ -27339,10 +26280,14 @@
                 <a:latin typeface="Consolas" panose="020B0609020204030204" pitchFamily="49" charset="0"/>
                 <a:cs typeface="Consolas" panose="020B0609020204030204" pitchFamily="49" charset="0"/>
               </a:rPr>
-              <a:t>$</a:t>
-            </a:r>
-            <a:r>
-              <a:rPr lang="en-GB" b="1" noProof="1" smtClean="0">
+              <a:t>$timeout</a:t>
+            </a:r>
+            <a:r>
+              <a:rPr lang="en-GB" dirty="0" smtClean="0"/>
+              <a:t> – timeout with compiling (like </a:t>
+            </a:r>
+            <a:r>
+              <a:rPr lang="en-GB" b="1" dirty="0" smtClean="0">
                 <a:solidFill>
                   <a:schemeClr val="tx2">
                     <a:lumMod val="75000"/>
@@ -27351,15 +26296,11 @@
                 <a:latin typeface="Consolas" panose="020B0609020204030204" pitchFamily="49" charset="0"/>
                 <a:cs typeface="Consolas" panose="020B0609020204030204" pitchFamily="49" charset="0"/>
               </a:rPr>
-              <a:t>exceptionHandler</a:t>
+              <a:t>setTimeout</a:t>
             </a:r>
             <a:r>
               <a:rPr lang="en-GB" dirty="0" smtClean="0"/>
-              <a:t> </a:t>
-            </a:r>
-            <a:r>
-              <a:rPr lang="en-GB" dirty="0"/>
-              <a:t>– handles uncaught exceptions</a:t>
+              <a:t>)</a:t>
             </a:r>
           </a:p>
           <a:p>
@@ -27385,7 +26326,7 @@
                 <a:latin typeface="Consolas" panose="020B0609020204030204" pitchFamily="49" charset="0"/>
                 <a:cs typeface="Consolas" panose="020B0609020204030204" pitchFamily="49" charset="0"/>
               </a:rPr>
-              <a:t>anchorScroll</a:t>
+              <a:t>filter</a:t>
             </a:r>
             <a:r>
               <a:rPr lang="en-GB" dirty="0"/>
@@ -27393,16 +26334,38 @@
             </a:r>
             <a:r>
               <a:rPr lang="en-GB" dirty="0" smtClean="0"/>
-              <a:t>– scrolls to </a:t>
+              <a:t>– formatting data </a:t>
             </a:r>
             <a:r>
               <a:rPr lang="en-GB" dirty="0"/>
-              <a:t>the related </a:t>
+              <a:t>displayed to the user</a:t>
+            </a:r>
+            <a:endParaRPr lang="en-GB" dirty="0" smtClean="0"/>
+          </a:p>
+          <a:p>
+            <a:r>
+              <a:rPr lang="en-GB" b="1" dirty="0">
+                <a:solidFill>
+                  <a:schemeClr val="tx2">
+                    <a:lumMod val="75000"/>
+                  </a:schemeClr>
+                </a:solidFill>
+                <a:latin typeface="Consolas" panose="020B0609020204030204" pitchFamily="49" charset="0"/>
+                <a:cs typeface="Consolas" panose="020B0609020204030204" pitchFamily="49" charset="0"/>
+              </a:rPr>
+              <a:t>$cookieStore</a:t>
+            </a:r>
+            <a:r>
+              <a:rPr lang="en-GB" dirty="0"/>
+              <a:t> </a:t>
             </a:r>
             <a:r>
               <a:rPr lang="en-GB" dirty="0" smtClean="0"/>
-              <a:t>element</a:t>
-            </a:r>
+              <a:t>– cookies wrapper</a:t>
+            </a:r>
+          </a:p>
+          <a:p>
+            <a:endParaRPr lang="en-GB" dirty="0"/>
           </a:p>
         </p:txBody>
       </p:sp>
@@ -27423,7 +26386,7 @@
           <a:p>
             <a:r>
               <a:rPr lang="en-GB" dirty="0" smtClean="0"/>
-              <a:t>Built-In Angular Services</a:t>
+              <a:t>Built-In Angular Services (2)</a:t>
             </a:r>
             <a:endParaRPr lang="en-GB" dirty="0"/>
           </a:p>
@@ -27432,7 +26395,7 @@
     </p:spTree>
     <p:extLst>
       <p:ext uri="{BB962C8B-B14F-4D97-AF65-F5344CB8AC3E}">
-        <p14:creationId xmlns:p14="http://schemas.microsoft.com/office/powerpoint/2010/main" val="556274857"/>
+        <p14:creationId xmlns:p14="http://schemas.microsoft.com/office/powerpoint/2010/main" val="380359635"/>
       </p:ext>
     </p:extLst>
   </p:cSld>
@@ -27508,13 +26471,20 @@
             <p:ph idx="1"/>
           </p:nvPr>
         </p:nvSpPr>
-        <p:spPr/>
+        <p:spPr>
+          <a:xfrm>
+            <a:off x="763414" y="1295402"/>
+            <a:ext cx="5370599" cy="5281794"/>
+          </a:xfrm>
+        </p:spPr>
         <p:txBody>
-          <a:bodyPr/>
+          <a:bodyPr>
+            <a:normAutofit/>
+          </a:bodyPr>
           <a:lstStyle/>
           <a:p>
             <a:r>
-              <a:rPr lang="en-GB" b="1" dirty="0" smtClean="0">
+              <a:rPr lang="en-GB" b="1" dirty="0">
                 <a:solidFill>
                   <a:schemeClr val="tx2">
                     <a:lumMod val="75000"/>
@@ -27523,10 +26493,12 @@
                 <a:latin typeface="Consolas" panose="020B0609020204030204" pitchFamily="49" charset="0"/>
                 <a:cs typeface="Consolas" panose="020B0609020204030204" pitchFamily="49" charset="0"/>
               </a:rPr>
-              <a:t>$</a:t>
-            </a:r>
-            <a:r>
-              <a:rPr lang="en-GB" b="1" noProof="1" smtClean="0">
+              <a:t>$interpolate</a:t>
+            </a:r>
+          </a:p>
+          <a:p>
+            <a:r>
+              <a:rPr lang="en-GB" b="1" dirty="0">
                 <a:solidFill>
                   <a:schemeClr val="tx2">
                     <a:lumMod val="75000"/>
@@ -27535,15 +26507,7 @@
                 <a:latin typeface="Consolas" panose="020B0609020204030204" pitchFamily="49" charset="0"/>
                 <a:cs typeface="Consolas" panose="020B0609020204030204" pitchFamily="49" charset="0"/>
               </a:rPr>
-              <a:t>cacheFactory</a:t>
-            </a:r>
-            <a:r>
-              <a:rPr lang="en-GB" dirty="0" smtClean="0"/>
-              <a:t> </a:t>
-            </a:r>
-            <a:r>
-              <a:rPr lang="en-GB" dirty="0"/>
-              <a:t>– cache functionality</a:t>
+              <a:t>$log</a:t>
             </a:r>
           </a:p>
           <a:p>
@@ -27557,16 +26521,12 @@
                 <a:latin typeface="Consolas" panose="020B0609020204030204" pitchFamily="49" charset="0"/>
                 <a:cs typeface="Consolas" panose="020B0609020204030204" pitchFamily="49" charset="0"/>
               </a:rPr>
-              <a:t>$compile</a:t>
-            </a:r>
-            <a:r>
-              <a:rPr lang="en-GB" dirty="0"/>
-              <a:t> – compiles an HTML string or DOM</a:t>
-            </a:r>
-          </a:p>
-          <a:p>
-            <a:r>
-              <a:rPr lang="en-GB" b="1" dirty="0" smtClean="0">
+              <a:t>$rootScope</a:t>
+            </a:r>
+          </a:p>
+          <a:p>
+            <a:r>
+              <a:rPr lang="en-GB" b="1" dirty="0">
                 <a:solidFill>
                   <a:schemeClr val="tx2">
                     <a:lumMod val="75000"/>
@@ -27575,8 +26535,10 @@
                 <a:latin typeface="Consolas" panose="020B0609020204030204" pitchFamily="49" charset="0"/>
                 <a:cs typeface="Consolas" panose="020B0609020204030204" pitchFamily="49" charset="0"/>
               </a:rPr>
-              <a:t>$</a:t>
-            </a:r>
+              <a:t>$window</a:t>
+            </a:r>
+          </a:p>
+          <a:p>
             <a:r>
               <a:rPr lang="en-GB" b="1" dirty="0">
                 <a:solidFill>
@@ -27587,31 +26549,7 @@
                 <a:latin typeface="Consolas" panose="020B0609020204030204" pitchFamily="49" charset="0"/>
                 <a:cs typeface="Consolas" panose="020B0609020204030204" pitchFamily="49" charset="0"/>
               </a:rPr>
-              <a:t>parse</a:t>
-            </a:r>
-            <a:r>
-              <a:rPr lang="en-GB" dirty="0" smtClean="0"/>
-              <a:t> – converts </a:t>
-            </a:r>
-            <a:r>
-              <a:rPr lang="en-GB" noProof="1" smtClean="0"/>
-              <a:t>AngularJS</a:t>
-            </a:r>
-            <a:r>
-              <a:rPr lang="en-GB" dirty="0"/>
-              <a:t> </a:t>
-            </a:r>
-            <a:r>
-              <a:rPr lang="en-GB" dirty="0" smtClean="0"/>
-              <a:t>expression</a:t>
-            </a:r>
-            <a:r>
-              <a:rPr lang="en-GB" dirty="0"/>
-              <a:t> into a </a:t>
-            </a:r>
-            <a:r>
-              <a:rPr lang="en-GB" dirty="0" smtClean="0"/>
-              <a:t>function</a:t>
+              <a:t>$document</a:t>
             </a:r>
           </a:p>
           <a:p>
@@ -27625,115 +26563,8 @@
                 <a:latin typeface="Consolas" panose="020B0609020204030204" pitchFamily="49" charset="0"/>
                 <a:cs typeface="Consolas" panose="020B0609020204030204" pitchFamily="49" charset="0"/>
               </a:rPr>
-              <a:t>$locale</a:t>
-            </a:r>
-            <a:r>
-              <a:rPr lang="en-GB" dirty="0" smtClean="0"/>
-              <a:t> – localization rules </a:t>
-            </a:r>
-            <a:r>
-              <a:rPr lang="en-GB" dirty="0"/>
-              <a:t>for various Angular components</a:t>
-            </a:r>
-            <a:endParaRPr lang="en-GB" dirty="0" smtClean="0"/>
-          </a:p>
-          <a:p>
-            <a:r>
-              <a:rPr lang="en-GB" b="1" dirty="0">
-                <a:solidFill>
-                  <a:schemeClr val="tx2">
-                    <a:lumMod val="75000"/>
-                  </a:schemeClr>
-                </a:solidFill>
-                <a:latin typeface="Consolas" panose="020B0609020204030204" pitchFamily="49" charset="0"/>
-                <a:cs typeface="Consolas" panose="020B0609020204030204" pitchFamily="49" charset="0"/>
-              </a:rPr>
-              <a:t>$timeout</a:t>
-            </a:r>
-            <a:r>
-              <a:rPr lang="en-GB" dirty="0" smtClean="0"/>
-              <a:t> – timeout with compiling (like </a:t>
-            </a:r>
-            <a:r>
-              <a:rPr lang="en-GB" b="1" dirty="0" smtClean="0">
-                <a:solidFill>
-                  <a:schemeClr val="tx2">
-                    <a:lumMod val="75000"/>
-                  </a:schemeClr>
-                </a:solidFill>
-                <a:latin typeface="Consolas" panose="020B0609020204030204" pitchFamily="49" charset="0"/>
-                <a:cs typeface="Consolas" panose="020B0609020204030204" pitchFamily="49" charset="0"/>
-              </a:rPr>
-              <a:t>setTimeout</a:t>
-            </a:r>
-            <a:r>
-              <a:rPr lang="en-GB" dirty="0" smtClean="0"/>
-              <a:t>)</a:t>
-            </a:r>
-          </a:p>
-          <a:p>
-            <a:r>
-              <a:rPr lang="en-GB" b="1" dirty="0" smtClean="0">
-                <a:solidFill>
-                  <a:schemeClr val="tx2">
-                    <a:lumMod val="75000"/>
-                  </a:schemeClr>
-                </a:solidFill>
-                <a:latin typeface="Consolas" panose="020B0609020204030204" pitchFamily="49" charset="0"/>
-                <a:cs typeface="Consolas" panose="020B0609020204030204" pitchFamily="49" charset="0"/>
-              </a:rPr>
-              <a:t>$</a:t>
-            </a:r>
-            <a:r>
-              <a:rPr lang="en-GB" b="1" dirty="0">
-                <a:solidFill>
-                  <a:schemeClr val="tx2">
-                    <a:lumMod val="75000"/>
-                  </a:schemeClr>
-                </a:solidFill>
-                <a:latin typeface="Consolas" panose="020B0609020204030204" pitchFamily="49" charset="0"/>
-                <a:cs typeface="Consolas" panose="020B0609020204030204" pitchFamily="49" charset="0"/>
-              </a:rPr>
-              <a:t>filter</a:t>
-            </a:r>
-            <a:r>
-              <a:rPr lang="en-GB" dirty="0"/>
-              <a:t> </a:t>
-            </a:r>
-            <a:r>
-              <a:rPr lang="en-GB" dirty="0" smtClean="0"/>
-              <a:t>– formatting data </a:t>
-            </a:r>
-            <a:r>
-              <a:rPr lang="en-GB" dirty="0"/>
-              <a:t>displayed to the user</a:t>
-            </a:r>
-            <a:endParaRPr lang="en-GB" dirty="0" smtClean="0"/>
-          </a:p>
-          <a:p>
-            <a:r>
-              <a:rPr lang="en-GB" b="1" dirty="0">
-                <a:solidFill>
-                  <a:schemeClr val="tx2">
-                    <a:lumMod val="75000"/>
-                  </a:schemeClr>
-                </a:solidFill>
-                <a:latin typeface="Consolas" panose="020B0609020204030204" pitchFamily="49" charset="0"/>
-                <a:cs typeface="Consolas" panose="020B0609020204030204" pitchFamily="49" charset="0"/>
-              </a:rPr>
-              <a:t>$cookieStore</a:t>
-            </a:r>
-            <a:r>
-              <a:rPr lang="en-GB" dirty="0"/>
-              <a:t> </a:t>
-            </a:r>
-            <a:r>
-              <a:rPr lang="en-GB" dirty="0" smtClean="0"/>
-              <a:t>– cookies wrapper</a:t>
-            </a:r>
-          </a:p>
-          <a:p>
-            <a:endParaRPr lang="en-GB" dirty="0"/>
+              <a:t>$rootElement</a:t>
+            </a:r>
           </a:p>
         </p:txBody>
       </p:sp>
@@ -27754,16 +26585,291 @@
           <a:p>
             <a:r>
               <a:rPr lang="en-GB" dirty="0" smtClean="0"/>
-              <a:t>Built-In Angular Services (2)</a:t>
+              <a:t>Other Built-In Angular Services</a:t>
             </a:r>
             <a:endParaRPr lang="en-GB" dirty="0"/>
+          </a:p>
+        </p:txBody>
+      </p:sp>
+      <p:sp>
+        <p:nvSpPr>
+          <p:cNvPr id="5" name="Content Placeholder 2"/>
+          <p:cNvSpPr txBox="1">
+            <a:spLocks/>
+          </p:cNvSpPr>
+          <p:nvPr/>
+        </p:nvSpPr>
+        <p:spPr>
+          <a:xfrm>
+            <a:off x="6134013" y="1295401"/>
+            <a:ext cx="5370599" cy="5281794"/>
+          </a:xfrm>
+          <a:prstGeom prst="rect">
+            <a:avLst/>
+          </a:prstGeom>
+        </p:spPr>
+        <p:txBody>
+          <a:bodyPr vert="horz" lIns="108000" tIns="36000" rIns="108000" bIns="36000" rtlCol="0">
+            <a:normAutofit/>
+          </a:bodyPr>
+          <a:lstStyle>
+            <a:lvl1pPr marL="304747" indent="-304747" algn="l" defTabSz="1218987" rtl="0" eaLnBrk="1" latinLnBrk="0" hangingPunct="1">
+              <a:lnSpc>
+                <a:spcPct val="105000"/>
+              </a:lnSpc>
+              <a:spcBef>
+                <a:spcPts val="600"/>
+              </a:spcBef>
+              <a:spcAft>
+                <a:spcPts val="600"/>
+              </a:spcAft>
+              <a:buClr>
+                <a:srgbClr val="F2B254"/>
+              </a:buClr>
+              <a:buSzPct val="100000"/>
+              <a:buFont typeface="Wingdings" panose="05000000000000000000" pitchFamily="2" charset="2"/>
+              <a:buChar char="§"/>
+              <a:defRPr sz="3400" b="0" kern="1200">
+                <a:solidFill>
+                  <a:schemeClr val="tx1"/>
+                </a:solidFill>
+                <a:latin typeface="+mn-lt"/>
+                <a:ea typeface="+mn-ea"/>
+                <a:cs typeface="+mn-cs"/>
+              </a:defRPr>
+            </a:lvl1pPr>
+            <a:lvl2pPr marL="609493" indent="-231606" algn="l" defTabSz="1218987" rtl="0" eaLnBrk="1" latinLnBrk="0" hangingPunct="1">
+              <a:lnSpc>
+                <a:spcPct val="105000"/>
+              </a:lnSpc>
+              <a:spcBef>
+                <a:spcPts val="600"/>
+              </a:spcBef>
+              <a:spcAft>
+                <a:spcPts val="600"/>
+              </a:spcAft>
+              <a:buClr>
+                <a:schemeClr val="accent1"/>
+              </a:buClr>
+              <a:buSzPct val="80000"/>
+              <a:buFont typeface="Wingdings" panose="05000000000000000000" pitchFamily="2" charset="2"/>
+              <a:buChar char="§"/>
+              <a:defRPr sz="3200" b="0" kern="1200">
+                <a:solidFill>
+                  <a:schemeClr val="tx1"/>
+                </a:solidFill>
+                <a:latin typeface="+mn-lt"/>
+                <a:ea typeface="+mn-ea"/>
+                <a:cs typeface="+mn-cs"/>
+              </a:defRPr>
+            </a:lvl2pPr>
+            <a:lvl3pPr marL="914240" indent="-231606" algn="l" defTabSz="1218987" rtl="0" eaLnBrk="1" latinLnBrk="0" hangingPunct="1">
+              <a:lnSpc>
+                <a:spcPct val="105000"/>
+              </a:lnSpc>
+              <a:spcBef>
+                <a:spcPts val="600"/>
+              </a:spcBef>
+              <a:spcAft>
+                <a:spcPts val="600"/>
+              </a:spcAft>
+              <a:buClr>
+                <a:srgbClr val="EF9A1D"/>
+              </a:buClr>
+              <a:buSzPct val="80000"/>
+              <a:buFont typeface="Wingdings" panose="05000000000000000000" pitchFamily="2" charset="2"/>
+              <a:buChar char="§"/>
+              <a:defRPr sz="3000" b="0" kern="1200">
+                <a:solidFill>
+                  <a:schemeClr val="tx1"/>
+                </a:solidFill>
+                <a:latin typeface="+mn-lt"/>
+                <a:ea typeface="+mn-ea"/>
+                <a:cs typeface="+mn-cs"/>
+              </a:defRPr>
+            </a:lvl3pPr>
+            <a:lvl4pPr marL="1218987" indent="-231606" algn="l" defTabSz="1218987" rtl="0" eaLnBrk="1" latinLnBrk="0" hangingPunct="1">
+              <a:lnSpc>
+                <a:spcPct val="105000"/>
+              </a:lnSpc>
+              <a:spcBef>
+                <a:spcPts val="600"/>
+              </a:spcBef>
+              <a:spcAft>
+                <a:spcPts val="600"/>
+              </a:spcAft>
+              <a:buClr>
+                <a:srgbClr val="ED9411"/>
+              </a:buClr>
+              <a:buSzPct val="80000"/>
+              <a:buFont typeface="Wingdings" panose="05000000000000000000" pitchFamily="2" charset="2"/>
+              <a:buChar char="§"/>
+              <a:defRPr sz="2800" b="0" kern="1200">
+                <a:solidFill>
+                  <a:schemeClr val="tx1"/>
+                </a:solidFill>
+                <a:latin typeface="+mn-lt"/>
+                <a:ea typeface="+mn-ea"/>
+                <a:cs typeface="+mn-cs"/>
+              </a:defRPr>
+            </a:lvl4pPr>
+            <a:lvl5pPr marL="1523733" indent="-231606" algn="l" defTabSz="1218987" rtl="0" eaLnBrk="1" latinLnBrk="0" hangingPunct="1">
+              <a:lnSpc>
+                <a:spcPct val="105000"/>
+              </a:lnSpc>
+              <a:spcBef>
+                <a:spcPts val="600"/>
+              </a:spcBef>
+              <a:spcAft>
+                <a:spcPts val="600"/>
+              </a:spcAft>
+              <a:buClr>
+                <a:srgbClr val="E28D10"/>
+              </a:buClr>
+              <a:buSzPct val="80000"/>
+              <a:buFont typeface="Wingdings" panose="05000000000000000000" pitchFamily="2" charset="2"/>
+              <a:buChar char="§"/>
+              <a:defRPr sz="2600" b="0" kern="1200">
+                <a:solidFill>
+                  <a:schemeClr val="tx1"/>
+                </a:solidFill>
+                <a:latin typeface="+mn-lt"/>
+                <a:ea typeface="+mn-ea"/>
+                <a:cs typeface="+mn-cs"/>
+              </a:defRPr>
+            </a:lvl5pPr>
+            <a:lvl6pPr marL="1828480" indent="-231606" algn="l" defTabSz="1218987" rtl="0" eaLnBrk="1" latinLnBrk="0" hangingPunct="1">
+              <a:lnSpc>
+                <a:spcPct val="90000"/>
+              </a:lnSpc>
+              <a:spcBef>
+                <a:spcPts val="800"/>
+              </a:spcBef>
+              <a:buClr>
+                <a:schemeClr val="accent1"/>
+              </a:buClr>
+              <a:buSzPct val="80000"/>
+              <a:buFont typeface="Arial" pitchFamily="34" charset="0"/>
+              <a:buChar char="•"/>
+              <a:defRPr sz="2000" kern="1200">
+                <a:solidFill>
+                  <a:schemeClr val="tx1"/>
+                </a:solidFill>
+                <a:latin typeface="+mn-lt"/>
+                <a:ea typeface="+mn-ea"/>
+                <a:cs typeface="+mn-cs"/>
+              </a:defRPr>
+            </a:lvl6pPr>
+            <a:lvl7pPr marL="2133227" indent="-231606" algn="l" defTabSz="1218987" rtl="0" eaLnBrk="1" latinLnBrk="0" hangingPunct="1">
+              <a:lnSpc>
+                <a:spcPct val="90000"/>
+              </a:lnSpc>
+              <a:spcBef>
+                <a:spcPts val="800"/>
+              </a:spcBef>
+              <a:buClr>
+                <a:schemeClr val="accent1"/>
+              </a:buClr>
+              <a:buSzPct val="80000"/>
+              <a:buFont typeface="Arial" pitchFamily="34" charset="0"/>
+              <a:buChar char="•"/>
+              <a:defRPr sz="2000" kern="1200">
+                <a:solidFill>
+                  <a:schemeClr val="tx1"/>
+                </a:solidFill>
+                <a:latin typeface="+mn-lt"/>
+                <a:ea typeface="+mn-ea"/>
+                <a:cs typeface="+mn-cs"/>
+              </a:defRPr>
+            </a:lvl7pPr>
+            <a:lvl8pPr marL="2437972" indent="-231606" algn="l" defTabSz="1218987" rtl="0" eaLnBrk="1" latinLnBrk="0" hangingPunct="1">
+              <a:lnSpc>
+                <a:spcPct val="90000"/>
+              </a:lnSpc>
+              <a:spcBef>
+                <a:spcPts val="800"/>
+              </a:spcBef>
+              <a:buClr>
+                <a:schemeClr val="accent1"/>
+              </a:buClr>
+              <a:buSzPct val="80000"/>
+              <a:buFont typeface="Arial" pitchFamily="34" charset="0"/>
+              <a:buChar char="•"/>
+              <a:defRPr sz="2000" kern="1200" baseline="0">
+                <a:solidFill>
+                  <a:schemeClr val="tx1"/>
+                </a:solidFill>
+                <a:latin typeface="+mn-lt"/>
+                <a:ea typeface="+mn-ea"/>
+                <a:cs typeface="+mn-cs"/>
+              </a:defRPr>
+            </a:lvl8pPr>
+            <a:lvl9pPr marL="2742720" indent="-231606" algn="l" defTabSz="1218987" rtl="0" eaLnBrk="1" latinLnBrk="0" hangingPunct="1">
+              <a:lnSpc>
+                <a:spcPct val="90000"/>
+              </a:lnSpc>
+              <a:spcBef>
+                <a:spcPts val="800"/>
+              </a:spcBef>
+              <a:buClr>
+                <a:schemeClr val="accent1"/>
+              </a:buClr>
+              <a:buSzPct val="80000"/>
+              <a:buFont typeface="Arial" pitchFamily="34" charset="0"/>
+              <a:buChar char="•"/>
+              <a:defRPr sz="2000" kern="1200" baseline="0">
+                <a:solidFill>
+                  <a:schemeClr val="tx1"/>
+                </a:solidFill>
+                <a:latin typeface="+mn-lt"/>
+                <a:ea typeface="+mn-ea"/>
+                <a:cs typeface="+mn-cs"/>
+              </a:defRPr>
+            </a:lvl9pPr>
+          </a:lstStyle>
+          <a:p>
+            <a:r>
+              <a:rPr lang="en-GB" b="1" dirty="0" smtClean="0">
+                <a:solidFill>
+                  <a:schemeClr val="tx2">
+                    <a:lumMod val="75000"/>
+                  </a:schemeClr>
+                </a:solidFill>
+                <a:latin typeface="Consolas" panose="020B0609020204030204" pitchFamily="49" charset="0"/>
+                <a:cs typeface="Consolas" panose="020B0609020204030204" pitchFamily="49" charset="0"/>
+              </a:rPr>
+              <a:t>$httpBackend</a:t>
+            </a:r>
+          </a:p>
+          <a:p>
+            <a:r>
+              <a:rPr lang="en-GB" b="1" dirty="0" smtClean="0">
+                <a:solidFill>
+                  <a:schemeClr val="tx2">
+                    <a:lumMod val="75000"/>
+                  </a:schemeClr>
+                </a:solidFill>
+                <a:latin typeface="Consolas" panose="020B0609020204030204" pitchFamily="49" charset="0"/>
+                <a:cs typeface="Consolas" panose="020B0609020204030204" pitchFamily="49" charset="0"/>
+              </a:rPr>
+              <a:t>$controller</a:t>
+            </a:r>
+            <a:endParaRPr lang="en-GB" b="1" dirty="0">
+              <a:solidFill>
+                <a:schemeClr val="tx2">
+                  <a:lumMod val="75000"/>
+                </a:schemeClr>
+              </a:solidFill>
+              <a:latin typeface="Consolas" panose="020B0609020204030204" pitchFamily="49" charset="0"/>
+              <a:cs typeface="Consolas" panose="020B0609020204030204" pitchFamily="49" charset="0"/>
+            </a:endParaRPr>
           </a:p>
         </p:txBody>
       </p:sp>
     </p:spTree>
     <p:extLst>
       <p:ext uri="{BB962C8B-B14F-4D97-AF65-F5344CB8AC3E}">
-        <p14:creationId xmlns:p14="http://schemas.microsoft.com/office/powerpoint/2010/main" val="380359635"/>
+        <p14:creationId xmlns:p14="http://schemas.microsoft.com/office/powerpoint/2010/main" val="3179331799"/>
       </p:ext>
     </p:extLst>
   </p:cSld>

--- a/AngularJS/2. AngularJS Components.pptx
+++ b/AngularJS/2. AngularJS Components.pptx
@@ -5,10 +5,10 @@
     <p:sldMasterId id="2147483660" r:id="rId2"/>
   </p:sldMasterIdLst>
   <p:notesMasterIdLst>
-    <p:notesMasterId r:id="rId51"/>
+    <p:notesMasterId r:id="rId50"/>
   </p:notesMasterIdLst>
   <p:handoutMasterIdLst>
-    <p:handoutMasterId r:id="rId52"/>
+    <p:handoutMasterId r:id="rId51"/>
   </p:handoutMasterIdLst>
   <p:sldIdLst>
     <p:sldId id="274" r:id="rId3"/>
@@ -54,11 +54,10 @@
     <p:sldId id="464" r:id="rId43"/>
     <p:sldId id="465" r:id="rId44"/>
     <p:sldId id="466" r:id="rId45"/>
-    <p:sldId id="467" r:id="rId46"/>
-    <p:sldId id="468" r:id="rId47"/>
-    <p:sldId id="424" r:id="rId48"/>
-    <p:sldId id="419" r:id="rId49"/>
-    <p:sldId id="420" r:id="rId50"/>
+    <p:sldId id="468" r:id="rId46"/>
+    <p:sldId id="424" r:id="rId47"/>
+    <p:sldId id="419" r:id="rId48"/>
+    <p:sldId id="420" r:id="rId49"/>
   </p:sldIdLst>
   <p:sldSz cx="12188825" cy="6858000"/>
   <p:notesSz cx="6858000" cy="9144000"/>
@@ -217,7 +216,6 @@
             <p14:sldId id="464"/>
             <p14:sldId id="465"/>
             <p14:sldId id="466"/>
-            <p14:sldId id="467"/>
           </p14:sldIdLst>
         </p14:section>
         <p14:section name="Questions" id="{2C06B515-108E-45C3-B779-607003FA36A8}">
@@ -351,7 +349,7 @@
             <a:fld id="{FE5B4EDC-59C0-49C7-8ADA-5A781B329E02}" type="datetimeFigureOut">
               <a:rPr lang="en-US"/>
               <a:pPr/>
-              <a:t>15-Jun-15</a:t>
+              <a:t>16-Jun-15</a:t>
             </a:fld>
             <a:endParaRPr dirty="0"/>
           </a:p>
@@ -550,7 +548,7 @@
             <a:fld id="{F2D8D46A-B586-417D-BFBD-8C8FE0AAF762}" type="datetimeFigureOut">
               <a:rPr lang="en-US" smtClean="0"/>
               <a:pPr/>
-              <a:t>15-Jun-15</a:t>
+              <a:t>16-Jun-15</a:t>
             </a:fld>
             <a:endParaRPr lang="en-US"/>
           </a:p>
@@ -1421,7 +1419,7 @@
             <a:fld id="{3EBA5BD7-F043-4D1B-AA17-CD412FC534DE}" type="slidenum">
               <a:rPr lang="en-US" smtClean="0"/>
               <a:pPr/>
-              <a:t>46</a:t>
+              <a:t>45</a:t>
             </a:fld>
             <a:endParaRPr lang="en-US" dirty="0"/>
           </a:p>
@@ -1556,7 +1554,7 @@
             <a:fld id="{3EBA5BD7-F043-4D1B-AA17-CD412FC534DE}" type="slidenum">
               <a:rPr lang="en-US" smtClean="0"/>
               <a:pPr/>
-              <a:t>47</a:t>
+              <a:t>46</a:t>
             </a:fld>
             <a:endParaRPr lang="en-US" dirty="0"/>
           </a:p>
@@ -1691,7 +1689,7 @@
             <a:fld id="{3EBA5BD7-F043-4D1B-AA17-CD412FC534DE}" type="slidenum">
               <a:rPr lang="en-US" smtClean="0"/>
               <a:pPr/>
-              <a:t>48</a:t>
+              <a:t>47</a:t>
             </a:fld>
             <a:endParaRPr lang="en-US" dirty="0"/>
           </a:p>
@@ -2320,7 +2318,7 @@
             <a:fld id="{055373AC-9AA7-423B-BA00-BA1C74164DBD}" type="datetime1">
               <a:rPr lang="en-US" smtClean="0"/>
               <a:pPr/>
-              <a:t>15-Jun-15</a:t>
+              <a:t>16-Jun-15</a:t>
             </a:fld>
             <a:endParaRPr lang="en-US" dirty="0"/>
           </a:p>
@@ -3591,7 +3589,7 @@
             <a:fld id="{055373AC-9AA7-423B-BA00-BA1C74164DBD}" type="datetime1">
               <a:rPr lang="en-US" smtClean="0"/>
               <a:pPr/>
-              <a:t>15-Jun-15</a:t>
+              <a:t>16-Jun-15</a:t>
             </a:fld>
             <a:endParaRPr lang="en-US" dirty="0"/>
           </a:p>
@@ -7725,7 +7723,6 @@
               <a:rPr lang="en-US" sz="3000" dirty="0" smtClean="0"/>
               <a:t>Built-In Services, Creating Custom Services</a:t>
             </a:r>
-            <a:endParaRPr lang="en-US" sz="3000" dirty="0" smtClean="0"/>
           </a:p>
           <a:p>
             <a:pPr marL="446088" indent="-446088">
@@ -22411,993 +22408,6 @@
       </p:grpSpPr>
       <p:sp>
         <p:nvSpPr>
-          <p:cNvPr id="2" name="Title 1"/>
-          <p:cNvSpPr>
-            <a:spLocks noGrp="1"/>
-          </p:cNvSpPr>
-          <p:nvPr>
-            <p:ph type="title"/>
-          </p:nvPr>
-        </p:nvSpPr>
-        <p:spPr/>
-        <p:txBody>
-          <a:bodyPr>
-            <a:normAutofit/>
-          </a:bodyPr>
-          <a:lstStyle/>
-          <a:p>
-            <a:r>
-              <a:rPr lang="en-US" dirty="0" smtClean="0"/>
-              <a:t>Using </a:t>
-            </a:r>
-            <a:r>
-              <a:rPr lang="en-US" dirty="0"/>
-              <a:t>jQuery in Directives</a:t>
-            </a:r>
-            <a:endParaRPr lang="en-GB" dirty="0"/>
-          </a:p>
-        </p:txBody>
-      </p:sp>
-      <p:sp>
-        <p:nvSpPr>
-          <p:cNvPr id="5" name="Rectangle 4"/>
-          <p:cNvSpPr>
-            <a:spLocks noChangeArrowheads="1"/>
-          </p:cNvSpPr>
-          <p:nvPr/>
-        </p:nvSpPr>
-        <p:spPr bwMode="auto">
-          <a:xfrm>
-            <a:off x="1138236" y="1676400"/>
-            <a:ext cx="9909176" cy="397032"/>
-          </a:xfrm>
-          <a:prstGeom prst="rect">
-            <a:avLst/>
-          </a:prstGeom>
-          <a:solidFill>
-            <a:schemeClr val="accent5">
-              <a:lumMod val="40000"/>
-              <a:lumOff val="60000"/>
-              <a:alpha val="15000"/>
-            </a:schemeClr>
-          </a:solidFill>
-          <a:ln w="12700">
-            <a:solidFill>
-              <a:schemeClr val="accent5">
-                <a:lumMod val="60000"/>
-                <a:lumOff val="40000"/>
-              </a:schemeClr>
-            </a:solidFill>
-          </a:ln>
-        </p:spPr>
-        <p:txBody>
-          <a:bodyPr wrap="square">
-            <a:spAutoFit/>
-          </a:bodyPr>
-          <a:lstStyle>
-            <a:defPPr>
-              <a:defRPr lang="en-US"/>
-            </a:defPPr>
-            <a:lvl1pPr marL="0" algn="l" defTabSz="914400" rtl="0" eaLnBrk="1" latinLnBrk="0" hangingPunct="1">
-              <a:defRPr sz="1800" kern="1200">
-                <a:solidFill>
-                  <a:schemeClr val="tx1"/>
-                </a:solidFill>
-                <a:latin typeface="+mn-lt"/>
-                <a:ea typeface="+mn-ea"/>
-                <a:cs typeface="+mn-cs"/>
-              </a:defRPr>
-            </a:lvl1pPr>
-            <a:lvl2pPr marL="457200" algn="l" defTabSz="914400" rtl="0" eaLnBrk="1" latinLnBrk="0" hangingPunct="1">
-              <a:defRPr sz="1800" kern="1200">
-                <a:solidFill>
-                  <a:schemeClr val="tx1"/>
-                </a:solidFill>
-                <a:latin typeface="+mn-lt"/>
-                <a:ea typeface="+mn-ea"/>
-                <a:cs typeface="+mn-cs"/>
-              </a:defRPr>
-            </a:lvl2pPr>
-            <a:lvl3pPr marL="914400" algn="l" defTabSz="914400" rtl="0" eaLnBrk="1" latinLnBrk="0" hangingPunct="1">
-              <a:defRPr sz="1800" kern="1200">
-                <a:solidFill>
-                  <a:schemeClr val="tx1"/>
-                </a:solidFill>
-                <a:latin typeface="+mn-lt"/>
-                <a:ea typeface="+mn-ea"/>
-                <a:cs typeface="+mn-cs"/>
-              </a:defRPr>
-            </a:lvl3pPr>
-            <a:lvl4pPr marL="1371600" algn="l" defTabSz="914400" rtl="0" eaLnBrk="1" latinLnBrk="0" hangingPunct="1">
-              <a:defRPr sz="1800" kern="1200">
-                <a:solidFill>
-                  <a:schemeClr val="tx1"/>
-                </a:solidFill>
-                <a:latin typeface="+mn-lt"/>
-                <a:ea typeface="+mn-ea"/>
-                <a:cs typeface="+mn-cs"/>
-              </a:defRPr>
-            </a:lvl4pPr>
-            <a:lvl5pPr marL="1828800" algn="l" defTabSz="914400" rtl="0" eaLnBrk="1" latinLnBrk="0" hangingPunct="1">
-              <a:defRPr sz="1800" kern="1200">
-                <a:solidFill>
-                  <a:schemeClr val="tx1"/>
-                </a:solidFill>
-                <a:latin typeface="+mn-lt"/>
-                <a:ea typeface="+mn-ea"/>
-                <a:cs typeface="+mn-cs"/>
-              </a:defRPr>
-            </a:lvl5pPr>
-            <a:lvl6pPr marL="2286000" algn="l" defTabSz="914400" rtl="0" eaLnBrk="1" latinLnBrk="0" hangingPunct="1">
-              <a:defRPr sz="1800" kern="1200">
-                <a:solidFill>
-                  <a:schemeClr val="tx1"/>
-                </a:solidFill>
-                <a:latin typeface="+mn-lt"/>
-                <a:ea typeface="+mn-ea"/>
-                <a:cs typeface="+mn-cs"/>
-              </a:defRPr>
-            </a:lvl6pPr>
-            <a:lvl7pPr marL="2743200" algn="l" defTabSz="914400" rtl="0" eaLnBrk="1" latinLnBrk="0" hangingPunct="1">
-              <a:defRPr sz="1800" kern="1200">
-                <a:solidFill>
-                  <a:schemeClr val="tx1"/>
-                </a:solidFill>
-                <a:latin typeface="+mn-lt"/>
-                <a:ea typeface="+mn-ea"/>
-                <a:cs typeface="+mn-cs"/>
-              </a:defRPr>
-            </a:lvl7pPr>
-            <a:lvl8pPr marL="3200400" algn="l" defTabSz="914400" rtl="0" eaLnBrk="1" latinLnBrk="0" hangingPunct="1">
-              <a:defRPr sz="1800" kern="1200">
-                <a:solidFill>
-                  <a:schemeClr val="tx1"/>
-                </a:solidFill>
-                <a:latin typeface="+mn-lt"/>
-                <a:ea typeface="+mn-ea"/>
-                <a:cs typeface="+mn-cs"/>
-              </a:defRPr>
-            </a:lvl8pPr>
-            <a:lvl9pPr marL="3657600" algn="l" defTabSz="914400" rtl="0" eaLnBrk="1" latinLnBrk="0" hangingPunct="1">
-              <a:defRPr sz="1800" kern="1200">
-                <a:solidFill>
-                  <a:schemeClr val="tx1"/>
-                </a:solidFill>
-                <a:latin typeface="+mn-lt"/>
-                <a:ea typeface="+mn-ea"/>
-                <a:cs typeface="+mn-cs"/>
-              </a:defRPr>
-            </a:lvl9pPr>
-          </a:lstStyle>
-          <a:p>
-            <a:pPr eaLnBrk="0" hangingPunct="0">
-              <a:lnSpc>
-                <a:spcPct val="90000"/>
-              </a:lnSpc>
-              <a:spcBef>
-                <a:spcPts val="1200"/>
-              </a:spcBef>
-              <a:buClr>
-                <a:schemeClr val="accent5">
-                  <a:lumMod val="40000"/>
-                  <a:lumOff val="60000"/>
-                </a:schemeClr>
-              </a:buClr>
-              <a:buSzPct val="70000"/>
-              <a:defRPr/>
-            </a:pPr>
-            <a:r>
-              <a:rPr lang="en-US" sz="2200" b="1" noProof="1" smtClean="0">
-                <a:solidFill>
-                  <a:srgbClr val="FBEEDC"/>
-                </a:solidFill>
-                <a:effectLst>
-                  <a:outerShdw blurRad="38100" dist="38100" dir="2700000" algn="tl">
-                    <a:srgbClr val="000000">
-                      <a:alpha val="43137"/>
-                    </a:srgbClr>
-                  </a:outerShdw>
-                </a:effectLst>
-                <a:latin typeface="Consolas" pitchFamily="49" charset="0"/>
-                <a:cs typeface="Consolas" pitchFamily="49" charset="0"/>
-              </a:rPr>
-              <a:t>&lt;input type="text" date-picker /&gt;</a:t>
-            </a:r>
-            <a:endParaRPr lang="en-US" sz="2200" b="1" noProof="1">
-              <a:solidFill>
-                <a:srgbClr val="FBEEDC"/>
-              </a:solidFill>
-              <a:effectLst>
-                <a:outerShdw blurRad="38100" dist="38100" dir="2700000" algn="tl">
-                  <a:srgbClr val="000000">
-                    <a:alpha val="43137"/>
-                  </a:srgbClr>
-                </a:outerShdw>
-              </a:effectLst>
-              <a:latin typeface="Consolas" pitchFamily="49" charset="0"/>
-              <a:cs typeface="Consolas" pitchFamily="49" charset="0"/>
-            </a:endParaRPr>
-          </a:p>
-        </p:txBody>
-      </p:sp>
-      <p:sp>
-        <p:nvSpPr>
-          <p:cNvPr id="6" name="Rectangle 5"/>
-          <p:cNvSpPr>
-            <a:spLocks noChangeArrowheads="1"/>
-          </p:cNvSpPr>
-          <p:nvPr/>
-        </p:nvSpPr>
-        <p:spPr bwMode="auto">
-          <a:xfrm>
-            <a:off x="1138236" y="2426732"/>
-            <a:ext cx="9909176" cy="3607141"/>
-          </a:xfrm>
-          <a:prstGeom prst="rect">
-            <a:avLst/>
-          </a:prstGeom>
-          <a:solidFill>
-            <a:schemeClr val="accent5">
-              <a:lumMod val="40000"/>
-              <a:lumOff val="60000"/>
-              <a:alpha val="15000"/>
-            </a:schemeClr>
-          </a:solidFill>
-          <a:ln w="12700">
-            <a:solidFill>
-              <a:schemeClr val="accent5">
-                <a:lumMod val="60000"/>
-                <a:lumOff val="40000"/>
-              </a:schemeClr>
-            </a:solidFill>
-          </a:ln>
-        </p:spPr>
-        <p:txBody>
-          <a:bodyPr wrap="square">
-            <a:spAutoFit/>
-          </a:bodyPr>
-          <a:lstStyle>
-            <a:defPPr>
-              <a:defRPr lang="en-US"/>
-            </a:defPPr>
-            <a:lvl1pPr marL="0" algn="l" defTabSz="914400" rtl="0" eaLnBrk="1" latinLnBrk="0" hangingPunct="1">
-              <a:defRPr sz="1800" kern="1200">
-                <a:solidFill>
-                  <a:schemeClr val="tx1"/>
-                </a:solidFill>
-                <a:latin typeface="+mn-lt"/>
-                <a:ea typeface="+mn-ea"/>
-                <a:cs typeface="+mn-cs"/>
-              </a:defRPr>
-            </a:lvl1pPr>
-            <a:lvl2pPr marL="457200" algn="l" defTabSz="914400" rtl="0" eaLnBrk="1" latinLnBrk="0" hangingPunct="1">
-              <a:defRPr sz="1800" kern="1200">
-                <a:solidFill>
-                  <a:schemeClr val="tx1"/>
-                </a:solidFill>
-                <a:latin typeface="+mn-lt"/>
-                <a:ea typeface="+mn-ea"/>
-                <a:cs typeface="+mn-cs"/>
-              </a:defRPr>
-            </a:lvl2pPr>
-            <a:lvl3pPr marL="914400" algn="l" defTabSz="914400" rtl="0" eaLnBrk="1" latinLnBrk="0" hangingPunct="1">
-              <a:defRPr sz="1800" kern="1200">
-                <a:solidFill>
-                  <a:schemeClr val="tx1"/>
-                </a:solidFill>
-                <a:latin typeface="+mn-lt"/>
-                <a:ea typeface="+mn-ea"/>
-                <a:cs typeface="+mn-cs"/>
-              </a:defRPr>
-            </a:lvl3pPr>
-            <a:lvl4pPr marL="1371600" algn="l" defTabSz="914400" rtl="0" eaLnBrk="1" latinLnBrk="0" hangingPunct="1">
-              <a:defRPr sz="1800" kern="1200">
-                <a:solidFill>
-                  <a:schemeClr val="tx1"/>
-                </a:solidFill>
-                <a:latin typeface="+mn-lt"/>
-                <a:ea typeface="+mn-ea"/>
-                <a:cs typeface="+mn-cs"/>
-              </a:defRPr>
-            </a:lvl4pPr>
-            <a:lvl5pPr marL="1828800" algn="l" defTabSz="914400" rtl="0" eaLnBrk="1" latinLnBrk="0" hangingPunct="1">
-              <a:defRPr sz="1800" kern="1200">
-                <a:solidFill>
-                  <a:schemeClr val="tx1"/>
-                </a:solidFill>
-                <a:latin typeface="+mn-lt"/>
-                <a:ea typeface="+mn-ea"/>
-                <a:cs typeface="+mn-cs"/>
-              </a:defRPr>
-            </a:lvl5pPr>
-            <a:lvl6pPr marL="2286000" algn="l" defTabSz="914400" rtl="0" eaLnBrk="1" latinLnBrk="0" hangingPunct="1">
-              <a:defRPr sz="1800" kern="1200">
-                <a:solidFill>
-                  <a:schemeClr val="tx1"/>
-                </a:solidFill>
-                <a:latin typeface="+mn-lt"/>
-                <a:ea typeface="+mn-ea"/>
-                <a:cs typeface="+mn-cs"/>
-              </a:defRPr>
-            </a:lvl6pPr>
-            <a:lvl7pPr marL="2743200" algn="l" defTabSz="914400" rtl="0" eaLnBrk="1" latinLnBrk="0" hangingPunct="1">
-              <a:defRPr sz="1800" kern="1200">
-                <a:solidFill>
-                  <a:schemeClr val="tx1"/>
-                </a:solidFill>
-                <a:latin typeface="+mn-lt"/>
-                <a:ea typeface="+mn-ea"/>
-                <a:cs typeface="+mn-cs"/>
-              </a:defRPr>
-            </a:lvl7pPr>
-            <a:lvl8pPr marL="3200400" algn="l" defTabSz="914400" rtl="0" eaLnBrk="1" latinLnBrk="0" hangingPunct="1">
-              <a:defRPr sz="1800" kern="1200">
-                <a:solidFill>
-                  <a:schemeClr val="tx1"/>
-                </a:solidFill>
-                <a:latin typeface="+mn-lt"/>
-                <a:ea typeface="+mn-ea"/>
-                <a:cs typeface="+mn-cs"/>
-              </a:defRPr>
-            </a:lvl8pPr>
-            <a:lvl9pPr marL="3657600" algn="l" defTabSz="914400" rtl="0" eaLnBrk="1" latinLnBrk="0" hangingPunct="1">
-              <a:defRPr sz="1800" kern="1200">
-                <a:solidFill>
-                  <a:schemeClr val="tx1"/>
-                </a:solidFill>
-                <a:latin typeface="+mn-lt"/>
-                <a:ea typeface="+mn-ea"/>
-                <a:cs typeface="+mn-cs"/>
-              </a:defRPr>
-            </a:lvl9pPr>
-          </a:lstStyle>
-          <a:p>
-            <a:pPr eaLnBrk="0" hangingPunct="0">
-              <a:lnSpc>
-                <a:spcPct val="90000"/>
-              </a:lnSpc>
-              <a:spcBef>
-                <a:spcPts val="1200"/>
-              </a:spcBef>
-              <a:buClr>
-                <a:schemeClr val="accent5">
-                  <a:lumMod val="40000"/>
-                  <a:lumOff val="60000"/>
-                </a:schemeClr>
-              </a:buClr>
-              <a:buSzPct val="70000"/>
-              <a:defRPr/>
-            </a:pPr>
-            <a:r>
-              <a:rPr lang="en-US" sz="2200" b="1" noProof="1" smtClean="0">
-                <a:solidFill>
-                  <a:srgbClr val="FBEEDC"/>
-                </a:solidFill>
-                <a:effectLst>
-                  <a:outerShdw blurRad="38100" dist="38100" dir="2700000" algn="tl">
-                    <a:srgbClr val="000000">
-                      <a:alpha val="43137"/>
-                    </a:srgbClr>
-                  </a:outerShdw>
-                </a:effectLst>
-                <a:latin typeface="Consolas" pitchFamily="49" charset="0"/>
-                <a:cs typeface="Consolas" pitchFamily="49" charset="0"/>
-              </a:rPr>
-              <a:t>app.directive('datePicker', function() {</a:t>
-            </a:r>
-          </a:p>
-          <a:p>
-            <a:pPr eaLnBrk="0" hangingPunct="0">
-              <a:lnSpc>
-                <a:spcPct val="90000"/>
-              </a:lnSpc>
-              <a:spcBef>
-                <a:spcPts val="1200"/>
-              </a:spcBef>
-              <a:buClr>
-                <a:schemeClr val="accent5">
-                  <a:lumMod val="40000"/>
-                  <a:lumOff val="60000"/>
-                </a:schemeClr>
-              </a:buClr>
-              <a:buSzPct val="70000"/>
-              <a:defRPr/>
-            </a:pPr>
-            <a:r>
-              <a:rPr lang="en-US" sz="2200" b="1" noProof="1" smtClean="0">
-                <a:solidFill>
-                  <a:srgbClr val="FBEEDC"/>
-                </a:solidFill>
-                <a:effectLst>
-                  <a:outerShdw blurRad="38100" dist="38100" dir="2700000" algn="tl">
-                    <a:srgbClr val="000000">
-                      <a:alpha val="43137"/>
-                    </a:srgbClr>
-                  </a:outerShdw>
-                </a:effectLst>
-                <a:latin typeface="Consolas" pitchFamily="49" charset="0"/>
-                <a:cs typeface="Consolas" pitchFamily="49" charset="0"/>
-              </a:rPr>
-              <a:t>  return {</a:t>
-            </a:r>
-          </a:p>
-          <a:p>
-            <a:pPr eaLnBrk="0" hangingPunct="0">
-              <a:lnSpc>
-                <a:spcPct val="90000"/>
-              </a:lnSpc>
-              <a:spcBef>
-                <a:spcPts val="1200"/>
-              </a:spcBef>
-              <a:buClr>
-                <a:schemeClr val="accent5">
-                  <a:lumMod val="40000"/>
-                  <a:lumOff val="60000"/>
-                </a:schemeClr>
-              </a:buClr>
-              <a:buSzPct val="70000"/>
-              <a:defRPr/>
-            </a:pPr>
-            <a:r>
-              <a:rPr lang="en-US" sz="2200" b="1" noProof="1" smtClean="0">
-                <a:solidFill>
-                  <a:srgbClr val="FBEEDC"/>
-                </a:solidFill>
-                <a:effectLst>
-                  <a:outerShdw blurRad="38100" dist="38100" dir="2700000" algn="tl">
-                    <a:srgbClr val="000000">
-                      <a:alpha val="43137"/>
-                    </a:srgbClr>
-                  </a:outerShdw>
-                </a:effectLst>
-                <a:latin typeface="Consolas" pitchFamily="49" charset="0"/>
-                <a:cs typeface="Consolas" pitchFamily="49" charset="0"/>
-              </a:rPr>
-              <a:t>    restrict: 'A',</a:t>
-            </a:r>
-          </a:p>
-          <a:p>
-            <a:pPr eaLnBrk="0" hangingPunct="0">
-              <a:lnSpc>
-                <a:spcPct val="90000"/>
-              </a:lnSpc>
-              <a:spcBef>
-                <a:spcPts val="1200"/>
-              </a:spcBef>
-              <a:buClr>
-                <a:schemeClr val="accent5">
-                  <a:lumMod val="40000"/>
-                  <a:lumOff val="60000"/>
-                </a:schemeClr>
-              </a:buClr>
-              <a:buSzPct val="70000"/>
-              <a:defRPr/>
-            </a:pPr>
-            <a:r>
-              <a:rPr lang="en-US" sz="2200" b="1" noProof="1" smtClean="0">
-                <a:solidFill>
-                  <a:srgbClr val="FBEEDC"/>
-                </a:solidFill>
-                <a:effectLst>
-                  <a:outerShdw blurRad="38100" dist="38100" dir="2700000" algn="tl">
-                    <a:srgbClr val="000000">
-                      <a:alpha val="43137"/>
-                    </a:srgbClr>
-                  </a:outerShdw>
-                </a:effectLst>
-                <a:latin typeface="Consolas" pitchFamily="49" charset="0"/>
-                <a:cs typeface="Consolas" pitchFamily="49" charset="0"/>
-              </a:rPr>
-              <a:t>    link: function(scope, element) {</a:t>
-            </a:r>
-          </a:p>
-          <a:p>
-            <a:pPr eaLnBrk="0" hangingPunct="0">
-              <a:lnSpc>
-                <a:spcPct val="90000"/>
-              </a:lnSpc>
-              <a:spcBef>
-                <a:spcPts val="1200"/>
-              </a:spcBef>
-              <a:buClr>
-                <a:schemeClr val="accent5">
-                  <a:lumMod val="40000"/>
-                  <a:lumOff val="60000"/>
-                </a:schemeClr>
-              </a:buClr>
-              <a:buSzPct val="70000"/>
-              <a:defRPr/>
-            </a:pPr>
-            <a:r>
-              <a:rPr lang="en-US" sz="2200" b="1" noProof="1" smtClean="0">
-                <a:solidFill>
-                  <a:srgbClr val="FBEEDC"/>
-                </a:solidFill>
-                <a:effectLst>
-                  <a:outerShdw blurRad="38100" dist="38100" dir="2700000" algn="tl">
-                    <a:srgbClr val="000000">
-                      <a:alpha val="43137"/>
-                    </a:srgbClr>
-                  </a:outerShdw>
-                </a:effectLst>
-                <a:latin typeface="Consolas" pitchFamily="49" charset="0"/>
-                <a:cs typeface="Consolas" pitchFamily="49" charset="0"/>
-              </a:rPr>
-              <a:t>      element.datepicker();</a:t>
-            </a:r>
-            <a:endParaRPr lang="en-US" sz="2200" b="1" noProof="1">
-              <a:solidFill>
-                <a:srgbClr val="FBEEDC"/>
-              </a:solidFill>
-              <a:effectLst>
-                <a:outerShdw blurRad="38100" dist="38100" dir="2700000" algn="tl">
-                  <a:srgbClr val="000000">
-                    <a:alpha val="43137"/>
-                  </a:srgbClr>
-                </a:outerShdw>
-              </a:effectLst>
-              <a:latin typeface="Consolas" pitchFamily="49" charset="0"/>
-              <a:cs typeface="Consolas" pitchFamily="49" charset="0"/>
-            </a:endParaRPr>
-          </a:p>
-          <a:p>
-            <a:pPr eaLnBrk="0" hangingPunct="0">
-              <a:lnSpc>
-                <a:spcPct val="90000"/>
-              </a:lnSpc>
-              <a:spcBef>
-                <a:spcPts val="1200"/>
-              </a:spcBef>
-              <a:buClr>
-                <a:schemeClr val="accent5">
-                  <a:lumMod val="40000"/>
-                  <a:lumOff val="60000"/>
-                </a:schemeClr>
-              </a:buClr>
-              <a:buSzPct val="70000"/>
-              <a:defRPr/>
-            </a:pPr>
-            <a:r>
-              <a:rPr lang="en-US" sz="2200" b="1" noProof="1" smtClean="0">
-                <a:solidFill>
-                  <a:srgbClr val="FBEEDC"/>
-                </a:solidFill>
-                <a:effectLst>
-                  <a:outerShdw blurRad="38100" dist="38100" dir="2700000" algn="tl">
-                    <a:srgbClr val="000000">
-                      <a:alpha val="43137"/>
-                    </a:srgbClr>
-                  </a:outerShdw>
-                </a:effectLst>
-                <a:latin typeface="Consolas" pitchFamily="49" charset="0"/>
-                <a:cs typeface="Consolas" pitchFamily="49" charset="0"/>
-              </a:rPr>
-              <a:t>    }</a:t>
-            </a:r>
-            <a:endParaRPr lang="en-US" sz="2200" b="1" noProof="1">
-              <a:solidFill>
-                <a:srgbClr val="FBEEDC"/>
-              </a:solidFill>
-              <a:effectLst>
-                <a:outerShdw blurRad="38100" dist="38100" dir="2700000" algn="tl">
-                  <a:srgbClr val="000000">
-                    <a:alpha val="43137"/>
-                  </a:srgbClr>
-                </a:outerShdw>
-              </a:effectLst>
-              <a:latin typeface="Consolas" pitchFamily="49" charset="0"/>
-              <a:cs typeface="Consolas" pitchFamily="49" charset="0"/>
-            </a:endParaRPr>
-          </a:p>
-          <a:p>
-            <a:pPr eaLnBrk="0" hangingPunct="0">
-              <a:lnSpc>
-                <a:spcPct val="90000"/>
-              </a:lnSpc>
-              <a:spcBef>
-                <a:spcPts val="1200"/>
-              </a:spcBef>
-              <a:buClr>
-                <a:schemeClr val="accent5">
-                  <a:lumMod val="40000"/>
-                  <a:lumOff val="60000"/>
-                </a:schemeClr>
-              </a:buClr>
-              <a:buSzPct val="70000"/>
-              <a:defRPr/>
-            </a:pPr>
-            <a:r>
-              <a:rPr lang="en-US" sz="2200" b="1" noProof="1" smtClean="0">
-                <a:solidFill>
-                  <a:srgbClr val="FBEEDC"/>
-                </a:solidFill>
-                <a:effectLst>
-                  <a:outerShdw blurRad="38100" dist="38100" dir="2700000" algn="tl">
-                    <a:srgbClr val="000000">
-                      <a:alpha val="43137"/>
-                    </a:srgbClr>
-                  </a:outerShdw>
-                </a:effectLst>
-                <a:latin typeface="Consolas" pitchFamily="49" charset="0"/>
-                <a:cs typeface="Consolas" pitchFamily="49" charset="0"/>
-              </a:rPr>
-              <a:t>  }</a:t>
-            </a:r>
-            <a:endParaRPr lang="en-US" sz="2200" b="1" noProof="1">
-              <a:solidFill>
-                <a:srgbClr val="FBEEDC"/>
-              </a:solidFill>
-              <a:effectLst>
-                <a:outerShdw blurRad="38100" dist="38100" dir="2700000" algn="tl">
-                  <a:srgbClr val="000000">
-                    <a:alpha val="43137"/>
-                  </a:srgbClr>
-                </a:outerShdw>
-              </a:effectLst>
-              <a:latin typeface="Consolas" pitchFamily="49" charset="0"/>
-              <a:cs typeface="Consolas" pitchFamily="49" charset="0"/>
-            </a:endParaRPr>
-          </a:p>
-          <a:p>
-            <a:pPr eaLnBrk="0" hangingPunct="0">
-              <a:lnSpc>
-                <a:spcPct val="90000"/>
-              </a:lnSpc>
-              <a:spcBef>
-                <a:spcPts val="1200"/>
-              </a:spcBef>
-              <a:buClr>
-                <a:schemeClr val="accent5">
-                  <a:lumMod val="40000"/>
-                  <a:lumOff val="60000"/>
-                </a:schemeClr>
-              </a:buClr>
-              <a:buSzPct val="70000"/>
-              <a:defRPr/>
-            </a:pPr>
-            <a:r>
-              <a:rPr lang="en-US" sz="2200" b="1" noProof="1" smtClean="0">
-                <a:solidFill>
-                  <a:srgbClr val="FBEEDC"/>
-                </a:solidFill>
-                <a:effectLst>
-                  <a:outerShdw blurRad="38100" dist="38100" dir="2700000" algn="tl">
-                    <a:srgbClr val="000000">
-                      <a:alpha val="43137"/>
-                    </a:srgbClr>
-                  </a:outerShdw>
-                </a:effectLst>
-                <a:latin typeface="Consolas" pitchFamily="49" charset="0"/>
-                <a:cs typeface="Consolas" pitchFamily="49" charset="0"/>
-              </a:rPr>
-              <a:t>});</a:t>
-            </a:r>
-            <a:endParaRPr lang="en-US" sz="2200" b="1" noProof="1">
-              <a:solidFill>
-                <a:srgbClr val="FBEEDC"/>
-              </a:solidFill>
-              <a:effectLst>
-                <a:outerShdw blurRad="38100" dist="38100" dir="2700000" algn="tl">
-                  <a:srgbClr val="000000">
-                    <a:alpha val="43137"/>
-                  </a:srgbClr>
-                </a:outerShdw>
-              </a:effectLst>
-              <a:latin typeface="Consolas" pitchFamily="49" charset="0"/>
-              <a:cs typeface="Consolas" pitchFamily="49" charset="0"/>
-            </a:endParaRPr>
-          </a:p>
-        </p:txBody>
-      </p:sp>
-      <p:sp>
-        <p:nvSpPr>
-          <p:cNvPr id="7" name="AutoShape 7"/>
-          <p:cNvSpPr>
-            <a:spLocks noChangeArrowheads="1"/>
-          </p:cNvSpPr>
-          <p:nvPr/>
-        </p:nvSpPr>
-        <p:spPr bwMode="auto">
-          <a:xfrm>
-            <a:off x="6359456" y="4625008"/>
-            <a:ext cx="2971800" cy="997235"/>
-          </a:xfrm>
-          <a:prstGeom prst="wedgeRoundRectCallout">
-            <a:avLst>
-              <a:gd name="adj1" fmla="val -76333"/>
-              <a:gd name="adj2" fmla="val -59567"/>
-              <a:gd name="adj3" fmla="val 16667"/>
-            </a:avLst>
-          </a:prstGeom>
-          <a:solidFill>
-            <a:srgbClr val="643F07">
-              <a:alpha val="95000"/>
-            </a:srgbClr>
-          </a:solidFill>
-          <a:ln w="19050">
-            <a:solidFill>
-              <a:srgbClr val="F8D49E">
-                <a:alpha val="80000"/>
-              </a:srgbClr>
-            </a:solidFill>
-          </a:ln>
-        </p:spPr>
-        <p:style>
-          <a:lnRef idx="2">
-            <a:schemeClr val="accent1">
-              <a:shade val="50000"/>
-            </a:schemeClr>
-          </a:lnRef>
-          <a:fillRef idx="1">
-            <a:schemeClr val="accent1"/>
-          </a:fillRef>
-          <a:effectRef idx="0">
-            <a:schemeClr val="accent1"/>
-          </a:effectRef>
-          <a:fontRef idx="minor">
-            <a:schemeClr val="lt1"/>
-          </a:fontRef>
-        </p:style>
-        <p:txBody>
-          <a:bodyPr rot="0" spcFirstLastPara="0" vertOverflow="overflow" horzOverflow="overflow" vert="horz" wrap="square" lIns="91440" tIns="45720" rIns="91440" bIns="45720" numCol="1" spcCol="0" rtlCol="0" fromWordArt="0" anchor="ctr" anchorCtr="0" forceAA="0" compatLnSpc="1">
-            <a:prstTxWarp prst="textNoShape">
-              <a:avLst/>
-            </a:prstTxWarp>
-            <a:noAutofit/>
-          </a:bodyPr>
-          <a:lstStyle/>
-          <a:p>
-            <a:pPr algn="ctr" eaLnBrk="0" hangingPunct="0">
-              <a:buClr>
-                <a:schemeClr val="accent5">
-                  <a:lumMod val="40000"/>
-                  <a:lumOff val="60000"/>
-                </a:schemeClr>
-              </a:buClr>
-              <a:buSzPct val="70000"/>
-            </a:pPr>
-            <a:r>
-              <a:rPr lang="en-US" b="1" noProof="1" smtClean="0">
-                <a:solidFill>
-                  <a:srgbClr val="F7FFE7"/>
-                </a:solidFill>
-                <a:effectLst>
-                  <a:outerShdw blurRad="38100" dist="38100" dir="2700000" algn="tl">
-                    <a:srgbClr val="000000">
-                      <a:alpha val="43137"/>
-                    </a:srgbClr>
-                  </a:outerShdw>
-                </a:effectLst>
-                <a:cs typeface="Consolas" pitchFamily="49" charset="0"/>
-              </a:rPr>
-              <a:t>Add datepicker to the current element</a:t>
-            </a:r>
-            <a:endParaRPr lang="en-US" b="1" noProof="1">
-              <a:solidFill>
-                <a:srgbClr val="F7FFE7"/>
-              </a:solidFill>
-              <a:effectLst>
-                <a:outerShdw blurRad="38100" dist="38100" dir="2700000" algn="tl">
-                  <a:srgbClr val="000000">
-                    <a:alpha val="43137"/>
-                  </a:srgbClr>
-                </a:outerShdw>
-              </a:effectLst>
-              <a:cs typeface="Consolas" pitchFamily="49" charset="0"/>
-            </a:endParaRPr>
-          </a:p>
-        </p:txBody>
-      </p:sp>
-    </p:spTree>
-    <p:extLst>
-      <p:ext uri="{BB962C8B-B14F-4D97-AF65-F5344CB8AC3E}">
-        <p14:creationId xmlns:p14="http://schemas.microsoft.com/office/powerpoint/2010/main" val="2746074815"/>
-      </p:ext>
-    </p:extLst>
-  </p:cSld>
-  <p:clrMapOvr>
-    <a:masterClrMapping/>
-  </p:clrMapOvr>
-  <mc:AlternateContent xmlns:mc="http://schemas.openxmlformats.org/markup-compatibility/2006" xmlns:p14="http://schemas.microsoft.com/office/powerpoint/2010/main">
-    <mc:Choice Requires="p14">
-      <p:transition p14:dur="0"/>
-    </mc:Choice>
-    <mc:Fallback xmlns="">
-      <p:transition/>
-    </mc:Fallback>
-  </mc:AlternateContent>
-  <p:timing>
-    <p:tnLst>
-      <p:par>
-        <p:cTn id="1" dur="indefinite" restart="never" nodeType="tmRoot">
-          <p:childTnLst>
-            <p:seq concurrent="1" nextAc="seek">
-              <p:cTn id="2" dur="indefinite" nodeType="mainSeq">
-                <p:childTnLst>
-                  <p:par>
-                    <p:cTn id="3" fill="hold">
-                      <p:stCondLst>
-                        <p:cond delay="indefinite"/>
-                      </p:stCondLst>
-                      <p:childTnLst>
-                        <p:par>
-                          <p:cTn id="4" fill="hold">
-                            <p:stCondLst>
-                              <p:cond delay="0"/>
-                            </p:stCondLst>
-                            <p:childTnLst>
-                              <p:par>
-                                <p:cTn id="5" presetID="1" presetClass="entr" presetSubtype="0" fill="hold" grpId="0" nodeType="clickEffect">
-                                  <p:stCondLst>
-                                    <p:cond delay="0"/>
-                                  </p:stCondLst>
-                                  <p:childTnLst>
-                                    <p:set>
-                                      <p:cBhvr>
-                                        <p:cTn id="6" dur="1" fill="hold">
-                                          <p:stCondLst>
-                                            <p:cond delay="0"/>
-                                          </p:stCondLst>
-                                        </p:cTn>
-                                        <p:tgtEl>
-                                          <p:spTgt spid="5"/>
-                                        </p:tgtEl>
-                                        <p:attrNameLst>
-                                          <p:attrName>style.visibility</p:attrName>
-                                        </p:attrNameLst>
-                                      </p:cBhvr>
-                                      <p:to>
-                                        <p:strVal val="visible"/>
-                                      </p:to>
-                                    </p:set>
-                                  </p:childTnLst>
-                                </p:cTn>
-                              </p:par>
-                            </p:childTnLst>
-                          </p:cTn>
-                        </p:par>
-                      </p:childTnLst>
-                    </p:cTn>
-                  </p:par>
-                  <p:par>
-                    <p:cTn id="7" fill="hold">
-                      <p:stCondLst>
-                        <p:cond delay="indefinite"/>
-                      </p:stCondLst>
-                      <p:childTnLst>
-                        <p:par>
-                          <p:cTn id="8" fill="hold">
-                            <p:stCondLst>
-                              <p:cond delay="0"/>
-                            </p:stCondLst>
-                            <p:childTnLst>
-                              <p:par>
-                                <p:cTn id="9" presetID="1" presetClass="entr" presetSubtype="0" fill="hold" grpId="0" nodeType="clickEffect">
-                                  <p:stCondLst>
-                                    <p:cond delay="0"/>
-                                  </p:stCondLst>
-                                  <p:childTnLst>
-                                    <p:set>
-                                      <p:cBhvr>
-                                        <p:cTn id="10" dur="1" fill="hold">
-                                          <p:stCondLst>
-                                            <p:cond delay="0"/>
-                                          </p:stCondLst>
-                                        </p:cTn>
-                                        <p:tgtEl>
-                                          <p:spTgt spid="6"/>
-                                        </p:tgtEl>
-                                        <p:attrNameLst>
-                                          <p:attrName>style.visibility</p:attrName>
-                                        </p:attrNameLst>
-                                      </p:cBhvr>
-                                      <p:to>
-                                        <p:strVal val="visible"/>
-                                      </p:to>
-                                    </p:set>
-                                  </p:childTnLst>
-                                </p:cTn>
-                              </p:par>
-                            </p:childTnLst>
-                          </p:cTn>
-                        </p:par>
-                      </p:childTnLst>
-                    </p:cTn>
-                  </p:par>
-                  <p:par>
-                    <p:cTn id="11" fill="hold">
-                      <p:stCondLst>
-                        <p:cond delay="indefinite"/>
-                      </p:stCondLst>
-                      <p:childTnLst>
-                        <p:par>
-                          <p:cTn id="12" fill="hold">
-                            <p:stCondLst>
-                              <p:cond delay="0"/>
-                            </p:stCondLst>
-                            <p:childTnLst>
-                              <p:par>
-                                <p:cTn id="13" presetID="1" presetClass="entr" presetSubtype="0" fill="hold" grpId="0" nodeType="clickEffect">
-                                  <p:stCondLst>
-                                    <p:cond delay="0"/>
-                                  </p:stCondLst>
-                                  <p:childTnLst>
-                                    <p:set>
-                                      <p:cBhvr>
-                                        <p:cTn id="14" dur="1" fill="hold">
-                                          <p:stCondLst>
-                                            <p:cond delay="0"/>
-                                          </p:stCondLst>
-                                        </p:cTn>
-                                        <p:tgtEl>
-                                          <p:spTgt spid="7"/>
-                                        </p:tgtEl>
-                                        <p:attrNameLst>
-                                          <p:attrName>style.visibility</p:attrName>
-                                        </p:attrNameLst>
-                                      </p:cBhvr>
-                                      <p:to>
-                                        <p:strVal val="visible"/>
-                                      </p:to>
-                                    </p:set>
-                                  </p:childTnLst>
-                                </p:cTn>
-                              </p:par>
-                            </p:childTnLst>
-                          </p:cTn>
-                        </p:par>
-                      </p:childTnLst>
-                    </p:cTn>
-                  </p:par>
-                </p:childTnLst>
-              </p:cTn>
-              <p:prevCondLst>
-                <p:cond evt="onPrev" delay="0">
-                  <p:tgtEl>
-                    <p:sldTgt/>
-                  </p:tgtEl>
-                </p:cond>
-              </p:prevCondLst>
-              <p:nextCondLst>
-                <p:cond evt="onNext" delay="0">
-                  <p:tgtEl>
-                    <p:sldTgt/>
-                  </p:tgtEl>
-                </p:cond>
-              </p:nextCondLst>
-            </p:seq>
-          </p:childTnLst>
-        </p:cTn>
-      </p:par>
-    </p:tnLst>
-    <p:bldLst>
-      <p:bldP spid="5" grpId="0" animBg="1"/>
-      <p:bldP spid="6" grpId="0" animBg="1"/>
-      <p:bldP spid="7" grpId="0" animBg="1"/>
-    </p:bldLst>
-  </p:timing>
-</p:sld>
-</file>
-
-<file path=ppt/slides/slide45.xml><?xml version="1.0" encoding="utf-8"?>
-<p:sld xmlns:a="http://schemas.openxmlformats.org/drawingml/2006/main" xmlns:r="http://schemas.openxmlformats.org/officeDocument/2006/relationships" xmlns:p="http://schemas.openxmlformats.org/presentationml/2006/main">
-  <p:cSld>
-    <p:spTree>
-      <p:nvGrpSpPr>
-        <p:cNvPr id="1" name=""/>
-        <p:cNvGrpSpPr/>
-        <p:nvPr/>
-      </p:nvGrpSpPr>
-      <p:grpSpPr>
-        <a:xfrm>
-          <a:off x="0" y="0"/>
-          <a:ext cx="0" cy="0"/>
-          <a:chOff x="0" y="0"/>
-          <a:chExt cx="0" cy="0"/>
-        </a:xfrm>
-      </p:grpSpPr>
-      <p:sp>
-        <p:nvSpPr>
           <p:cNvPr id="6" name="Slide Number Placeholder 5"/>
           <p:cNvSpPr>
             <a:spLocks noGrp="1"/>
@@ -23414,7 +22424,7 @@
             <a:fld id="{C014DD1E-5D91-48A3-AD6D-45FBA980D106}" type="slidenum">
               <a:rPr lang="en-US" smtClean="0"/>
               <a:pPr/>
-              <a:t>45</a:t>
+              <a:t>44</a:t>
             </a:fld>
             <a:endParaRPr lang="en-US" dirty="0"/>
           </a:p>
@@ -24117,7 +23127,7 @@
 </p:sld>
 </file>
 
-<file path=ppt/slides/slide46.xml><?xml version="1.0" encoding="utf-8"?>
+<file path=ppt/slides/slide45.xml><?xml version="1.0" encoding="utf-8"?>
 <p:sld xmlns:a="http://schemas.openxmlformats.org/drawingml/2006/main" xmlns:r="http://schemas.openxmlformats.org/officeDocument/2006/relationships" xmlns:p="http://schemas.openxmlformats.org/presentationml/2006/main">
   <p:cSld>
     <p:spTree>
@@ -24542,7 +23552,7 @@
 </p:sld>
 </file>
 
-<file path=ppt/slides/slide47.xml><?xml version="1.0" encoding="utf-8"?>
+<file path=ppt/slides/slide46.xml><?xml version="1.0" encoding="utf-8"?>
 <p:sld xmlns:a="http://schemas.openxmlformats.org/drawingml/2006/main" xmlns:r="http://schemas.openxmlformats.org/officeDocument/2006/relationships" xmlns:p="http://schemas.openxmlformats.org/presentationml/2006/main">
   <p:cSld>
     <p:spTree>
@@ -24692,7 +23702,7 @@
             <a:fld id="{C014DD1E-5D91-48A3-AD6D-45FBA980D106}" type="slidenum">
               <a:rPr lang="en-US" smtClean="0"/>
               <a:pPr/>
-              <a:t>47</a:t>
+              <a:t>46</a:t>
             </a:fld>
             <a:endParaRPr lang="en-US" dirty="0"/>
           </a:p>
@@ -24851,7 +23861,7 @@
 </p:sld>
 </file>
 
-<file path=ppt/slides/slide48.xml><?xml version="1.0" encoding="utf-8"?>
+<file path=ppt/slides/slide47.xml><?xml version="1.0" encoding="utf-8"?>
 <p:sld xmlns:a="http://schemas.openxmlformats.org/drawingml/2006/main" xmlns:r="http://schemas.openxmlformats.org/officeDocument/2006/relationships" xmlns:p="http://schemas.openxmlformats.org/presentationml/2006/main">
   <p:cSld>
     <p:spTree>
